--- a/MetaReader.pptx
+++ b/MetaReader.pptx
@@ -2532,15 +2532,15 @@
 </file>
 
 <file path=ppt/diagrams/colors4.xml><?xml version="1.0" encoding="utf-8"?>
-<dgm:colorsDef xmlns:dgm="http://schemas.openxmlformats.org/drawingml/2006/diagram" xmlns:a="http://schemas.openxmlformats.org/drawingml/2006/main" uniqueId="urn:microsoft.com/office/officeart/2005/8/colors/accent3_2">
+<dgm:colorsDef xmlns:dgm="http://schemas.openxmlformats.org/drawingml/2006/diagram" xmlns:a="http://schemas.openxmlformats.org/drawingml/2006/main" uniqueId="urn:microsoft.com/office/officeart/2005/8/colors/accent4_2">
   <dgm:title val=""/>
   <dgm:desc val=""/>
   <dgm:catLst>
-    <dgm:cat type="accent3" pri="11200"/>
+    <dgm:cat type="accent4" pri="11200"/>
   </dgm:catLst>
   <dgm:styleLbl name="node0">
     <dgm:fillClrLst meth="repeat">
-      <a:schemeClr val="accent3"/>
+      <a:schemeClr val="accent4"/>
     </dgm:fillClrLst>
     <dgm:linClrLst meth="repeat">
       <a:schemeClr val="lt1"/>
@@ -2552,7 +2552,7 @@
   </dgm:styleLbl>
   <dgm:styleLbl name="node1">
     <dgm:fillClrLst meth="repeat">
-      <a:schemeClr val="accent3"/>
+      <a:schemeClr val="accent4"/>
     </dgm:fillClrLst>
     <dgm:linClrLst meth="repeat">
       <a:schemeClr val="lt1"/>
@@ -2564,10 +2564,10 @@
   </dgm:styleLbl>
   <dgm:styleLbl name="alignNode1">
     <dgm:fillClrLst meth="repeat">
-      <a:schemeClr val="accent3"/>
-    </dgm:fillClrLst>
-    <dgm:linClrLst meth="repeat">
-      <a:schemeClr val="accent3"/>
+      <a:schemeClr val="accent4"/>
+    </dgm:fillClrLst>
+    <dgm:linClrLst meth="repeat">
+      <a:schemeClr val="accent4"/>
     </dgm:linClrLst>
     <dgm:effectClrLst/>
     <dgm:txLinClrLst/>
@@ -2576,7 +2576,7 @@
   </dgm:styleLbl>
   <dgm:styleLbl name="lnNode1">
     <dgm:fillClrLst meth="repeat">
-      <a:schemeClr val="accent3"/>
+      <a:schemeClr val="accent4"/>
     </dgm:fillClrLst>
     <dgm:linClrLst meth="repeat">
       <a:schemeClr val="lt1"/>
@@ -2588,7 +2588,7 @@
   </dgm:styleLbl>
   <dgm:styleLbl name="vennNode1">
     <dgm:fillClrLst meth="repeat">
-      <a:schemeClr val="accent3">
+      <a:schemeClr val="accent4">
         <a:alpha val="50000"/>
       </a:schemeClr>
     </dgm:fillClrLst>
@@ -2602,7 +2602,7 @@
   </dgm:styleLbl>
   <dgm:styleLbl name="node2">
     <dgm:fillClrLst meth="repeat">
-      <a:schemeClr val="accent3"/>
+      <a:schemeClr val="accent4"/>
     </dgm:fillClrLst>
     <dgm:linClrLst meth="repeat">
       <a:schemeClr val="lt1"/>
@@ -2614,7 +2614,7 @@
   </dgm:styleLbl>
   <dgm:styleLbl name="node3">
     <dgm:fillClrLst meth="repeat">
-      <a:schemeClr val="accent3"/>
+      <a:schemeClr val="accent4"/>
     </dgm:fillClrLst>
     <dgm:linClrLst meth="repeat">
       <a:schemeClr val="lt1"/>
@@ -2626,7 +2626,7 @@
   </dgm:styleLbl>
   <dgm:styleLbl name="node4">
     <dgm:fillClrLst meth="repeat">
-      <a:schemeClr val="accent3"/>
+      <a:schemeClr val="accent4"/>
     </dgm:fillClrLst>
     <dgm:linClrLst meth="repeat">
       <a:schemeClr val="lt1"/>
@@ -2638,7 +2638,7 @@
   </dgm:styleLbl>
   <dgm:styleLbl name="fgImgPlace1">
     <dgm:fillClrLst meth="repeat">
-      <a:schemeClr val="accent3">
+      <a:schemeClr val="accent4">
         <a:tint val="50000"/>
       </a:schemeClr>
     </dgm:fillClrLst>
@@ -2654,7 +2654,7 @@
   </dgm:styleLbl>
   <dgm:styleLbl name="alignImgPlace1">
     <dgm:fillClrLst meth="repeat">
-      <a:schemeClr val="accent3">
+      <a:schemeClr val="accent4">
         <a:tint val="50000"/>
       </a:schemeClr>
     </dgm:fillClrLst>
@@ -2670,7 +2670,7 @@
   </dgm:styleLbl>
   <dgm:styleLbl name="bgImgPlace1">
     <dgm:fillClrLst meth="repeat">
-      <a:schemeClr val="accent3">
+      <a:schemeClr val="accent4">
         <a:tint val="50000"/>
       </a:schemeClr>
     </dgm:fillClrLst>
@@ -2686,12 +2686,12 @@
   </dgm:styleLbl>
   <dgm:styleLbl name="sibTrans2D1">
     <dgm:fillClrLst meth="repeat">
-      <a:schemeClr val="accent3">
+      <a:schemeClr val="accent4">
         <a:tint val="60000"/>
       </a:schemeClr>
     </dgm:fillClrLst>
     <dgm:linClrLst meth="repeat">
-      <a:schemeClr val="accent3">
+      <a:schemeClr val="accent4">
         <a:tint val="60000"/>
       </a:schemeClr>
     </dgm:linClrLst>
@@ -2702,12 +2702,12 @@
   </dgm:styleLbl>
   <dgm:styleLbl name="fgSibTrans2D1">
     <dgm:fillClrLst meth="repeat">
-      <a:schemeClr val="accent3">
+      <a:schemeClr val="accent4">
         <a:tint val="60000"/>
       </a:schemeClr>
     </dgm:fillClrLst>
     <dgm:linClrLst meth="repeat">
-      <a:schemeClr val="accent3">
+      <a:schemeClr val="accent4">
         <a:tint val="60000"/>
       </a:schemeClr>
     </dgm:linClrLst>
@@ -2718,12 +2718,12 @@
   </dgm:styleLbl>
   <dgm:styleLbl name="bgSibTrans2D1">
     <dgm:fillClrLst meth="repeat">
-      <a:schemeClr val="accent3">
+      <a:schemeClr val="accent4">
         <a:tint val="60000"/>
       </a:schemeClr>
     </dgm:fillClrLst>
     <dgm:linClrLst meth="repeat">
-      <a:schemeClr val="accent3">
+      <a:schemeClr val="accent4">
         <a:tint val="60000"/>
       </a:schemeClr>
     </dgm:linClrLst>
@@ -2734,10 +2734,10 @@
   </dgm:styleLbl>
   <dgm:styleLbl name="sibTrans1D1">
     <dgm:fillClrLst meth="repeat">
-      <a:schemeClr val="accent3"/>
-    </dgm:fillClrLst>
-    <dgm:linClrLst meth="repeat">
-      <a:schemeClr val="accent3"/>
+      <a:schemeClr val="accent4"/>
+    </dgm:fillClrLst>
+    <dgm:linClrLst meth="repeat">
+      <a:schemeClr val="accent4"/>
     </dgm:linClrLst>
     <dgm:effectClrLst/>
     <dgm:txLinClrLst/>
@@ -2748,10 +2748,10 @@
   </dgm:styleLbl>
   <dgm:styleLbl name="callout">
     <dgm:fillClrLst meth="repeat">
-      <a:schemeClr val="accent3"/>
-    </dgm:fillClrLst>
-    <dgm:linClrLst meth="repeat">
-      <a:schemeClr val="accent3">
+      <a:schemeClr val="accent4"/>
+    </dgm:fillClrLst>
+    <dgm:linClrLst meth="repeat">
+      <a:schemeClr val="accent4">
         <a:tint val="50000"/>
       </a:schemeClr>
     </dgm:linClrLst>
@@ -2764,7 +2764,7 @@
   </dgm:styleLbl>
   <dgm:styleLbl name="asst0">
     <dgm:fillClrLst meth="repeat">
-      <a:schemeClr val="accent3"/>
+      <a:schemeClr val="accent4"/>
     </dgm:fillClrLst>
     <dgm:linClrLst meth="repeat">
       <a:schemeClr val="lt1"/>
@@ -2776,7 +2776,7 @@
   </dgm:styleLbl>
   <dgm:styleLbl name="asst1">
     <dgm:fillClrLst meth="repeat">
-      <a:schemeClr val="accent3"/>
+      <a:schemeClr val="accent4"/>
     </dgm:fillClrLst>
     <dgm:linClrLst meth="repeat">
       <a:schemeClr val="lt1"/>
@@ -2788,7 +2788,7 @@
   </dgm:styleLbl>
   <dgm:styleLbl name="asst2">
     <dgm:fillClrLst meth="repeat">
-      <a:schemeClr val="accent3"/>
+      <a:schemeClr val="accent4"/>
     </dgm:fillClrLst>
     <dgm:linClrLst meth="repeat">
       <a:schemeClr val="lt1"/>
@@ -2800,7 +2800,7 @@
   </dgm:styleLbl>
   <dgm:styleLbl name="asst3">
     <dgm:fillClrLst meth="repeat">
-      <a:schemeClr val="accent3"/>
+      <a:schemeClr val="accent4"/>
     </dgm:fillClrLst>
     <dgm:linClrLst meth="repeat">
       <a:schemeClr val="lt1"/>
@@ -2812,7 +2812,7 @@
   </dgm:styleLbl>
   <dgm:styleLbl name="asst4">
     <dgm:fillClrLst meth="repeat">
-      <a:schemeClr val="accent3"/>
+      <a:schemeClr val="accent4"/>
     </dgm:fillClrLst>
     <dgm:linClrLst meth="repeat">
       <a:schemeClr val="lt1"/>
@@ -2824,12 +2824,12 @@
   </dgm:styleLbl>
   <dgm:styleLbl name="parChTrans2D1">
     <dgm:fillClrLst meth="repeat">
-      <a:schemeClr val="accent3">
+      <a:schemeClr val="accent4">
         <a:tint val="60000"/>
       </a:schemeClr>
     </dgm:fillClrLst>
     <dgm:linClrLst meth="repeat">
-      <a:schemeClr val="accent3">
+      <a:schemeClr val="accent4">
         <a:tint val="60000"/>
       </a:schemeClr>
     </dgm:linClrLst>
@@ -2842,10 +2842,10 @@
   </dgm:styleLbl>
   <dgm:styleLbl name="parChTrans2D2">
     <dgm:fillClrLst meth="repeat">
-      <a:schemeClr val="accent3"/>
-    </dgm:fillClrLst>
-    <dgm:linClrLst meth="repeat">
-      <a:schemeClr val="accent3"/>
+      <a:schemeClr val="accent4"/>
+    </dgm:fillClrLst>
+    <dgm:linClrLst meth="repeat">
+      <a:schemeClr val="accent4"/>
     </dgm:linClrLst>
     <dgm:effectClrLst/>
     <dgm:txLinClrLst/>
@@ -2856,10 +2856,10 @@
   </dgm:styleLbl>
   <dgm:styleLbl name="parChTrans2D3">
     <dgm:fillClrLst meth="repeat">
-      <a:schemeClr val="accent3"/>
-    </dgm:fillClrLst>
-    <dgm:linClrLst meth="repeat">
-      <a:schemeClr val="accent3"/>
+      <a:schemeClr val="accent4"/>
+    </dgm:fillClrLst>
+    <dgm:linClrLst meth="repeat">
+      <a:schemeClr val="accent4"/>
     </dgm:linClrLst>
     <dgm:effectClrLst/>
     <dgm:txLinClrLst/>
@@ -2870,10 +2870,10 @@
   </dgm:styleLbl>
   <dgm:styleLbl name="parChTrans2D4">
     <dgm:fillClrLst meth="repeat">
-      <a:schemeClr val="accent3"/>
-    </dgm:fillClrLst>
-    <dgm:linClrLst meth="repeat">
-      <a:schemeClr val="accent3"/>
+      <a:schemeClr val="accent4"/>
+    </dgm:fillClrLst>
+    <dgm:linClrLst meth="repeat">
+      <a:schemeClr val="accent4"/>
     </dgm:linClrLst>
     <dgm:effectClrLst/>
     <dgm:txLinClrLst/>
@@ -2884,10 +2884,10 @@
   </dgm:styleLbl>
   <dgm:styleLbl name="parChTrans1D1">
     <dgm:fillClrLst meth="repeat">
-      <a:schemeClr val="accent3"/>
-    </dgm:fillClrLst>
-    <dgm:linClrLst meth="repeat">
-      <a:schemeClr val="accent3">
+      <a:schemeClr val="accent4"/>
+    </dgm:fillClrLst>
+    <dgm:linClrLst meth="repeat">
+      <a:schemeClr val="accent4">
         <a:shade val="60000"/>
       </a:schemeClr>
     </dgm:linClrLst>
@@ -2900,10 +2900,10 @@
   </dgm:styleLbl>
   <dgm:styleLbl name="parChTrans1D2">
     <dgm:fillClrLst meth="repeat">
-      <a:schemeClr val="accent3"/>
-    </dgm:fillClrLst>
-    <dgm:linClrLst meth="repeat">
-      <a:schemeClr val="accent3">
+      <a:schemeClr val="accent4"/>
+    </dgm:fillClrLst>
+    <dgm:linClrLst meth="repeat">
+      <a:schemeClr val="accent4">
         <a:shade val="60000"/>
       </a:schemeClr>
     </dgm:linClrLst>
@@ -2916,10 +2916,10 @@
   </dgm:styleLbl>
   <dgm:styleLbl name="parChTrans1D3">
     <dgm:fillClrLst meth="repeat">
-      <a:schemeClr val="accent3"/>
-    </dgm:fillClrLst>
-    <dgm:linClrLst meth="repeat">
-      <a:schemeClr val="accent3">
+      <a:schemeClr val="accent4"/>
+    </dgm:fillClrLst>
+    <dgm:linClrLst meth="repeat">
+      <a:schemeClr val="accent4">
         <a:shade val="80000"/>
       </a:schemeClr>
     </dgm:linClrLst>
@@ -2932,10 +2932,10 @@
   </dgm:styleLbl>
   <dgm:styleLbl name="parChTrans1D4">
     <dgm:fillClrLst meth="repeat">
-      <a:schemeClr val="accent3"/>
-    </dgm:fillClrLst>
-    <dgm:linClrLst meth="repeat">
-      <a:schemeClr val="accent3">
+      <a:schemeClr val="accent4"/>
+    </dgm:fillClrLst>
+    <dgm:linClrLst meth="repeat">
+      <a:schemeClr val="accent4">
         <a:shade val="80000"/>
       </a:schemeClr>
     </dgm:linClrLst>
@@ -2953,7 +2953,7 @@
       </a:schemeClr>
     </dgm:fillClrLst>
     <dgm:linClrLst meth="repeat">
-      <a:schemeClr val="accent3"/>
+      <a:schemeClr val="accent4"/>
     </dgm:linClrLst>
     <dgm:effectClrLst/>
     <dgm:txLinClrLst/>
@@ -2969,7 +2969,7 @@
       </a:schemeClr>
     </dgm:fillClrLst>
     <dgm:linClrLst meth="repeat">
-      <a:schemeClr val="accent3"/>
+      <a:schemeClr val="accent4"/>
     </dgm:linClrLst>
     <dgm:effectClrLst/>
     <dgm:txLinClrLst/>
@@ -2985,7 +2985,7 @@
       </a:schemeClr>
     </dgm:fillClrLst>
     <dgm:linClrLst meth="repeat">
-      <a:schemeClr val="accent3"/>
+      <a:schemeClr val="accent4"/>
     </dgm:linClrLst>
     <dgm:effectClrLst/>
     <dgm:txLinClrLst/>
@@ -3001,7 +3001,7 @@
       </a:schemeClr>
     </dgm:fillClrLst>
     <dgm:linClrLst meth="repeat">
-      <a:schemeClr val="accent3"/>
+      <a:schemeClr val="accent4"/>
     </dgm:linClrLst>
     <dgm:effectClrLst/>
     <dgm:txLinClrLst/>
@@ -3017,7 +3017,7 @@
       </a:schemeClr>
     </dgm:fillClrLst>
     <dgm:linClrLst meth="repeat">
-      <a:schemeClr val="accent3"/>
+      <a:schemeClr val="accent4"/>
     </dgm:linClrLst>
     <dgm:effectClrLst/>
     <dgm:txLinClrLst/>
@@ -3031,7 +3031,7 @@
       <a:schemeClr val="lt1"/>
     </dgm:fillClrLst>
     <dgm:linClrLst meth="repeat">
-      <a:schemeClr val="accent3"/>
+      <a:schemeClr val="accent4"/>
     </dgm:linClrLst>
     <dgm:effectClrLst/>
     <dgm:txLinClrLst/>
@@ -3045,7 +3045,7 @@
       <a:schemeClr val="lt1"/>
     </dgm:fillClrLst>
     <dgm:linClrLst meth="repeat">
-      <a:schemeClr val="accent3"/>
+      <a:schemeClr val="accent4"/>
     </dgm:linClrLst>
     <dgm:effectClrLst/>
     <dgm:txLinClrLst/>
@@ -3059,7 +3059,7 @@
       <a:schemeClr val="lt1"/>
     </dgm:fillClrLst>
     <dgm:linClrLst meth="repeat">
-      <a:schemeClr val="accent3"/>
+      <a:schemeClr val="accent4"/>
     </dgm:linClrLst>
     <dgm:effectClrLst/>
     <dgm:txLinClrLst/>
@@ -3070,13 +3070,13 @@
   </dgm:styleLbl>
   <dgm:styleLbl name="fgAccFollowNode1">
     <dgm:fillClrLst meth="repeat">
-      <a:schemeClr val="accent3">
+      <a:schemeClr val="accent4">
         <a:alpha val="90000"/>
         <a:tint val="40000"/>
       </a:schemeClr>
     </dgm:fillClrLst>
     <dgm:linClrLst meth="repeat">
-      <a:schemeClr val="accent3">
+      <a:schemeClr val="accent4">
         <a:alpha val="90000"/>
         <a:tint val="40000"/>
       </a:schemeClr>
@@ -3090,13 +3090,13 @@
   </dgm:styleLbl>
   <dgm:styleLbl name="alignAccFollowNode1">
     <dgm:fillClrLst meth="repeat">
-      <a:schemeClr val="accent3">
+      <a:schemeClr val="accent4">
         <a:alpha val="90000"/>
         <a:tint val="40000"/>
       </a:schemeClr>
     </dgm:fillClrLst>
     <dgm:linClrLst meth="repeat">
-      <a:schemeClr val="accent3">
+      <a:schemeClr val="accent4">
         <a:alpha val="90000"/>
         <a:tint val="40000"/>
       </a:schemeClr>
@@ -3110,13 +3110,13 @@
   </dgm:styleLbl>
   <dgm:styleLbl name="bgAccFollowNode1">
     <dgm:fillClrLst meth="repeat">
-      <a:schemeClr val="accent3">
+      <a:schemeClr val="accent4">
         <a:alpha val="90000"/>
         <a:tint val="40000"/>
       </a:schemeClr>
     </dgm:fillClrLst>
     <dgm:linClrLst meth="repeat">
-      <a:schemeClr val="accent3">
+      <a:schemeClr val="accent4">
         <a:alpha val="90000"/>
         <a:tint val="40000"/>
       </a:schemeClr>
@@ -3135,7 +3135,7 @@
       </a:schemeClr>
     </dgm:fillClrLst>
     <dgm:linClrLst meth="repeat">
-      <a:schemeClr val="accent3"/>
+      <a:schemeClr val="accent4"/>
     </dgm:linClrLst>
     <dgm:effectClrLst/>
     <dgm:txLinClrLst/>
@@ -3151,7 +3151,7 @@
       </a:schemeClr>
     </dgm:fillClrLst>
     <dgm:linClrLst meth="repeat">
-      <a:schemeClr val="accent3"/>
+      <a:schemeClr val="accent4"/>
     </dgm:linClrLst>
     <dgm:effectClrLst/>
     <dgm:txLinClrLst/>
@@ -3167,7 +3167,7 @@
       </a:schemeClr>
     </dgm:fillClrLst>
     <dgm:linClrLst meth="repeat">
-      <a:schemeClr val="accent3"/>
+      <a:schemeClr val="accent4"/>
     </dgm:linClrLst>
     <dgm:effectClrLst/>
     <dgm:txLinClrLst/>
@@ -3183,7 +3183,7 @@
       </a:schemeClr>
     </dgm:fillClrLst>
     <dgm:linClrLst meth="repeat">
-      <a:schemeClr val="accent3"/>
+      <a:schemeClr val="accent4"/>
     </dgm:linClrLst>
     <dgm:effectClrLst/>
     <dgm:txLinClrLst/>
@@ -3194,12 +3194,12 @@
   </dgm:styleLbl>
   <dgm:styleLbl name="bgShp">
     <dgm:fillClrLst meth="repeat">
-      <a:schemeClr val="accent3">
+      <a:schemeClr val="accent4">
         <a:tint val="40000"/>
       </a:schemeClr>
     </dgm:fillClrLst>
     <dgm:linClrLst meth="repeat">
-      <a:schemeClr val="accent3"/>
+      <a:schemeClr val="accent4"/>
     </dgm:linClrLst>
     <dgm:effectClrLst/>
     <dgm:txLinClrLst/>
@@ -3210,12 +3210,12 @@
   </dgm:styleLbl>
   <dgm:styleLbl name="dkBgShp">
     <dgm:fillClrLst meth="repeat">
-      <a:schemeClr val="accent3">
+      <a:schemeClr val="accent4">
         <a:shade val="80000"/>
       </a:schemeClr>
     </dgm:fillClrLst>
     <dgm:linClrLst meth="repeat">
-      <a:schemeClr val="accent3"/>
+      <a:schemeClr val="accent4"/>
     </dgm:linClrLst>
     <dgm:effectClrLst/>
     <dgm:txLinClrLst/>
@@ -3226,13 +3226,13 @@
   </dgm:styleLbl>
   <dgm:styleLbl name="trBgShp">
     <dgm:fillClrLst meth="repeat">
-      <a:schemeClr val="accent3">
+      <a:schemeClr val="accent4">
         <a:tint val="50000"/>
         <a:alpha val="40000"/>
       </a:schemeClr>
     </dgm:fillClrLst>
     <dgm:linClrLst meth="repeat">
-      <a:schemeClr val="accent3"/>
+      <a:schemeClr val="accent4"/>
     </dgm:linClrLst>
     <dgm:effectClrLst/>
     <dgm:txLinClrLst/>
@@ -3243,7 +3243,7 @@
   </dgm:styleLbl>
   <dgm:styleLbl name="fgShp">
     <dgm:fillClrLst meth="repeat">
-      <a:schemeClr val="accent3">
+      <a:schemeClr val="accent4">
         <a:tint val="60000"/>
       </a:schemeClr>
     </dgm:fillClrLst>
@@ -7776,7 +7776,7 @@
 <dgm:dataModel xmlns:dgm="http://schemas.openxmlformats.org/drawingml/2006/diagram" xmlns:a="http://schemas.openxmlformats.org/drawingml/2006/main">
   <dgm:ptLst>
     <dgm:pt modelId="{0642F593-C6D4-41FF-9483-C17DB3F14C47}" type="doc">
-      <dgm:prSet loTypeId="urn:microsoft.com/office/officeart/2005/8/layout/hList1" loCatId="list" qsTypeId="urn:microsoft.com/office/officeart/2005/8/quickstyle/simple1" qsCatId="simple" csTypeId="urn:microsoft.com/office/officeart/2005/8/colors/accent3_2" csCatId="accent3" phldr="1"/>
+      <dgm:prSet loTypeId="urn:microsoft.com/office/officeart/2005/8/layout/hList1" loCatId="list" qsTypeId="urn:microsoft.com/office/officeart/2005/8/quickstyle/simple1" qsCatId="simple" csTypeId="urn:microsoft.com/office/officeart/2005/8/colors/accent4_2" csCatId="accent4" phldr="1"/>
       <dgm:spPr/>
       <dgm:t>
         <a:bodyPr/>
@@ -8213,10 +8213,10 @@
         <a:lstStyle/>
         <a:p>
           <a:r>
-            <a:rPr lang="en-US" smtClean="0"/>
-            <a:t>General</a:t>
+            <a:rPr lang="en-US" dirty="0" smtClean="0"/>
+            <a:t>All</a:t>
           </a:r>
-          <a:endParaRPr lang="en-US"/>
+          <a:endParaRPr lang="en-US" dirty="0"/>
         </a:p>
       </dgm:t>
     </dgm:pt>
@@ -9000,7 +9000,7 @@
 <file path=ppt/diagrams/data7.xml><?xml version="1.0" encoding="utf-8"?>
 <dgm:dataModel xmlns:dgm="http://schemas.openxmlformats.org/drawingml/2006/diagram" xmlns:a="http://schemas.openxmlformats.org/drawingml/2006/main">
   <dgm:ptLst>
-    <dgm:pt modelId="{44F727C6-387E-4970-8AEE-33C41232317E}" type="doc">
+    <dgm:pt modelId="{DCFF8196-AF79-49B7-93B3-4E8303FE0A72}" type="doc">
       <dgm:prSet loTypeId="urn:microsoft.com/office/officeart/2005/8/layout/hList1" loCatId="list" qsTypeId="urn:microsoft.com/office/officeart/2005/8/quickstyle/simple1" qsCatId="simple" csTypeId="urn:microsoft.com/office/officeart/2005/8/colors/accent1_2" csCatId="accent1" phldr="1"/>
       <dgm:spPr/>
       <dgm:t>
@@ -9011,7 +9011,7 @@
         </a:p>
       </dgm:t>
     </dgm:pt>
-    <dgm:pt modelId="{AEA3A2E8-914C-41C5-9EE5-D8D7656F0E87}">
+    <dgm:pt modelId="{CDC65E15-49F5-4324-A122-2E3B8E9336A6}">
       <dgm:prSet/>
       <dgm:spPr/>
       <dgm:t>
@@ -9019,14 +9019,14 @@
         <a:lstStyle/>
         <a:p>
           <a:r>
-            <a:rPr lang="en-US" dirty="0" smtClean="0"/>
+            <a:rPr lang="en-US" smtClean="0"/>
             <a:t>Numbers</a:t>
           </a:r>
-          <a:endParaRPr lang="en-US" dirty="0" smtClean="0"/>
+          <a:endParaRPr lang="en-US"/>
         </a:p>
       </dgm:t>
     </dgm:pt>
-    <dgm:pt modelId="{9E3D02AD-3A30-43CB-BD0F-2287AAB6AF6F}" type="parTrans" cxnId="{9F9678C8-5825-44BB-98A3-1BF7D095A870}">
+    <dgm:pt modelId="{B505166D-1F52-4E22-89D2-49D1C6BEFC92}" type="parTrans" cxnId="{BDAC9039-C6F6-4008-B7ED-06FB40B30EC0}">
       <dgm:prSet/>
       <dgm:spPr/>
       <dgm:t>
@@ -9037,7 +9037,7 @@
         </a:p>
       </dgm:t>
     </dgm:pt>
-    <dgm:pt modelId="{D55C6D74-8697-421D-B493-D851215C4F81}" type="sibTrans" cxnId="{9F9678C8-5825-44BB-98A3-1BF7D095A870}">
+    <dgm:pt modelId="{6638C06F-925A-45CB-83C2-B5157DF0AE00}" type="sibTrans" cxnId="{BDAC9039-C6F6-4008-B7ED-06FB40B30EC0}">
       <dgm:prSet/>
       <dgm:spPr/>
       <dgm:t>
@@ -9048,7 +9048,7 @@
         </a:p>
       </dgm:t>
     </dgm:pt>
-    <dgm:pt modelId="{387FA5CE-C8D6-4CBD-846A-864448AF562A}">
+    <dgm:pt modelId="{29C4CC40-A91A-4116-BB95-ADA45EA3F7CE}">
       <dgm:prSet/>
       <dgm:spPr/>
       <dgm:t>
@@ -9063,7 +9063,7 @@
         </a:p>
       </dgm:t>
     </dgm:pt>
-    <dgm:pt modelId="{73B1FB50-2340-48C4-8C00-80788840B54F}" type="parTrans" cxnId="{5395D088-527C-46D5-BAB0-1111C817F5B6}">
+    <dgm:pt modelId="{06AB297F-9D7F-4F4A-90A4-E494C1EE1E28}" type="parTrans" cxnId="{1298428A-18D7-4FF7-B8F7-A255F7670BA0}">
       <dgm:prSet/>
       <dgm:spPr/>
       <dgm:t>
@@ -9074,7 +9074,7 @@
         </a:p>
       </dgm:t>
     </dgm:pt>
-    <dgm:pt modelId="{8E949181-A930-4071-A323-E974EE63EEE4}" type="sibTrans" cxnId="{5395D088-527C-46D5-BAB0-1111C817F5B6}">
+    <dgm:pt modelId="{1B5DE647-7B5A-4FD7-9031-0A4F5EAFEB91}" type="sibTrans" cxnId="{1298428A-18D7-4FF7-B8F7-A255F7670BA0}">
       <dgm:prSet/>
       <dgm:spPr/>
       <dgm:t>
@@ -9085,7 +9085,155 @@
         </a:p>
       </dgm:t>
     </dgm:pt>
-    <dgm:pt modelId="{AB2B899C-AB67-49B8-9F54-8189DD11459E}">
+    <dgm:pt modelId="{321CC0CA-9E0F-47BB-9905-9BB4A0BF7939}">
+      <dgm:prSet/>
+      <dgm:spPr/>
+      <dgm:t>
+        <a:bodyPr/>
+        <a:lstStyle/>
+        <a:p>
+          <a:r>
+            <a:rPr lang="en-US" dirty="0" smtClean="0"/>
+            <a:t>FD Lollipop</a:t>
+          </a:r>
+          <a:endParaRPr lang="en-US" dirty="0" smtClean="0"/>
+        </a:p>
+      </dgm:t>
+    </dgm:pt>
+    <dgm:pt modelId="{E552877A-D8A2-4A51-B722-C7958D9602B9}" type="parTrans" cxnId="{64231783-2354-426C-905B-DD58FE16C4B1}">
+      <dgm:prSet/>
+      <dgm:spPr/>
+      <dgm:t>
+        <a:bodyPr/>
+        <a:lstStyle/>
+        <a:p>
+          <a:endParaRPr lang="en-US"/>
+        </a:p>
+      </dgm:t>
+    </dgm:pt>
+    <dgm:pt modelId="{80D6A799-271D-4DBC-9FC8-B6705316CBAD}" type="sibTrans" cxnId="{64231783-2354-426C-905B-DD58FE16C4B1}">
+      <dgm:prSet/>
+      <dgm:spPr/>
+      <dgm:t>
+        <a:bodyPr/>
+        <a:lstStyle/>
+        <a:p>
+          <a:endParaRPr lang="en-US"/>
+        </a:p>
+      </dgm:t>
+    </dgm:pt>
+    <dgm:pt modelId="{3182C65F-2176-4AF7-8C9C-A2C0B2A95638}">
+      <dgm:prSet/>
+      <dgm:spPr/>
+      <dgm:t>
+        <a:bodyPr/>
+        <a:lstStyle/>
+        <a:p>
+          <a:r>
+            <a:rPr lang="en-US" dirty="0" smtClean="0"/>
+            <a:t>FD with Bins</a:t>
+          </a:r>
+          <a:endParaRPr lang="en-US" dirty="0" smtClean="0"/>
+        </a:p>
+      </dgm:t>
+    </dgm:pt>
+    <dgm:pt modelId="{DB86E4A1-EAE8-4578-84E4-79C27588945C}" type="parTrans" cxnId="{F76F50E6-27A8-4B29-B742-ECD90C2F5CDF}">
+      <dgm:prSet/>
+      <dgm:spPr/>
+      <dgm:t>
+        <a:bodyPr/>
+        <a:lstStyle/>
+        <a:p>
+          <a:endParaRPr lang="en-US"/>
+        </a:p>
+      </dgm:t>
+    </dgm:pt>
+    <dgm:pt modelId="{56094A21-0334-4FD8-BEC3-4F44D38D7646}" type="sibTrans" cxnId="{F76F50E6-27A8-4B29-B742-ECD90C2F5CDF}">
+      <dgm:prSet/>
+      <dgm:spPr/>
+      <dgm:t>
+        <a:bodyPr/>
+        <a:lstStyle/>
+        <a:p>
+          <a:endParaRPr lang="en-US"/>
+        </a:p>
+      </dgm:t>
+    </dgm:pt>
+    <dgm:pt modelId="{31A3AA1B-406D-44B3-B91C-BDD7F681BB22}">
+      <dgm:prSet/>
+      <dgm:spPr/>
+      <dgm:t>
+        <a:bodyPr/>
+        <a:lstStyle/>
+        <a:p>
+          <a:r>
+            <a:rPr lang="en-US" dirty="0" smtClean="0"/>
+            <a:t>Color spectrum</a:t>
+          </a:r>
+          <a:endParaRPr lang="en-US" dirty="0" smtClean="0"/>
+        </a:p>
+      </dgm:t>
+    </dgm:pt>
+    <dgm:pt modelId="{E4E0FED6-B712-41B6-9814-C5F49DA1A27D}" type="parTrans" cxnId="{84A5A7B6-7B37-460D-BFC9-7EDAB85CCD09}">
+      <dgm:prSet/>
+      <dgm:spPr/>
+      <dgm:t>
+        <a:bodyPr/>
+        <a:lstStyle/>
+        <a:p>
+          <a:endParaRPr lang="en-US"/>
+        </a:p>
+      </dgm:t>
+    </dgm:pt>
+    <dgm:pt modelId="{EDEF30D2-DC6F-46C0-8031-E5DF8599E262}" type="sibTrans" cxnId="{84A5A7B6-7B37-460D-BFC9-7EDAB85CCD09}">
+      <dgm:prSet/>
+      <dgm:spPr/>
+      <dgm:t>
+        <a:bodyPr/>
+        <a:lstStyle/>
+        <a:p>
+          <a:endParaRPr lang="en-US"/>
+        </a:p>
+      </dgm:t>
+    </dgm:pt>
+    <dgm:pt modelId="{E14EAB6F-F625-4721-9E19-6130E1338BF1}">
+      <dgm:prSet/>
+      <dgm:spPr/>
+      <dgm:t>
+        <a:bodyPr/>
+        <a:lstStyle/>
+        <a:p>
+          <a:r>
+            <a:rPr lang="en-US" dirty="0" smtClean="0"/>
+            <a:t>Scatter plot with outliers</a:t>
+          </a:r>
+          <a:endParaRPr lang="en-US" dirty="0" smtClean="0"/>
+        </a:p>
+      </dgm:t>
+    </dgm:pt>
+    <dgm:pt modelId="{8499AE98-3733-4296-852E-15998B64276E}" type="parTrans" cxnId="{5AD35D6F-AE33-479F-AD86-0D831BE333C4}">
+      <dgm:prSet/>
+      <dgm:spPr/>
+      <dgm:t>
+        <a:bodyPr/>
+        <a:lstStyle/>
+        <a:p>
+          <a:endParaRPr lang="en-US"/>
+        </a:p>
+      </dgm:t>
+    </dgm:pt>
+    <dgm:pt modelId="{6E524F80-C0C0-4BF4-902E-452C47A0947A}" type="sibTrans" cxnId="{5AD35D6F-AE33-479F-AD86-0D831BE333C4}">
+      <dgm:prSet/>
+      <dgm:spPr/>
+      <dgm:t>
+        <a:bodyPr/>
+        <a:lstStyle/>
+        <a:p>
+          <a:endParaRPr lang="en-US"/>
+        </a:p>
+      </dgm:t>
+    </dgm:pt>
+    <dgm:pt modelId="{8B202EB8-3B4D-4FC0-88F8-CC3A08AD1EB9}">
       <dgm:prSet/>
       <dgm:spPr/>
       <dgm:t>
@@ -9100,7 +9248,7 @@
         </a:p>
       </dgm:t>
     </dgm:pt>
-    <dgm:pt modelId="{FBD8839A-4F73-4303-AB91-E03F52E4ACE1}" type="parTrans" cxnId="{8324E5FE-2C12-4039-A5CE-08800F774266}">
+    <dgm:pt modelId="{43693F10-E86A-4717-B34F-699A6EFCEEAD}" type="parTrans" cxnId="{904E14EB-D9FF-4BDE-9138-D40F5BD76F65}">
       <dgm:prSet/>
       <dgm:spPr/>
       <dgm:t>
@@ -9111,7 +9259,7 @@
         </a:p>
       </dgm:t>
     </dgm:pt>
-    <dgm:pt modelId="{A0D8A904-C345-4276-B940-C502A2916BB4}" type="sibTrans" cxnId="{8324E5FE-2C12-4039-A5CE-08800F774266}">
+    <dgm:pt modelId="{55FB0CE0-1A57-4901-B572-E5DED45125FF}" type="sibTrans" cxnId="{904E14EB-D9FF-4BDE-9138-D40F5BD76F65}">
       <dgm:prSet/>
       <dgm:spPr/>
       <dgm:t>
@@ -9122,7 +9270,44 @@
         </a:p>
       </dgm:t>
     </dgm:pt>
-    <dgm:pt modelId="{198989BC-E3B5-414A-A2AC-9CC8B047CE97}">
+    <dgm:pt modelId="{51D5DC61-4827-4642-B72D-6C75809C0C7C}">
+      <dgm:prSet/>
+      <dgm:spPr/>
+      <dgm:t>
+        <a:bodyPr/>
+        <a:lstStyle/>
+        <a:p>
+          <a:r>
+            <a:rPr lang="en-US" dirty="0" smtClean="0"/>
+            <a:t>FD Time Series Line chart</a:t>
+          </a:r>
+          <a:endParaRPr lang="en-US" dirty="0" smtClean="0"/>
+        </a:p>
+      </dgm:t>
+    </dgm:pt>
+    <dgm:pt modelId="{5BCB13FE-C287-427E-A996-716FB6DBDAD0}" type="parTrans" cxnId="{61DDCCC5-923B-465F-8102-20CEAAD147AB}">
+      <dgm:prSet/>
+      <dgm:spPr/>
+      <dgm:t>
+        <a:bodyPr/>
+        <a:lstStyle/>
+        <a:p>
+          <a:endParaRPr lang="en-US"/>
+        </a:p>
+      </dgm:t>
+    </dgm:pt>
+    <dgm:pt modelId="{EFA68075-4F2F-457E-8610-4591FD178E4C}" type="sibTrans" cxnId="{61DDCCC5-923B-465F-8102-20CEAAD147AB}">
+      <dgm:prSet/>
+      <dgm:spPr/>
+      <dgm:t>
+        <a:bodyPr/>
+        <a:lstStyle/>
+        <a:p>
+          <a:endParaRPr lang="en-US"/>
+        </a:p>
+      </dgm:t>
+    </dgm:pt>
+    <dgm:pt modelId="{81A2C54C-EA61-43EA-98D3-74496C24C518}">
       <dgm:prSet/>
       <dgm:spPr/>
       <dgm:t>
@@ -9137,7 +9322,7 @@
         </a:p>
       </dgm:t>
     </dgm:pt>
-    <dgm:pt modelId="{E472411B-6F15-40D9-A658-4CD07359772F}" type="parTrans" cxnId="{8DD9D06C-4B6C-4D7A-A18F-8D0679DCFF57}">
+    <dgm:pt modelId="{BCC52A67-37CB-48BF-B68A-82B20AF0C253}" type="parTrans" cxnId="{D6B267D4-8A6B-4EC0-A12B-1E64FFED78AA}">
       <dgm:prSet/>
       <dgm:spPr/>
       <dgm:t>
@@ -9148,7 +9333,7 @@
         </a:p>
       </dgm:t>
     </dgm:pt>
-    <dgm:pt modelId="{2D4E5A77-E3D2-4D5D-B9DA-AA141F15D198}" type="sibTrans" cxnId="{8DD9D06C-4B6C-4D7A-A18F-8D0679DCFF57}">
+    <dgm:pt modelId="{BDC98738-0617-4488-9217-9CBB9B936564}" type="sibTrans" cxnId="{D6B267D4-8A6B-4EC0-A12B-1E64FFED78AA}">
       <dgm:prSet/>
       <dgm:spPr/>
       <dgm:t>
@@ -9159,7 +9344,7 @@
         </a:p>
       </dgm:t>
     </dgm:pt>
-    <dgm:pt modelId="{12D59B98-75FA-4243-92E8-546B28CC8EEB}">
+    <dgm:pt modelId="{80265639-2EF2-47A2-9945-070775703705}">
       <dgm:prSet/>
       <dgm:spPr/>
       <dgm:t>
@@ -9174,7 +9359,7 @@
         </a:p>
       </dgm:t>
     </dgm:pt>
-    <dgm:pt modelId="{DA3F14EE-0531-423B-A6E9-76F45D542FE7}" type="parTrans" cxnId="{B0811043-B438-4B80-A0FD-B17B9E81DAB9}">
+    <dgm:pt modelId="{D76A49C3-2C70-404A-B99E-3CE3BF0C891B}" type="parTrans" cxnId="{101FF3F7-C847-43F6-A511-B7595C0BC579}">
       <dgm:prSet/>
       <dgm:spPr/>
       <dgm:t>
@@ -9185,7 +9370,7 @@
         </a:p>
       </dgm:t>
     </dgm:pt>
-    <dgm:pt modelId="{09188E46-1323-4D75-84FF-20F5579C5D94}" type="sibTrans" cxnId="{B0811043-B438-4B80-A0FD-B17B9E81DAB9}">
+    <dgm:pt modelId="{489AA9AA-538E-40F3-B7ED-73E782060D11}" type="sibTrans" cxnId="{101FF3F7-C847-43F6-A511-B7595C0BC579}">
       <dgm:prSet/>
       <dgm:spPr/>
       <dgm:t>
@@ -9196,7 +9381,7 @@
         </a:p>
       </dgm:t>
     </dgm:pt>
-    <dgm:pt modelId="{12CE82AA-D66F-47A5-BECD-12DF5C169D65}">
+    <dgm:pt modelId="{1E03C1FF-C86F-4C83-93F2-E1CEF84ED5DB}">
       <dgm:prSet/>
       <dgm:spPr/>
       <dgm:t>
@@ -9211,7 +9396,7 @@
         </a:p>
       </dgm:t>
     </dgm:pt>
-    <dgm:pt modelId="{1D6BF16D-2042-41EF-98D4-A3E29728A8F6}" type="parTrans" cxnId="{18DB0FEE-C1C5-4C60-872E-988562B19C2C}">
+    <dgm:pt modelId="{FD855DA9-EF0C-4AFF-AE70-670713113D85}" type="parTrans" cxnId="{CEEED894-A523-401F-9AF3-68F0B243AD9E}">
       <dgm:prSet/>
       <dgm:spPr/>
       <dgm:t>
@@ -9222,7 +9407,7 @@
         </a:p>
       </dgm:t>
     </dgm:pt>
-    <dgm:pt modelId="{0ED9E71C-00C1-4F09-96F3-1677D3B887A5}" type="sibTrans" cxnId="{18DB0FEE-C1C5-4C60-872E-988562B19C2C}">
+    <dgm:pt modelId="{9FE51C04-B46B-4CF1-A194-24C598E42397}" type="sibTrans" cxnId="{CEEED894-A523-401F-9AF3-68F0B243AD9E}">
       <dgm:prSet/>
       <dgm:spPr/>
       <dgm:t>
@@ -9233,7 +9418,7 @@
         </a:p>
       </dgm:t>
     </dgm:pt>
-    <dgm:pt modelId="{E4E03AC1-FB40-4CAD-A95F-8922470F39CC}">
+    <dgm:pt modelId="{1C588465-F42F-4479-9714-973A24AF7FCF}">
       <dgm:prSet/>
       <dgm:spPr/>
       <dgm:t>
@@ -9242,13 +9427,13 @@
         <a:p>
           <a:r>
             <a:rPr lang="en-US" dirty="0" smtClean="0"/>
-            <a:t>FD Lollipop</a:t>
+            <a:t>Word/Char count color spectrum</a:t>
           </a:r>
           <a:endParaRPr lang="en-US" dirty="0" smtClean="0"/>
         </a:p>
       </dgm:t>
     </dgm:pt>
-    <dgm:pt modelId="{961424DC-3D24-4B7E-AC5B-AA74189CA61A}" type="parTrans" cxnId="{CB9C09E0-C086-4426-AB3A-B7D3A2B3E1DE}">
+    <dgm:pt modelId="{50AA02ED-F29C-4626-A137-139DF07D2913}" type="parTrans" cxnId="{784AEA5A-1586-4670-8304-F0DC80A05966}">
       <dgm:prSet/>
       <dgm:spPr/>
       <dgm:t>
@@ -9259,7 +9444,7 @@
         </a:p>
       </dgm:t>
     </dgm:pt>
-    <dgm:pt modelId="{AC23693C-D0CA-4041-B8E8-45F141133B35}" type="sibTrans" cxnId="{CB9C09E0-C086-4426-AB3A-B7D3A2B3E1DE}">
+    <dgm:pt modelId="{383C7D49-F2D1-47D6-BDFE-BF6B4BC58EF1}" type="sibTrans" cxnId="{784AEA5A-1586-4670-8304-F0DC80A05966}">
       <dgm:prSet/>
       <dgm:spPr/>
       <dgm:t>
@@ -9270,22 +9455,18 @@
         </a:p>
       </dgm:t>
     </dgm:pt>
-    <dgm:pt modelId="{34BEA326-E17B-4CC0-8931-AE47F29C33A2}">
+    <dgm:pt modelId="{A156FD15-4E9E-4965-8FD6-624C566EC42A}">
       <dgm:prSet/>
       <dgm:spPr/>
       <dgm:t>
         <a:bodyPr/>
         <a:lstStyle/>
         <a:p>
-          <a:r>
-            <a:rPr lang="en-US" dirty="0" smtClean="0"/>
-            <a:t>FD with Bins</a:t>
-          </a:r>
           <a:endParaRPr lang="en-US" dirty="0" smtClean="0"/>
         </a:p>
       </dgm:t>
     </dgm:pt>
-    <dgm:pt modelId="{BAE9EB05-2142-4427-8C6C-853BB948C544}" type="parTrans" cxnId="{11E22DB1-BF2C-4A2E-802C-AC64FDD15FE2}">
+    <dgm:pt modelId="{205E2CCC-D2F7-465E-9083-0079860AFDA7}" type="parTrans" cxnId="{A9E3AB29-06B9-46C5-A5E3-17D6B3CE64FD}">
       <dgm:prSet/>
       <dgm:spPr/>
       <dgm:t>
@@ -9296,7 +9477,7 @@
         </a:p>
       </dgm:t>
     </dgm:pt>
-    <dgm:pt modelId="{23958461-822C-4F06-98AC-D10BBC674007}" type="sibTrans" cxnId="{11E22DB1-BF2C-4A2E-802C-AC64FDD15FE2}">
+    <dgm:pt modelId="{40B74304-6FD0-4CE0-B5D5-22DD5D2B5BC5}" type="sibTrans" cxnId="{A9E3AB29-06B9-46C5-A5E3-17D6B3CE64FD}">
       <dgm:prSet/>
       <dgm:spPr/>
       <dgm:t>
@@ -9307,189 +9488,8 @@
         </a:p>
       </dgm:t>
     </dgm:pt>
-    <dgm:pt modelId="{C4D9CA98-E70C-4A0F-B252-5D5B7723045B}">
-      <dgm:prSet/>
-      <dgm:spPr/>
-      <dgm:t>
-        <a:bodyPr/>
-        <a:lstStyle/>
-        <a:p>
-          <a:r>
-            <a:rPr lang="en-US" dirty="0" smtClean="0"/>
-            <a:t>Color spectrum</a:t>
-          </a:r>
-          <a:endParaRPr lang="en-US" dirty="0" smtClean="0"/>
-        </a:p>
-      </dgm:t>
-    </dgm:pt>
-    <dgm:pt modelId="{F3C81BBF-2E5A-4620-9D62-B01D94023BD6}" type="parTrans" cxnId="{974F7130-BA45-42AA-89D8-C5400E7DDB0A}">
-      <dgm:prSet/>
-      <dgm:spPr/>
-      <dgm:t>
-        <a:bodyPr/>
-        <a:lstStyle/>
-        <a:p>
-          <a:endParaRPr lang="en-US"/>
-        </a:p>
-      </dgm:t>
-    </dgm:pt>
-    <dgm:pt modelId="{82817974-3543-4769-9CD5-DF1ADD10A038}" type="sibTrans" cxnId="{974F7130-BA45-42AA-89D8-C5400E7DDB0A}">
-      <dgm:prSet/>
-      <dgm:spPr/>
-      <dgm:t>
-        <a:bodyPr/>
-        <a:lstStyle/>
-        <a:p>
-          <a:endParaRPr lang="en-US"/>
-        </a:p>
-      </dgm:t>
-    </dgm:pt>
-    <dgm:pt modelId="{15CD4B83-31F6-46C3-A4F7-0BC7EDB08783}">
-      <dgm:prSet/>
-      <dgm:spPr/>
-      <dgm:t>
-        <a:bodyPr/>
-        <a:lstStyle/>
-        <a:p>
-          <a:r>
-            <a:rPr lang="en-US" dirty="0" smtClean="0"/>
-            <a:t>Scatter plot with outliers</a:t>
-          </a:r>
-          <a:endParaRPr lang="en-US" dirty="0" smtClean="0"/>
-        </a:p>
-      </dgm:t>
-    </dgm:pt>
-    <dgm:pt modelId="{32181A49-8900-46D2-A28C-76B6D1C8732D}" type="parTrans" cxnId="{EFB45594-370A-46A5-99D1-09292363B369}">
-      <dgm:prSet/>
-      <dgm:spPr/>
-      <dgm:t>
-        <a:bodyPr/>
-        <a:lstStyle/>
-        <a:p>
-          <a:endParaRPr lang="en-US"/>
-        </a:p>
-      </dgm:t>
-    </dgm:pt>
-    <dgm:pt modelId="{81E1FE58-54A0-4B59-B137-E6D8E89D6EE4}" type="sibTrans" cxnId="{EFB45594-370A-46A5-99D1-09292363B369}">
-      <dgm:prSet/>
-      <dgm:spPr/>
-      <dgm:t>
-        <a:bodyPr/>
-        <a:lstStyle/>
-        <a:p>
-          <a:endParaRPr lang="en-US"/>
-        </a:p>
-      </dgm:t>
-    </dgm:pt>
-    <dgm:pt modelId="{1BA9B565-E601-4BC8-B49A-E64BEF8BD8BC}">
-      <dgm:prSet/>
-      <dgm:spPr/>
-      <dgm:t>
-        <a:bodyPr/>
-        <a:lstStyle/>
-        <a:p>
-          <a:r>
-            <a:rPr lang="en-US" dirty="0" smtClean="0"/>
-            <a:t>FD Time Series Line chart</a:t>
-          </a:r>
-          <a:endParaRPr lang="en-US" dirty="0" smtClean="0"/>
-        </a:p>
-      </dgm:t>
-    </dgm:pt>
-    <dgm:pt modelId="{D30CCDC3-F09D-4047-9928-6C5D9733ED7F}" type="parTrans" cxnId="{FA8D29D6-35C6-4E43-9BC0-57B1DA7491AB}">
-      <dgm:prSet/>
-      <dgm:spPr/>
-      <dgm:t>
-        <a:bodyPr/>
-        <a:lstStyle/>
-        <a:p>
-          <a:endParaRPr lang="en-US"/>
-        </a:p>
-      </dgm:t>
-    </dgm:pt>
-    <dgm:pt modelId="{9749E2D1-3EFE-442C-9659-B1C018BFDB82}" type="sibTrans" cxnId="{FA8D29D6-35C6-4E43-9BC0-57B1DA7491AB}">
-      <dgm:prSet/>
-      <dgm:spPr/>
-      <dgm:t>
-        <a:bodyPr/>
-        <a:lstStyle/>
-        <a:p>
-          <a:endParaRPr lang="en-US"/>
-        </a:p>
-      </dgm:t>
-    </dgm:pt>
-    <dgm:pt modelId="{4C91B26C-AFEC-49C9-A2D5-5800EC8406BE}">
-      <dgm:prSet/>
-      <dgm:spPr/>
-      <dgm:t>
-        <a:bodyPr/>
-        <a:lstStyle/>
-        <a:p>
-          <a:r>
-            <a:rPr lang="en-US" dirty="0" smtClean="0"/>
-            <a:t>Word/Char count spectrum</a:t>
-          </a:r>
-          <a:endParaRPr lang="en-US" dirty="0" smtClean="0"/>
-        </a:p>
-      </dgm:t>
-    </dgm:pt>
-    <dgm:pt modelId="{C34AA2BB-D2C3-4D1C-8C8C-6313FD899385}" type="parTrans" cxnId="{7681C413-B40A-42DB-ABB0-7E133C18D96F}">
-      <dgm:prSet/>
-      <dgm:spPr/>
-      <dgm:t>
-        <a:bodyPr/>
-        <a:lstStyle/>
-        <a:p>
-          <a:endParaRPr lang="en-US"/>
-        </a:p>
-      </dgm:t>
-    </dgm:pt>
-    <dgm:pt modelId="{83919FD4-D227-4838-A650-C798E0A8F157}" type="sibTrans" cxnId="{7681C413-B40A-42DB-ABB0-7E133C18D96F}">
-      <dgm:prSet/>
-      <dgm:spPr/>
-      <dgm:t>
-        <a:bodyPr/>
-        <a:lstStyle/>
-        <a:p>
-          <a:endParaRPr lang="en-US"/>
-        </a:p>
-      </dgm:t>
-    </dgm:pt>
-    <dgm:pt modelId="{86203257-1CCC-44E5-86ED-E3BCB0808EF2}">
-      <dgm:prSet/>
-      <dgm:spPr/>
-      <dgm:t>
-        <a:bodyPr/>
-        <a:lstStyle/>
-        <a:p>
-          <a:endParaRPr lang="en-US" dirty="0" smtClean="0"/>
-        </a:p>
-      </dgm:t>
-    </dgm:pt>
-    <dgm:pt modelId="{242B7611-2712-4F22-93A3-21335BFE8734}" type="parTrans" cxnId="{CD792BFD-58E8-4DB0-96FF-2AE97EE5BBD5}">
-      <dgm:prSet/>
-      <dgm:spPr/>
-      <dgm:t>
-        <a:bodyPr/>
-        <a:lstStyle/>
-        <a:p>
-          <a:endParaRPr lang="en-US"/>
-        </a:p>
-      </dgm:t>
-    </dgm:pt>
-    <dgm:pt modelId="{5EAB5239-0C6F-4461-B8DD-45508A4AA568}" type="sibTrans" cxnId="{CD792BFD-58E8-4DB0-96FF-2AE97EE5BBD5}">
-      <dgm:prSet/>
-      <dgm:spPr/>
-      <dgm:t>
-        <a:bodyPr/>
-        <a:lstStyle/>
-        <a:p>
-          <a:endParaRPr lang="en-US"/>
-        </a:p>
-      </dgm:t>
-    </dgm:pt>
-    <dgm:pt modelId="{F32FCA51-E85B-48AD-B540-C3E68460E850}" type="pres">
-      <dgm:prSet presAssocID="{44F727C6-387E-4970-8AEE-33C41232317E}" presName="Name0" presStyleCnt="0">
+    <dgm:pt modelId="{A0772696-32FC-473F-AD55-01749DDF3348}" type="pres">
+      <dgm:prSet presAssocID="{DCFF8196-AF79-49B7-93B3-4E8303FE0A72}" presName="Name0" presStyleCnt="0">
         <dgm:presLayoutVars>
           <dgm:dir/>
           <dgm:animLvl val="lvl"/>
@@ -9498,12 +9498,12 @@
       </dgm:prSet>
       <dgm:spPr/>
     </dgm:pt>
-    <dgm:pt modelId="{498C68C1-A9AC-4D81-B490-31713164D113}" type="pres">
-      <dgm:prSet presAssocID="{AEA3A2E8-914C-41C5-9EE5-D8D7656F0E87}" presName="composite" presStyleCnt="0"/>
+    <dgm:pt modelId="{2A2F6B24-766F-4F8A-9AF9-A87583C7C2DA}" type="pres">
+      <dgm:prSet presAssocID="{CDC65E15-49F5-4324-A122-2E3B8E9336A6}" presName="composite" presStyleCnt="0"/>
       <dgm:spPr/>
     </dgm:pt>
-    <dgm:pt modelId="{9DE74BFA-79A8-49CE-B22E-D5B15EA15916}" type="pres">
-      <dgm:prSet presAssocID="{AEA3A2E8-914C-41C5-9EE5-D8D7656F0E87}" presName="parTx" presStyleLbl="alignNode1" presStyleIdx="0" presStyleCnt="3">
+    <dgm:pt modelId="{B7FB2D04-4A76-4FB8-B14B-A4283CB9CEE8}" type="pres">
+      <dgm:prSet presAssocID="{CDC65E15-49F5-4324-A122-2E3B8E9336A6}" presName="parTx" presStyleLbl="alignNode1" presStyleIdx="0" presStyleCnt="3">
         <dgm:presLayoutVars>
           <dgm:chMax val="0"/>
           <dgm:chPref val="0"/>
@@ -9512,31 +9512,24 @@
       </dgm:prSet>
       <dgm:spPr/>
     </dgm:pt>
-    <dgm:pt modelId="{E23D9C6A-7919-4DE1-92E1-C86BAC5338A5}" type="pres">
-      <dgm:prSet presAssocID="{AEA3A2E8-914C-41C5-9EE5-D8D7656F0E87}" presName="desTx" presStyleLbl="alignAccFollowNode1" presStyleIdx="0" presStyleCnt="3">
+    <dgm:pt modelId="{D2A9C8EA-4412-4EDB-99D6-804C7F6F6BD7}" type="pres">
+      <dgm:prSet presAssocID="{CDC65E15-49F5-4324-A122-2E3B8E9336A6}" presName="desTx" presStyleLbl="alignAccFollowNode1" presStyleIdx="0" presStyleCnt="3">
         <dgm:presLayoutVars>
           <dgm:bulletEnabled val="1"/>
         </dgm:presLayoutVars>
       </dgm:prSet>
       <dgm:spPr/>
-      <dgm:t>
-        <a:bodyPr/>
-        <a:lstStyle/>
-        <a:p>
-          <a:endParaRPr lang="en-US"/>
-        </a:p>
-      </dgm:t>
     </dgm:pt>
-    <dgm:pt modelId="{E10D4F29-9839-4A5D-83F3-3BF410CAF53B}" type="pres">
-      <dgm:prSet presAssocID="{D55C6D74-8697-421D-B493-D851215C4F81}" presName="space" presStyleCnt="0"/>
+    <dgm:pt modelId="{605547CA-F826-4C49-9828-275FF15AA21D}" type="pres">
+      <dgm:prSet presAssocID="{6638C06F-925A-45CB-83C2-B5157DF0AE00}" presName="space" presStyleCnt="0"/>
       <dgm:spPr/>
     </dgm:pt>
-    <dgm:pt modelId="{71552DA5-A25B-40B4-9A6E-8288549D46C9}" type="pres">
-      <dgm:prSet presAssocID="{AB2B899C-AB67-49B8-9F54-8189DD11459E}" presName="composite" presStyleCnt="0"/>
+    <dgm:pt modelId="{1548FFEB-6F78-42DF-A55E-3540512F8096}" type="pres">
+      <dgm:prSet presAssocID="{8B202EB8-3B4D-4FC0-88F8-CC3A08AD1EB9}" presName="composite" presStyleCnt="0"/>
       <dgm:spPr/>
     </dgm:pt>
-    <dgm:pt modelId="{A632CA9F-E2DE-45EB-B416-608E7CBDBF70}" type="pres">
-      <dgm:prSet presAssocID="{AB2B899C-AB67-49B8-9F54-8189DD11459E}" presName="parTx" presStyleLbl="alignNode1" presStyleIdx="1" presStyleCnt="3">
+    <dgm:pt modelId="{40FD4F7D-CB9D-4344-9D0C-A9AB05C2A10B}" type="pres">
+      <dgm:prSet presAssocID="{8B202EB8-3B4D-4FC0-88F8-CC3A08AD1EB9}" presName="parTx" presStyleLbl="alignNode1" presStyleIdx="1" presStyleCnt="3">
         <dgm:presLayoutVars>
           <dgm:chMax val="0"/>
           <dgm:chPref val="0"/>
@@ -9545,31 +9538,24 @@
       </dgm:prSet>
       <dgm:spPr/>
     </dgm:pt>
-    <dgm:pt modelId="{181DA342-EE3F-43BA-A789-AC60238C5E22}" type="pres">
-      <dgm:prSet presAssocID="{AB2B899C-AB67-49B8-9F54-8189DD11459E}" presName="desTx" presStyleLbl="alignAccFollowNode1" presStyleIdx="1" presStyleCnt="3">
+    <dgm:pt modelId="{9648F12B-696C-4EBA-9A67-A736A4C6EC22}" type="pres">
+      <dgm:prSet presAssocID="{8B202EB8-3B4D-4FC0-88F8-CC3A08AD1EB9}" presName="desTx" presStyleLbl="alignAccFollowNode1" presStyleIdx="1" presStyleCnt="3">
         <dgm:presLayoutVars>
           <dgm:bulletEnabled val="1"/>
         </dgm:presLayoutVars>
       </dgm:prSet>
       <dgm:spPr/>
-      <dgm:t>
-        <a:bodyPr/>
-        <a:lstStyle/>
-        <a:p>
-          <a:endParaRPr lang="en-US"/>
-        </a:p>
-      </dgm:t>
     </dgm:pt>
-    <dgm:pt modelId="{97743B0F-C060-4CF2-BED5-DA1B5EFB76C7}" type="pres">
-      <dgm:prSet presAssocID="{A0D8A904-C345-4276-B940-C502A2916BB4}" presName="space" presStyleCnt="0"/>
+    <dgm:pt modelId="{174EC3F4-B844-4525-AE7E-79B7C5CCAE04}" type="pres">
+      <dgm:prSet presAssocID="{55FB0CE0-1A57-4901-B572-E5DED45125FF}" presName="space" presStyleCnt="0"/>
       <dgm:spPr/>
     </dgm:pt>
-    <dgm:pt modelId="{AF3C2EB8-8741-4735-82E9-C4F2F3EC4539}" type="pres">
-      <dgm:prSet presAssocID="{198989BC-E3B5-414A-A2AC-9CC8B047CE97}" presName="composite" presStyleCnt="0"/>
+    <dgm:pt modelId="{1293BF86-7B8D-4042-820C-325159710C91}" type="pres">
+      <dgm:prSet presAssocID="{81A2C54C-EA61-43EA-98D3-74496C24C518}" presName="composite" presStyleCnt="0"/>
       <dgm:spPr/>
     </dgm:pt>
-    <dgm:pt modelId="{5F40C879-5887-45AD-A176-E97D8416DAAE}" type="pres">
-      <dgm:prSet presAssocID="{198989BC-E3B5-414A-A2AC-9CC8B047CE97}" presName="parTx" presStyleLbl="alignNode1" presStyleIdx="2" presStyleCnt="3">
+    <dgm:pt modelId="{D0F9E16D-804B-4484-8E5C-D8D8C50F5AAE}" type="pres">
+      <dgm:prSet presAssocID="{81A2C54C-EA61-43EA-98D3-74496C24C518}" presName="parTx" presStyleLbl="alignNode1" presStyleIdx="2" presStyleCnt="3">
         <dgm:presLayoutVars>
           <dgm:chMax val="0"/>
           <dgm:chPref val="0"/>
@@ -9578,61 +9564,54 @@
       </dgm:prSet>
       <dgm:spPr/>
     </dgm:pt>
-    <dgm:pt modelId="{04998C05-36E4-4ED3-8DB4-E6903F4AE516}" type="pres">
-      <dgm:prSet presAssocID="{198989BC-E3B5-414A-A2AC-9CC8B047CE97}" presName="desTx" presStyleLbl="alignAccFollowNode1" presStyleIdx="2" presStyleCnt="3">
+    <dgm:pt modelId="{C2990001-6E32-48CF-AEDC-560DFB2DCC71}" type="pres">
+      <dgm:prSet presAssocID="{81A2C54C-EA61-43EA-98D3-74496C24C518}" presName="desTx" presStyleLbl="alignAccFollowNode1" presStyleIdx="2" presStyleCnt="3">
         <dgm:presLayoutVars>
           <dgm:bulletEnabled val="1"/>
         </dgm:presLayoutVars>
       </dgm:prSet>
       <dgm:spPr/>
-      <dgm:t>
-        <a:bodyPr/>
-        <a:lstStyle/>
-        <a:p>
-          <a:endParaRPr lang="en-US"/>
-        </a:p>
-      </dgm:t>
     </dgm:pt>
   </dgm:ptLst>
   <dgm:cxnLst>
-    <dgm:cxn modelId="{95A5CFE1-1E2B-460C-A4EF-21003F437411}" type="presOf" srcId="{86203257-1CCC-44E5-86ED-E3BCB0808EF2}" destId="{04998C05-36E4-4ED3-8DB4-E6903F4AE516}" srcOrd="0" destOrd="3" presId="urn:microsoft.com/office/officeart/2005/8/layout/hList1"/>
-    <dgm:cxn modelId="{669E5022-851C-4D24-B144-40BA4B417414}" type="presOf" srcId="{AEA3A2E8-914C-41C5-9EE5-D8D7656F0E87}" destId="{9DE74BFA-79A8-49CE-B22E-D5B15EA15916}" srcOrd="0" destOrd="0" presId="urn:microsoft.com/office/officeart/2005/8/layout/hList1"/>
-    <dgm:cxn modelId="{7681C413-B40A-42DB-ABB0-7E133C18D96F}" srcId="{198989BC-E3B5-414A-A2AC-9CC8B047CE97}" destId="{4C91B26C-AFEC-49C9-A2D5-5800EC8406BE}" srcOrd="2" destOrd="0" parTransId="{C34AA2BB-D2C3-4D1C-8C8C-6313FD899385}" sibTransId="{83919FD4-D227-4838-A650-C798E0A8F157}"/>
-    <dgm:cxn modelId="{9F9678C8-5825-44BB-98A3-1BF7D095A870}" srcId="{44F727C6-387E-4970-8AEE-33C41232317E}" destId="{AEA3A2E8-914C-41C5-9EE5-D8D7656F0E87}" srcOrd="0" destOrd="0" parTransId="{9E3D02AD-3A30-43CB-BD0F-2287AAB6AF6F}" sibTransId="{D55C6D74-8697-421D-B493-D851215C4F81}"/>
-    <dgm:cxn modelId="{FA8D29D6-35C6-4E43-9BC0-57B1DA7491AB}" srcId="{AB2B899C-AB67-49B8-9F54-8189DD11459E}" destId="{1BA9B565-E601-4BC8-B49A-E64BEF8BD8BC}" srcOrd="0" destOrd="0" parTransId="{D30CCDC3-F09D-4047-9928-6C5D9733ED7F}" sibTransId="{9749E2D1-3EFE-442C-9659-B1C018BFDB82}"/>
-    <dgm:cxn modelId="{E7402328-5928-4402-A37D-A8368E98C9EF}" type="presOf" srcId="{15CD4B83-31F6-46C3-A4F7-0BC7EDB08783}" destId="{E23D9C6A-7919-4DE1-92E1-C86BAC5338A5}" srcOrd="0" destOrd="4" presId="urn:microsoft.com/office/officeart/2005/8/layout/hList1"/>
-    <dgm:cxn modelId="{A1FC9914-F45E-4B00-997C-854A1A56E882}" type="presOf" srcId="{1BA9B565-E601-4BC8-B49A-E64BEF8BD8BC}" destId="{181DA342-EE3F-43BA-A789-AC60238C5E22}" srcOrd="0" destOrd="0" presId="urn:microsoft.com/office/officeart/2005/8/layout/hList1"/>
-    <dgm:cxn modelId="{B0811043-B438-4B80-A0FD-B17B9E81DAB9}" srcId="{198989BC-E3B5-414A-A2AC-9CC8B047CE97}" destId="{12D59B98-75FA-4243-92E8-546B28CC8EEB}" srcOrd="0" destOrd="0" parTransId="{DA3F14EE-0531-423B-A6E9-76F45D542FE7}" sibTransId="{09188E46-1323-4D75-84FF-20F5579C5D94}"/>
-    <dgm:cxn modelId="{8DD9D06C-4B6C-4D7A-A18F-8D0679DCFF57}" srcId="{44F727C6-387E-4970-8AEE-33C41232317E}" destId="{198989BC-E3B5-414A-A2AC-9CC8B047CE97}" srcOrd="2" destOrd="0" parTransId="{E472411B-6F15-40D9-A658-4CD07359772F}" sibTransId="{2D4E5A77-E3D2-4D5D-B9DA-AA141F15D198}"/>
-    <dgm:cxn modelId="{B2CDEBED-3F3A-4395-A48E-39FE631B1731}" type="presOf" srcId="{AB2B899C-AB67-49B8-9F54-8189DD11459E}" destId="{A632CA9F-E2DE-45EB-B416-608E7CBDBF70}" srcOrd="0" destOrd="0" presId="urn:microsoft.com/office/officeart/2005/8/layout/hList1"/>
-    <dgm:cxn modelId="{61A9EAF8-D4B1-4878-B7CD-B664C27C37C6}" type="presOf" srcId="{12CE82AA-D66F-47A5-BECD-12DF5C169D65}" destId="{04998C05-36E4-4ED3-8DB4-E6903F4AE516}" srcOrd="0" destOrd="1" presId="urn:microsoft.com/office/officeart/2005/8/layout/hList1"/>
-    <dgm:cxn modelId="{5395D088-527C-46D5-BAB0-1111C817F5B6}" srcId="{AEA3A2E8-914C-41C5-9EE5-D8D7656F0E87}" destId="{387FA5CE-C8D6-4CBD-846A-864448AF562A}" srcOrd="0" destOrd="0" parTransId="{73B1FB50-2340-48C4-8C00-80788840B54F}" sibTransId="{8E949181-A930-4071-A323-E974EE63EEE4}"/>
-    <dgm:cxn modelId="{6B1FDC35-AF91-4F40-8955-55330FB6B706}" type="presOf" srcId="{C4D9CA98-E70C-4A0F-B252-5D5B7723045B}" destId="{E23D9C6A-7919-4DE1-92E1-C86BAC5338A5}" srcOrd="0" destOrd="3" presId="urn:microsoft.com/office/officeart/2005/8/layout/hList1"/>
-    <dgm:cxn modelId="{2A3F6CF0-32A5-4B5B-ACED-D3C21DE866FE}" type="presOf" srcId="{12D59B98-75FA-4243-92E8-546B28CC8EEB}" destId="{04998C05-36E4-4ED3-8DB4-E6903F4AE516}" srcOrd="0" destOrd="0" presId="urn:microsoft.com/office/officeart/2005/8/layout/hList1"/>
-    <dgm:cxn modelId="{CB9C09E0-C086-4426-AB3A-B7D3A2B3E1DE}" srcId="{AEA3A2E8-914C-41C5-9EE5-D8D7656F0E87}" destId="{E4E03AC1-FB40-4CAD-A95F-8922470F39CC}" srcOrd="1" destOrd="0" parTransId="{961424DC-3D24-4B7E-AC5B-AA74189CA61A}" sibTransId="{AC23693C-D0CA-4041-B8E8-45F141133B35}"/>
-    <dgm:cxn modelId="{8324E5FE-2C12-4039-A5CE-08800F774266}" srcId="{44F727C6-387E-4970-8AEE-33C41232317E}" destId="{AB2B899C-AB67-49B8-9F54-8189DD11459E}" srcOrd="1" destOrd="0" parTransId="{FBD8839A-4F73-4303-AB91-E03F52E4ACE1}" sibTransId="{A0D8A904-C345-4276-B940-C502A2916BB4}"/>
-    <dgm:cxn modelId="{04651ADC-41AF-4376-A821-CAE08A9D227A}" type="presOf" srcId="{4C91B26C-AFEC-49C9-A2D5-5800EC8406BE}" destId="{04998C05-36E4-4ED3-8DB4-E6903F4AE516}" srcOrd="0" destOrd="2" presId="urn:microsoft.com/office/officeart/2005/8/layout/hList1"/>
-    <dgm:cxn modelId="{18DB0FEE-C1C5-4C60-872E-988562B19C2C}" srcId="{198989BC-E3B5-414A-A2AC-9CC8B047CE97}" destId="{12CE82AA-D66F-47A5-BECD-12DF5C169D65}" srcOrd="1" destOrd="0" parTransId="{1D6BF16D-2042-41EF-98D4-A3E29728A8F6}" sibTransId="{0ED9E71C-00C1-4F09-96F3-1677D3B887A5}"/>
-    <dgm:cxn modelId="{B7BB54EB-0CB7-4B88-BBD7-A06D2E2427E2}" type="presOf" srcId="{387FA5CE-C8D6-4CBD-846A-864448AF562A}" destId="{E23D9C6A-7919-4DE1-92E1-C86BAC5338A5}" srcOrd="0" destOrd="0" presId="urn:microsoft.com/office/officeart/2005/8/layout/hList1"/>
-    <dgm:cxn modelId="{927BFD8B-A078-447A-8E8A-170DD17F3A32}" type="presOf" srcId="{44F727C6-387E-4970-8AEE-33C41232317E}" destId="{F32FCA51-E85B-48AD-B540-C3E68460E850}" srcOrd="0" destOrd="0" presId="urn:microsoft.com/office/officeart/2005/8/layout/hList1"/>
-    <dgm:cxn modelId="{B9A35DE1-2CBE-410F-87FE-6A9AF7BC86EE}" type="presOf" srcId="{34BEA326-E17B-4CC0-8931-AE47F29C33A2}" destId="{E23D9C6A-7919-4DE1-92E1-C86BAC5338A5}" srcOrd="0" destOrd="2" presId="urn:microsoft.com/office/officeart/2005/8/layout/hList1"/>
-    <dgm:cxn modelId="{1B0FDD5D-6EDE-49CB-BA93-E05E221B6B08}" type="presOf" srcId="{E4E03AC1-FB40-4CAD-A95F-8922470F39CC}" destId="{E23D9C6A-7919-4DE1-92E1-C86BAC5338A5}" srcOrd="0" destOrd="1" presId="urn:microsoft.com/office/officeart/2005/8/layout/hList1"/>
-    <dgm:cxn modelId="{16C03F79-DE08-4938-A3EE-081EEC0E3FFF}" type="presOf" srcId="{198989BC-E3B5-414A-A2AC-9CC8B047CE97}" destId="{5F40C879-5887-45AD-A176-E97D8416DAAE}" srcOrd="0" destOrd="0" presId="urn:microsoft.com/office/officeart/2005/8/layout/hList1"/>
-    <dgm:cxn modelId="{EFB45594-370A-46A5-99D1-09292363B369}" srcId="{AEA3A2E8-914C-41C5-9EE5-D8D7656F0E87}" destId="{15CD4B83-31F6-46C3-A4F7-0BC7EDB08783}" srcOrd="4" destOrd="0" parTransId="{32181A49-8900-46D2-A28C-76B6D1C8732D}" sibTransId="{81E1FE58-54A0-4B59-B137-E6D8E89D6EE4}"/>
-    <dgm:cxn modelId="{974F7130-BA45-42AA-89D8-C5400E7DDB0A}" srcId="{AEA3A2E8-914C-41C5-9EE5-D8D7656F0E87}" destId="{C4D9CA98-E70C-4A0F-B252-5D5B7723045B}" srcOrd="3" destOrd="0" parTransId="{F3C81BBF-2E5A-4620-9D62-B01D94023BD6}" sibTransId="{82817974-3543-4769-9CD5-DF1ADD10A038}"/>
-    <dgm:cxn modelId="{11E22DB1-BF2C-4A2E-802C-AC64FDD15FE2}" srcId="{AEA3A2E8-914C-41C5-9EE5-D8D7656F0E87}" destId="{34BEA326-E17B-4CC0-8931-AE47F29C33A2}" srcOrd="2" destOrd="0" parTransId="{BAE9EB05-2142-4427-8C6C-853BB948C544}" sibTransId="{23958461-822C-4F06-98AC-D10BBC674007}"/>
-    <dgm:cxn modelId="{CD792BFD-58E8-4DB0-96FF-2AE97EE5BBD5}" srcId="{198989BC-E3B5-414A-A2AC-9CC8B047CE97}" destId="{86203257-1CCC-44E5-86ED-E3BCB0808EF2}" srcOrd="3" destOrd="0" parTransId="{242B7611-2712-4F22-93A3-21335BFE8734}" sibTransId="{5EAB5239-0C6F-4461-B8DD-45508A4AA568}"/>
-    <dgm:cxn modelId="{944CE12B-9931-4D92-A736-A9193DE9D79F}" type="presParOf" srcId="{F32FCA51-E85B-48AD-B540-C3E68460E850}" destId="{498C68C1-A9AC-4D81-B490-31713164D113}" srcOrd="0" destOrd="0" presId="urn:microsoft.com/office/officeart/2005/8/layout/hList1"/>
-    <dgm:cxn modelId="{63434511-A9D4-4F1D-9FDF-E71A040AAEB1}" type="presParOf" srcId="{498C68C1-A9AC-4D81-B490-31713164D113}" destId="{9DE74BFA-79A8-49CE-B22E-D5B15EA15916}" srcOrd="0" destOrd="0" presId="urn:microsoft.com/office/officeart/2005/8/layout/hList1"/>
-    <dgm:cxn modelId="{10FB674A-29F9-4D00-B91A-C89EF14E82E4}" type="presParOf" srcId="{498C68C1-A9AC-4D81-B490-31713164D113}" destId="{E23D9C6A-7919-4DE1-92E1-C86BAC5338A5}" srcOrd="1" destOrd="0" presId="urn:microsoft.com/office/officeart/2005/8/layout/hList1"/>
-    <dgm:cxn modelId="{166CE2BA-4C8A-4FFA-883F-72FD6E23B1C3}" type="presParOf" srcId="{F32FCA51-E85B-48AD-B540-C3E68460E850}" destId="{E10D4F29-9839-4A5D-83F3-3BF410CAF53B}" srcOrd="1" destOrd="0" presId="urn:microsoft.com/office/officeart/2005/8/layout/hList1"/>
-    <dgm:cxn modelId="{428D83FC-BDB1-4E57-80AB-687E8D02B9EE}" type="presParOf" srcId="{F32FCA51-E85B-48AD-B540-C3E68460E850}" destId="{71552DA5-A25B-40B4-9A6E-8288549D46C9}" srcOrd="2" destOrd="0" presId="urn:microsoft.com/office/officeart/2005/8/layout/hList1"/>
-    <dgm:cxn modelId="{A433512D-197C-4BA3-BC7F-A4C441F5A608}" type="presParOf" srcId="{71552DA5-A25B-40B4-9A6E-8288549D46C9}" destId="{A632CA9F-E2DE-45EB-B416-608E7CBDBF70}" srcOrd="0" destOrd="0" presId="urn:microsoft.com/office/officeart/2005/8/layout/hList1"/>
-    <dgm:cxn modelId="{4AC5DB8F-51E5-4783-9B53-E401D3C9EBF9}" type="presParOf" srcId="{71552DA5-A25B-40B4-9A6E-8288549D46C9}" destId="{181DA342-EE3F-43BA-A789-AC60238C5E22}" srcOrd="1" destOrd="0" presId="urn:microsoft.com/office/officeart/2005/8/layout/hList1"/>
-    <dgm:cxn modelId="{951324F7-C6BB-4399-A0CB-09702EF5107A}" type="presParOf" srcId="{F32FCA51-E85B-48AD-B540-C3E68460E850}" destId="{97743B0F-C060-4CF2-BED5-DA1B5EFB76C7}" srcOrd="3" destOrd="0" presId="urn:microsoft.com/office/officeart/2005/8/layout/hList1"/>
-    <dgm:cxn modelId="{0986FC9D-AEA7-44A7-B59E-4028E3E35D0C}" type="presParOf" srcId="{F32FCA51-E85B-48AD-B540-C3E68460E850}" destId="{AF3C2EB8-8741-4735-82E9-C4F2F3EC4539}" srcOrd="4" destOrd="0" presId="urn:microsoft.com/office/officeart/2005/8/layout/hList1"/>
-    <dgm:cxn modelId="{70658EF9-C65F-4218-A656-6042115B59A9}" type="presParOf" srcId="{AF3C2EB8-8741-4735-82E9-C4F2F3EC4539}" destId="{5F40C879-5887-45AD-A176-E97D8416DAAE}" srcOrd="0" destOrd="0" presId="urn:microsoft.com/office/officeart/2005/8/layout/hList1"/>
-    <dgm:cxn modelId="{32E63467-B370-4D32-B308-11916217B736}" type="presParOf" srcId="{AF3C2EB8-8741-4735-82E9-C4F2F3EC4539}" destId="{04998C05-36E4-4ED3-8DB4-E6903F4AE516}" srcOrd="1" destOrd="0" presId="urn:microsoft.com/office/officeart/2005/8/layout/hList1"/>
+    <dgm:cxn modelId="{9C4E793A-349B-4E74-86FC-E78D51C2EFF2}" type="presOf" srcId="{E14EAB6F-F625-4721-9E19-6130E1338BF1}" destId="{D2A9C8EA-4412-4EDB-99D6-804C7F6F6BD7}" srcOrd="0" destOrd="4" presId="urn:microsoft.com/office/officeart/2005/8/layout/hList1"/>
+    <dgm:cxn modelId="{2314AAEF-754E-402B-9F14-6F2E1C058114}" type="presOf" srcId="{29C4CC40-A91A-4116-BB95-ADA45EA3F7CE}" destId="{D2A9C8EA-4412-4EDB-99D6-804C7F6F6BD7}" srcOrd="0" destOrd="0" presId="urn:microsoft.com/office/officeart/2005/8/layout/hList1"/>
+    <dgm:cxn modelId="{64231783-2354-426C-905B-DD58FE16C4B1}" srcId="{CDC65E15-49F5-4324-A122-2E3B8E9336A6}" destId="{321CC0CA-9E0F-47BB-9905-9BB4A0BF7939}" srcOrd="1" destOrd="0" parTransId="{E552877A-D8A2-4A51-B722-C7958D9602B9}" sibTransId="{80D6A799-271D-4DBC-9FC8-B6705316CBAD}"/>
+    <dgm:cxn modelId="{D6B267D4-8A6B-4EC0-A12B-1E64FFED78AA}" srcId="{DCFF8196-AF79-49B7-93B3-4E8303FE0A72}" destId="{81A2C54C-EA61-43EA-98D3-74496C24C518}" srcOrd="2" destOrd="0" parTransId="{BCC52A67-37CB-48BF-B68A-82B20AF0C253}" sibTransId="{BDC98738-0617-4488-9217-9CBB9B936564}"/>
+    <dgm:cxn modelId="{1A3EEC6E-93F7-41E9-9592-100DBFD4DB35}" type="presOf" srcId="{CDC65E15-49F5-4324-A122-2E3B8E9336A6}" destId="{B7FB2D04-4A76-4FB8-B14B-A4283CB9CEE8}" srcOrd="0" destOrd="0" presId="urn:microsoft.com/office/officeart/2005/8/layout/hList1"/>
+    <dgm:cxn modelId="{904E14EB-D9FF-4BDE-9138-D40F5BD76F65}" srcId="{DCFF8196-AF79-49B7-93B3-4E8303FE0A72}" destId="{8B202EB8-3B4D-4FC0-88F8-CC3A08AD1EB9}" srcOrd="1" destOrd="0" parTransId="{43693F10-E86A-4717-B34F-699A6EFCEEAD}" sibTransId="{55FB0CE0-1A57-4901-B572-E5DED45125FF}"/>
+    <dgm:cxn modelId="{41E57F13-AB12-4B41-A66C-490368FE9C02}" type="presOf" srcId="{A156FD15-4E9E-4965-8FD6-624C566EC42A}" destId="{C2990001-6E32-48CF-AEDC-560DFB2DCC71}" srcOrd="0" destOrd="3" presId="urn:microsoft.com/office/officeart/2005/8/layout/hList1"/>
+    <dgm:cxn modelId="{4EC56476-3293-40BB-A6A6-F6C7334F997A}" type="presOf" srcId="{31A3AA1B-406D-44B3-B91C-BDD7F681BB22}" destId="{D2A9C8EA-4412-4EDB-99D6-804C7F6F6BD7}" srcOrd="0" destOrd="3" presId="urn:microsoft.com/office/officeart/2005/8/layout/hList1"/>
+    <dgm:cxn modelId="{BDAC9039-C6F6-4008-B7ED-06FB40B30EC0}" srcId="{DCFF8196-AF79-49B7-93B3-4E8303FE0A72}" destId="{CDC65E15-49F5-4324-A122-2E3B8E9336A6}" srcOrd="0" destOrd="0" parTransId="{B505166D-1F52-4E22-89D2-49D1C6BEFC92}" sibTransId="{6638C06F-925A-45CB-83C2-B5157DF0AE00}"/>
+    <dgm:cxn modelId="{101FF3F7-C847-43F6-A511-B7595C0BC579}" srcId="{81A2C54C-EA61-43EA-98D3-74496C24C518}" destId="{80265639-2EF2-47A2-9945-070775703705}" srcOrd="0" destOrd="0" parTransId="{D76A49C3-2C70-404A-B99E-3CE3BF0C891B}" sibTransId="{489AA9AA-538E-40F3-B7ED-73E782060D11}"/>
+    <dgm:cxn modelId="{267621A9-E683-40B2-AD39-26CC820BF834}" type="presOf" srcId="{321CC0CA-9E0F-47BB-9905-9BB4A0BF7939}" destId="{D2A9C8EA-4412-4EDB-99D6-804C7F6F6BD7}" srcOrd="0" destOrd="1" presId="urn:microsoft.com/office/officeart/2005/8/layout/hList1"/>
+    <dgm:cxn modelId="{CEEED894-A523-401F-9AF3-68F0B243AD9E}" srcId="{81A2C54C-EA61-43EA-98D3-74496C24C518}" destId="{1E03C1FF-C86F-4C83-93F2-E1CEF84ED5DB}" srcOrd="1" destOrd="0" parTransId="{FD855DA9-EF0C-4AFF-AE70-670713113D85}" sibTransId="{9FE51C04-B46B-4CF1-A194-24C598E42397}"/>
+    <dgm:cxn modelId="{132CA8C5-4F9D-4587-A3F1-FD976CE2F3B9}" type="presOf" srcId="{3182C65F-2176-4AF7-8C9C-A2C0B2A95638}" destId="{D2A9C8EA-4412-4EDB-99D6-804C7F6F6BD7}" srcOrd="0" destOrd="2" presId="urn:microsoft.com/office/officeart/2005/8/layout/hList1"/>
+    <dgm:cxn modelId="{8F02F4ED-8D6F-485A-A984-3A5059DE2116}" type="presOf" srcId="{1C588465-F42F-4479-9714-973A24AF7FCF}" destId="{C2990001-6E32-48CF-AEDC-560DFB2DCC71}" srcOrd="0" destOrd="2" presId="urn:microsoft.com/office/officeart/2005/8/layout/hList1"/>
+    <dgm:cxn modelId="{F76F50E6-27A8-4B29-B742-ECD90C2F5CDF}" srcId="{CDC65E15-49F5-4324-A122-2E3B8E9336A6}" destId="{3182C65F-2176-4AF7-8C9C-A2C0B2A95638}" srcOrd="2" destOrd="0" parTransId="{DB86E4A1-EAE8-4578-84E4-79C27588945C}" sibTransId="{56094A21-0334-4FD8-BEC3-4F44D38D7646}"/>
+    <dgm:cxn modelId="{784AEA5A-1586-4670-8304-F0DC80A05966}" srcId="{81A2C54C-EA61-43EA-98D3-74496C24C518}" destId="{1C588465-F42F-4479-9714-973A24AF7FCF}" srcOrd="2" destOrd="0" parTransId="{50AA02ED-F29C-4626-A137-139DF07D2913}" sibTransId="{383C7D49-F2D1-47D6-BDFE-BF6B4BC58EF1}"/>
+    <dgm:cxn modelId="{A9E3AB29-06B9-46C5-A5E3-17D6B3CE64FD}" srcId="{81A2C54C-EA61-43EA-98D3-74496C24C518}" destId="{A156FD15-4E9E-4965-8FD6-624C566EC42A}" srcOrd="3" destOrd="0" parTransId="{205E2CCC-D2F7-465E-9083-0079860AFDA7}" sibTransId="{40B74304-6FD0-4CE0-B5D5-22DD5D2B5BC5}"/>
+    <dgm:cxn modelId="{3EB003C4-2FA6-4197-9896-E672BAC915F2}" type="presOf" srcId="{80265639-2EF2-47A2-9945-070775703705}" destId="{C2990001-6E32-48CF-AEDC-560DFB2DCC71}" srcOrd="0" destOrd="0" presId="urn:microsoft.com/office/officeart/2005/8/layout/hList1"/>
+    <dgm:cxn modelId="{84A5A7B6-7B37-460D-BFC9-7EDAB85CCD09}" srcId="{CDC65E15-49F5-4324-A122-2E3B8E9336A6}" destId="{31A3AA1B-406D-44B3-B91C-BDD7F681BB22}" srcOrd="3" destOrd="0" parTransId="{E4E0FED6-B712-41B6-9814-C5F49DA1A27D}" sibTransId="{EDEF30D2-DC6F-46C0-8031-E5DF8599E262}"/>
+    <dgm:cxn modelId="{5AD35D6F-AE33-479F-AD86-0D831BE333C4}" srcId="{CDC65E15-49F5-4324-A122-2E3B8E9336A6}" destId="{E14EAB6F-F625-4721-9E19-6130E1338BF1}" srcOrd="4" destOrd="0" parTransId="{8499AE98-3733-4296-852E-15998B64276E}" sibTransId="{6E524F80-C0C0-4BF4-902E-452C47A0947A}"/>
+    <dgm:cxn modelId="{80CA8F70-6C62-4006-9380-492481B471A9}" type="presOf" srcId="{1E03C1FF-C86F-4C83-93F2-E1CEF84ED5DB}" destId="{C2990001-6E32-48CF-AEDC-560DFB2DCC71}" srcOrd="0" destOrd="1" presId="urn:microsoft.com/office/officeart/2005/8/layout/hList1"/>
+    <dgm:cxn modelId="{F4065C9C-B706-441C-A466-8AFC9EC482A0}" type="presOf" srcId="{81A2C54C-EA61-43EA-98D3-74496C24C518}" destId="{D0F9E16D-804B-4484-8E5C-D8D8C50F5AAE}" srcOrd="0" destOrd="0" presId="urn:microsoft.com/office/officeart/2005/8/layout/hList1"/>
+    <dgm:cxn modelId="{61DDCCC5-923B-465F-8102-20CEAAD147AB}" srcId="{8B202EB8-3B4D-4FC0-88F8-CC3A08AD1EB9}" destId="{51D5DC61-4827-4642-B72D-6C75809C0C7C}" srcOrd="0" destOrd="0" parTransId="{5BCB13FE-C287-427E-A996-716FB6DBDAD0}" sibTransId="{EFA68075-4F2F-457E-8610-4591FD178E4C}"/>
+    <dgm:cxn modelId="{60B8CC75-67B2-4975-AC10-2D14720A71AD}" type="presOf" srcId="{8B202EB8-3B4D-4FC0-88F8-CC3A08AD1EB9}" destId="{40FD4F7D-CB9D-4344-9D0C-A9AB05C2A10B}" srcOrd="0" destOrd="0" presId="urn:microsoft.com/office/officeart/2005/8/layout/hList1"/>
+    <dgm:cxn modelId="{FF5BC56C-7717-4EF9-B200-81BA294A1A71}" type="presOf" srcId="{51D5DC61-4827-4642-B72D-6C75809C0C7C}" destId="{9648F12B-696C-4EBA-9A67-A736A4C6EC22}" srcOrd="0" destOrd="0" presId="urn:microsoft.com/office/officeart/2005/8/layout/hList1"/>
+    <dgm:cxn modelId="{1298428A-18D7-4FF7-B8F7-A255F7670BA0}" srcId="{CDC65E15-49F5-4324-A122-2E3B8E9336A6}" destId="{29C4CC40-A91A-4116-BB95-ADA45EA3F7CE}" srcOrd="0" destOrd="0" parTransId="{06AB297F-9D7F-4F4A-90A4-E494C1EE1E28}" sibTransId="{1B5DE647-7B5A-4FD7-9031-0A4F5EAFEB91}"/>
+    <dgm:cxn modelId="{1CE0BC3F-4448-4A7D-9E3F-196CEA9E2E14}" type="presOf" srcId="{DCFF8196-AF79-49B7-93B3-4E8303FE0A72}" destId="{A0772696-32FC-473F-AD55-01749DDF3348}" srcOrd="0" destOrd="0" presId="urn:microsoft.com/office/officeart/2005/8/layout/hList1"/>
+    <dgm:cxn modelId="{72592092-FDBD-4B0D-8521-15F0A3184DEA}" type="presParOf" srcId="{A0772696-32FC-473F-AD55-01749DDF3348}" destId="{2A2F6B24-766F-4F8A-9AF9-A87583C7C2DA}" srcOrd="0" destOrd="0" presId="urn:microsoft.com/office/officeart/2005/8/layout/hList1"/>
+    <dgm:cxn modelId="{B8887929-9844-457B-98C6-4FBFE18799A7}" type="presParOf" srcId="{2A2F6B24-766F-4F8A-9AF9-A87583C7C2DA}" destId="{B7FB2D04-4A76-4FB8-B14B-A4283CB9CEE8}" srcOrd="0" destOrd="0" presId="urn:microsoft.com/office/officeart/2005/8/layout/hList1"/>
+    <dgm:cxn modelId="{54949D0B-8529-4C94-945F-7F293DE840B5}" type="presParOf" srcId="{2A2F6B24-766F-4F8A-9AF9-A87583C7C2DA}" destId="{D2A9C8EA-4412-4EDB-99D6-804C7F6F6BD7}" srcOrd="1" destOrd="0" presId="urn:microsoft.com/office/officeart/2005/8/layout/hList1"/>
+    <dgm:cxn modelId="{0DAD6BE5-B484-4B75-9FDA-0643F4BB00B1}" type="presParOf" srcId="{A0772696-32FC-473F-AD55-01749DDF3348}" destId="{605547CA-F826-4C49-9828-275FF15AA21D}" srcOrd="1" destOrd="0" presId="urn:microsoft.com/office/officeart/2005/8/layout/hList1"/>
+    <dgm:cxn modelId="{DAA348FB-8148-4135-8F3C-677836C59AC7}" type="presParOf" srcId="{A0772696-32FC-473F-AD55-01749DDF3348}" destId="{1548FFEB-6F78-42DF-A55E-3540512F8096}" srcOrd="2" destOrd="0" presId="urn:microsoft.com/office/officeart/2005/8/layout/hList1"/>
+    <dgm:cxn modelId="{B8C3B196-94DE-4E20-ACA5-BA966EDA909C}" type="presParOf" srcId="{1548FFEB-6F78-42DF-A55E-3540512F8096}" destId="{40FD4F7D-CB9D-4344-9D0C-A9AB05C2A10B}" srcOrd="0" destOrd="0" presId="urn:microsoft.com/office/officeart/2005/8/layout/hList1"/>
+    <dgm:cxn modelId="{CAD2E827-64D7-4040-9A7E-F7473DCA18E4}" type="presParOf" srcId="{1548FFEB-6F78-42DF-A55E-3540512F8096}" destId="{9648F12B-696C-4EBA-9A67-A736A4C6EC22}" srcOrd="1" destOrd="0" presId="urn:microsoft.com/office/officeart/2005/8/layout/hList1"/>
+    <dgm:cxn modelId="{4F0362FE-0507-48A5-A191-BABD3B118458}" type="presParOf" srcId="{A0772696-32FC-473F-AD55-01749DDF3348}" destId="{174EC3F4-B844-4525-AE7E-79B7C5CCAE04}" srcOrd="3" destOrd="0" presId="urn:microsoft.com/office/officeart/2005/8/layout/hList1"/>
+    <dgm:cxn modelId="{336C631D-E7D2-4385-92EE-79050C0E4AA1}" type="presParOf" srcId="{A0772696-32FC-473F-AD55-01749DDF3348}" destId="{1293BF86-7B8D-4042-820C-325159710C91}" srcOrd="4" destOrd="0" presId="urn:microsoft.com/office/officeart/2005/8/layout/hList1"/>
+    <dgm:cxn modelId="{54C585F5-9A4A-4D6C-84F0-F5AAC32AB6D6}" type="presParOf" srcId="{1293BF86-7B8D-4042-820C-325159710C91}" destId="{D0F9E16D-804B-4484-8E5C-D8D8C50F5AAE}" srcOrd="0" destOrd="0" presId="urn:microsoft.com/office/officeart/2005/8/layout/hList1"/>
+    <dgm:cxn modelId="{14F98E28-9DAE-4C39-B16D-31B7EEA6EC26}" type="presParOf" srcId="{1293BF86-7B8D-4042-820C-325159710C91}" destId="{C2990001-6E32-48CF-AEDC-560DFB2DCC71}" srcOrd="1" destOrd="0" presId="urn:microsoft.com/office/officeart/2005/8/layout/hList1"/>
   </dgm:cxnLst>
   <dgm:bg/>
   <dgm:whole/>
@@ -10293,7 +10272,18 @@
                 </a:schemeClr>
               </a:solidFill>
             </a:rPr>
-            <a:t>Semantic (zip code, phone)*</a:t>
+            <a:t>Semantic (zip code, phone</a:t>
+          </a:r>
+          <a:r>
+            <a:rPr lang="en-US" smtClean="0">
+              <a:solidFill>
+                <a:schemeClr val="accent4">
+                  <a:lumMod val="20000"/>
+                  <a:lumOff val="80000"/>
+                </a:schemeClr>
+              </a:solidFill>
+            </a:rPr>
+            <a:t>, geo)*</a:t>
           </a:r>
           <a:endParaRPr lang="en-US" dirty="0">
             <a:solidFill>
@@ -12129,7 +12119,7 @@
           <a:avLst/>
         </a:prstGeom>
         <a:solidFill>
-          <a:schemeClr val="accent3">
+          <a:schemeClr val="accent4">
             <a:hueOff val="0"/>
             <a:satOff val="0"/>
             <a:lumOff val="0"/>
@@ -12138,7 +12128,7 @@
         </a:solidFill>
         <a:ln w="12700" cap="flat" cmpd="sng" algn="ctr">
           <a:solidFill>
-            <a:schemeClr val="accent3">
+            <a:schemeClr val="accent4">
               <a:hueOff val="0"/>
               <a:satOff val="0"/>
               <a:lumOff val="0"/>
@@ -12207,7 +12197,7 @@
           <a:avLst/>
         </a:prstGeom>
         <a:solidFill>
-          <a:schemeClr val="accent3">
+          <a:schemeClr val="accent4">
             <a:alpha val="90000"/>
             <a:tint val="40000"/>
             <a:hueOff val="0"/>
@@ -12218,7 +12208,7 @@
         </a:solidFill>
         <a:ln w="12700" cap="flat" cmpd="sng" algn="ctr">
           <a:solidFill>
-            <a:schemeClr val="accent3">
+            <a:schemeClr val="accent4">
               <a:alpha val="90000"/>
               <a:tint val="40000"/>
               <a:hueOff val="0"/>
@@ -12326,7 +12316,7 @@
           <a:avLst/>
         </a:prstGeom>
         <a:solidFill>
-          <a:schemeClr val="accent3">
+          <a:schemeClr val="accent4">
             <a:hueOff val="0"/>
             <a:satOff val="0"/>
             <a:lumOff val="0"/>
@@ -12335,7 +12325,7 @@
         </a:solidFill>
         <a:ln w="12700" cap="flat" cmpd="sng" algn="ctr">
           <a:solidFill>
-            <a:schemeClr val="accent3">
+            <a:schemeClr val="accent4">
               <a:hueOff val="0"/>
               <a:satOff val="0"/>
               <a:lumOff val="0"/>
@@ -12404,7 +12394,7 @@
           <a:avLst/>
         </a:prstGeom>
         <a:solidFill>
-          <a:schemeClr val="accent3">
+          <a:schemeClr val="accent4">
             <a:alpha val="90000"/>
             <a:tint val="40000"/>
             <a:hueOff val="0"/>
@@ -12415,7 +12405,7 @@
         </a:solidFill>
         <a:ln w="12700" cap="flat" cmpd="sng" algn="ctr">
           <a:solidFill>
-            <a:schemeClr val="accent3">
+            <a:schemeClr val="accent4">
               <a:alpha val="90000"/>
               <a:tint val="40000"/>
               <a:hueOff val="0"/>
@@ -12588,10 +12578,10 @@
             </a:spcAft>
           </a:pPr>
           <a:r>
-            <a:rPr lang="en-US" sz="2400" kern="1200" smtClean="0"/>
-            <a:t>General</a:t>
+            <a:rPr lang="en-US" sz="2400" kern="1200" dirty="0" smtClean="0"/>
+            <a:t>All</a:t>
           </a:r>
-          <a:endParaRPr lang="en-US" sz="2400" kern="1200"/>
+          <a:endParaRPr lang="en-US" sz="2400" kern="1200" dirty="0"/>
         </a:p>
       </dsp:txBody>
       <dsp:txXfrm>
@@ -13314,15 +13304,15 @@
       <dsp:cNvGrpSpPr/>
     </dsp:nvGrpSpPr>
     <dsp:grpSpPr/>
-    <dsp:sp modelId="{9DE74BFA-79A8-49CE-B22E-D5B15EA15916}">
+    <dsp:sp modelId="{B7FB2D04-4A76-4FB8-B14B-A4283CB9CEE8}">
       <dsp:nvSpPr>
         <dsp:cNvPr id="0" name=""/>
         <dsp:cNvSpPr/>
       </dsp:nvSpPr>
       <dsp:spPr>
         <a:xfrm>
-          <a:off x="2464" y="69419"/>
-          <a:ext cx="2402978" cy="662400"/>
+          <a:off x="2464" y="15378"/>
+          <a:ext cx="2402978" cy="489600"/>
         </a:xfrm>
         <a:prstGeom prst="rect">
           <a:avLst/>
@@ -13364,12 +13354,12 @@
         </a:fontRef>
       </dsp:style>
       <dsp:txBody>
-        <a:bodyPr spcFirstLastPara="0" vert="horz" wrap="square" lIns="163576" tIns="93472" rIns="163576" bIns="93472" numCol="1" spcCol="1270" anchor="ctr" anchorCtr="0">
+        <a:bodyPr spcFirstLastPara="0" vert="horz" wrap="square" lIns="120904" tIns="69088" rIns="120904" bIns="69088" numCol="1" spcCol="1270" anchor="ctr" anchorCtr="0">
           <a:noAutofit/>
         </a:bodyPr>
         <a:lstStyle/>
         <a:p>
-          <a:pPr lvl="0" algn="ctr" defTabSz="1022350">
+          <a:pPr lvl="0" algn="ctr" defTabSz="755650">
             <a:lnSpc>
               <a:spcPct val="90000"/>
             </a:lnSpc>
@@ -13381,26 +13371,26 @@
             </a:spcAft>
           </a:pPr>
           <a:r>
-            <a:rPr lang="en-US" sz="2300" kern="1200" dirty="0" smtClean="0"/>
+            <a:rPr lang="en-US" sz="1700" kern="1200" smtClean="0"/>
             <a:t>Numbers</a:t>
           </a:r>
-          <a:endParaRPr lang="en-US" sz="2300" kern="1200" dirty="0" smtClean="0"/>
+          <a:endParaRPr lang="en-US" sz="1700" kern="1200"/>
         </a:p>
       </dsp:txBody>
       <dsp:txXfrm>
-        <a:off x="2464" y="69419"/>
-        <a:ext cx="2402978" cy="662400"/>
+        <a:off x="2464" y="15378"/>
+        <a:ext cx="2402978" cy="489600"/>
       </dsp:txXfrm>
     </dsp:sp>
-    <dsp:sp modelId="{E23D9C6A-7919-4DE1-92E1-C86BAC5338A5}">
+    <dsp:sp modelId="{D2A9C8EA-4412-4EDB-99D6-804C7F6F6BD7}">
       <dsp:nvSpPr>
         <dsp:cNvPr id="0" name=""/>
         <dsp:cNvSpPr/>
       </dsp:nvSpPr>
       <dsp:spPr>
         <a:xfrm>
-          <a:off x="2464" y="731819"/>
-          <a:ext cx="2402978" cy="2462264"/>
+          <a:off x="2464" y="504978"/>
+          <a:ext cx="2402978" cy="1819935"/>
         </a:xfrm>
         <a:prstGeom prst="rect">
           <a:avLst/>
@@ -13444,12 +13434,12 @@
         <a:fontRef idx="minor"/>
       </dsp:style>
       <dsp:txBody>
-        <a:bodyPr spcFirstLastPara="0" vert="horz" wrap="square" lIns="122682" tIns="122682" rIns="163576" bIns="184023" numCol="1" spcCol="1270" anchor="t" anchorCtr="0">
+        <a:bodyPr spcFirstLastPara="0" vert="horz" wrap="square" lIns="90678" tIns="90678" rIns="120904" bIns="136017" numCol="1" spcCol="1270" anchor="t" anchorCtr="0">
           <a:noAutofit/>
         </a:bodyPr>
         <a:lstStyle/>
         <a:p>
-          <a:pPr marL="228600" lvl="1" indent="-228600" algn="l" defTabSz="1022350">
+          <a:pPr marL="171450" lvl="1" indent="-171450" algn="l" defTabSz="755650">
             <a:lnSpc>
               <a:spcPct val="90000"/>
             </a:lnSpc>
@@ -13462,13 +13452,13 @@
             <a:buChar char="••"/>
           </a:pPr>
           <a:r>
-            <a:rPr lang="en-US" sz="2300" kern="1200" dirty="0" smtClean="0"/>
+            <a:rPr lang="en-US" sz="1700" kern="1200" dirty="0" smtClean="0"/>
             <a:t>Box Plot</a:t>
           </a:r>
-          <a:endParaRPr lang="en-US" sz="2300" kern="1200" dirty="0" smtClean="0"/>
+          <a:endParaRPr lang="en-US" sz="1700" kern="1200" dirty="0" smtClean="0"/>
         </a:p>
         <a:p>
-          <a:pPr marL="228600" lvl="1" indent="-228600" algn="l" defTabSz="1022350">
+          <a:pPr marL="171450" lvl="1" indent="-171450" algn="l" defTabSz="755650">
             <a:lnSpc>
               <a:spcPct val="90000"/>
             </a:lnSpc>
@@ -13481,13 +13471,13 @@
             <a:buChar char="••"/>
           </a:pPr>
           <a:r>
-            <a:rPr lang="en-US" sz="2300" kern="1200" dirty="0" smtClean="0"/>
+            <a:rPr lang="en-US" sz="1700" kern="1200" dirty="0" smtClean="0"/>
             <a:t>FD Lollipop</a:t>
           </a:r>
-          <a:endParaRPr lang="en-US" sz="2300" kern="1200" dirty="0" smtClean="0"/>
+          <a:endParaRPr lang="en-US" sz="1700" kern="1200" dirty="0" smtClean="0"/>
         </a:p>
         <a:p>
-          <a:pPr marL="228600" lvl="1" indent="-228600" algn="l" defTabSz="1022350">
+          <a:pPr marL="171450" lvl="1" indent="-171450" algn="l" defTabSz="755650">
             <a:lnSpc>
               <a:spcPct val="90000"/>
             </a:lnSpc>
@@ -13500,13 +13490,13 @@
             <a:buChar char="••"/>
           </a:pPr>
           <a:r>
-            <a:rPr lang="en-US" sz="2300" kern="1200" dirty="0" smtClean="0"/>
+            <a:rPr lang="en-US" sz="1700" kern="1200" dirty="0" smtClean="0"/>
             <a:t>FD with Bins</a:t>
           </a:r>
-          <a:endParaRPr lang="en-US" sz="2300" kern="1200" dirty="0" smtClean="0"/>
+          <a:endParaRPr lang="en-US" sz="1700" kern="1200" dirty="0" smtClean="0"/>
         </a:p>
         <a:p>
-          <a:pPr marL="228600" lvl="1" indent="-228600" algn="l" defTabSz="1022350">
+          <a:pPr marL="171450" lvl="1" indent="-171450" algn="l" defTabSz="755650">
             <a:lnSpc>
               <a:spcPct val="90000"/>
             </a:lnSpc>
@@ -13519,13 +13509,13 @@
             <a:buChar char="••"/>
           </a:pPr>
           <a:r>
-            <a:rPr lang="en-US" sz="2300" kern="1200" dirty="0" smtClean="0"/>
+            <a:rPr lang="en-US" sz="1700" kern="1200" dirty="0" smtClean="0"/>
             <a:t>Color spectrum</a:t>
           </a:r>
-          <a:endParaRPr lang="en-US" sz="2300" kern="1200" dirty="0" smtClean="0"/>
+          <a:endParaRPr lang="en-US" sz="1700" kern="1200" dirty="0" smtClean="0"/>
         </a:p>
         <a:p>
-          <a:pPr marL="228600" lvl="1" indent="-228600" algn="l" defTabSz="1022350">
+          <a:pPr marL="171450" lvl="1" indent="-171450" algn="l" defTabSz="755650">
             <a:lnSpc>
               <a:spcPct val="90000"/>
             </a:lnSpc>
@@ -13538,26 +13528,26 @@
             <a:buChar char="••"/>
           </a:pPr>
           <a:r>
-            <a:rPr lang="en-US" sz="2300" kern="1200" dirty="0" smtClean="0"/>
+            <a:rPr lang="en-US" sz="1700" kern="1200" dirty="0" smtClean="0"/>
             <a:t>Scatter plot with outliers</a:t>
           </a:r>
-          <a:endParaRPr lang="en-US" sz="2300" kern="1200" dirty="0" smtClean="0"/>
+          <a:endParaRPr lang="en-US" sz="1700" kern="1200" dirty="0" smtClean="0"/>
         </a:p>
       </dsp:txBody>
       <dsp:txXfrm>
-        <a:off x="2464" y="731819"/>
-        <a:ext cx="2402978" cy="2462264"/>
+        <a:off x="2464" y="504978"/>
+        <a:ext cx="2402978" cy="1819935"/>
       </dsp:txXfrm>
     </dsp:sp>
-    <dsp:sp modelId="{A632CA9F-E2DE-45EB-B416-608E7CBDBF70}">
+    <dsp:sp modelId="{40FD4F7D-CB9D-4344-9D0C-A9AB05C2A10B}">
       <dsp:nvSpPr>
         <dsp:cNvPr id="0" name=""/>
         <dsp:cNvSpPr/>
       </dsp:nvSpPr>
       <dsp:spPr>
         <a:xfrm>
-          <a:off x="2741860" y="69419"/>
-          <a:ext cx="2402978" cy="662400"/>
+          <a:off x="2741860" y="15378"/>
+          <a:ext cx="2402978" cy="489600"/>
         </a:xfrm>
         <a:prstGeom prst="rect">
           <a:avLst/>
@@ -13599,12 +13589,12 @@
         </a:fontRef>
       </dsp:style>
       <dsp:txBody>
-        <a:bodyPr spcFirstLastPara="0" vert="horz" wrap="square" lIns="163576" tIns="93472" rIns="163576" bIns="93472" numCol="1" spcCol="1270" anchor="ctr" anchorCtr="0">
+        <a:bodyPr spcFirstLastPara="0" vert="horz" wrap="square" lIns="120904" tIns="69088" rIns="120904" bIns="69088" numCol="1" spcCol="1270" anchor="ctr" anchorCtr="0">
           <a:noAutofit/>
         </a:bodyPr>
         <a:lstStyle/>
         <a:p>
-          <a:pPr lvl="0" algn="ctr" defTabSz="1022350">
+          <a:pPr lvl="0" algn="ctr" defTabSz="755650">
             <a:lnSpc>
               <a:spcPct val="90000"/>
             </a:lnSpc>
@@ -13616,26 +13606,26 @@
             </a:spcAft>
           </a:pPr>
           <a:r>
-            <a:rPr lang="en-US" sz="2300" kern="1200" dirty="0" smtClean="0"/>
+            <a:rPr lang="en-US" sz="1700" kern="1200" dirty="0" smtClean="0"/>
             <a:t>Date</a:t>
           </a:r>
-          <a:endParaRPr lang="en-US" sz="2300" kern="1200" dirty="0" smtClean="0"/>
+          <a:endParaRPr lang="en-US" sz="1700" kern="1200" dirty="0" smtClean="0"/>
         </a:p>
       </dsp:txBody>
       <dsp:txXfrm>
-        <a:off x="2741860" y="69419"/>
-        <a:ext cx="2402978" cy="662400"/>
+        <a:off x="2741860" y="15378"/>
+        <a:ext cx="2402978" cy="489600"/>
       </dsp:txXfrm>
     </dsp:sp>
-    <dsp:sp modelId="{181DA342-EE3F-43BA-A789-AC60238C5E22}">
+    <dsp:sp modelId="{9648F12B-696C-4EBA-9A67-A736A4C6EC22}">
       <dsp:nvSpPr>
         <dsp:cNvPr id="0" name=""/>
         <dsp:cNvSpPr/>
       </dsp:nvSpPr>
       <dsp:spPr>
         <a:xfrm>
-          <a:off x="2741860" y="731819"/>
-          <a:ext cx="2402978" cy="2462264"/>
+          <a:off x="2741860" y="504978"/>
+          <a:ext cx="2402978" cy="1819935"/>
         </a:xfrm>
         <a:prstGeom prst="rect">
           <a:avLst/>
@@ -13679,12 +13669,12 @@
         <a:fontRef idx="minor"/>
       </dsp:style>
       <dsp:txBody>
-        <a:bodyPr spcFirstLastPara="0" vert="horz" wrap="square" lIns="122682" tIns="122682" rIns="163576" bIns="184023" numCol="1" spcCol="1270" anchor="t" anchorCtr="0">
+        <a:bodyPr spcFirstLastPara="0" vert="horz" wrap="square" lIns="90678" tIns="90678" rIns="120904" bIns="136017" numCol="1" spcCol="1270" anchor="t" anchorCtr="0">
           <a:noAutofit/>
         </a:bodyPr>
         <a:lstStyle/>
         <a:p>
-          <a:pPr marL="228600" lvl="1" indent="-228600" algn="l" defTabSz="1022350">
+          <a:pPr marL="171450" lvl="1" indent="-171450" algn="l" defTabSz="755650">
             <a:lnSpc>
               <a:spcPct val="90000"/>
             </a:lnSpc>
@@ -13697,26 +13687,26 @@
             <a:buChar char="••"/>
           </a:pPr>
           <a:r>
-            <a:rPr lang="en-US" sz="2300" kern="1200" dirty="0" smtClean="0"/>
+            <a:rPr lang="en-US" sz="1700" kern="1200" dirty="0" smtClean="0"/>
             <a:t>FD Time Series Line chart</a:t>
           </a:r>
-          <a:endParaRPr lang="en-US" sz="2300" kern="1200" dirty="0" smtClean="0"/>
+          <a:endParaRPr lang="en-US" sz="1700" kern="1200" dirty="0" smtClean="0"/>
         </a:p>
       </dsp:txBody>
       <dsp:txXfrm>
-        <a:off x="2741860" y="731819"/>
-        <a:ext cx="2402978" cy="2462264"/>
+        <a:off x="2741860" y="504978"/>
+        <a:ext cx="2402978" cy="1819935"/>
       </dsp:txXfrm>
     </dsp:sp>
-    <dsp:sp modelId="{5F40C879-5887-45AD-A176-E97D8416DAAE}">
+    <dsp:sp modelId="{D0F9E16D-804B-4484-8E5C-D8D8C50F5AAE}">
       <dsp:nvSpPr>
         <dsp:cNvPr id="0" name=""/>
         <dsp:cNvSpPr/>
       </dsp:nvSpPr>
       <dsp:spPr>
         <a:xfrm>
-          <a:off x="5481256" y="69419"/>
-          <a:ext cx="2402978" cy="662400"/>
+          <a:off x="5481256" y="15378"/>
+          <a:ext cx="2402978" cy="489600"/>
         </a:xfrm>
         <a:prstGeom prst="rect">
           <a:avLst/>
@@ -13758,12 +13748,12 @@
         </a:fontRef>
       </dsp:style>
       <dsp:txBody>
-        <a:bodyPr spcFirstLastPara="0" vert="horz" wrap="square" lIns="163576" tIns="93472" rIns="163576" bIns="93472" numCol="1" spcCol="1270" anchor="ctr" anchorCtr="0">
+        <a:bodyPr spcFirstLastPara="0" vert="horz" wrap="square" lIns="120904" tIns="69088" rIns="120904" bIns="69088" numCol="1" spcCol="1270" anchor="ctr" anchorCtr="0">
           <a:noAutofit/>
         </a:bodyPr>
         <a:lstStyle/>
         <a:p>
-          <a:pPr lvl="0" algn="ctr" defTabSz="1022350">
+          <a:pPr lvl="0" algn="ctr" defTabSz="755650">
             <a:lnSpc>
               <a:spcPct val="90000"/>
             </a:lnSpc>
@@ -13775,26 +13765,26 @@
             </a:spcAft>
           </a:pPr>
           <a:r>
-            <a:rPr lang="en-US" sz="2300" kern="1200" dirty="0" smtClean="0"/>
+            <a:rPr lang="en-US" sz="1700" kern="1200" dirty="0" smtClean="0"/>
             <a:t>Text</a:t>
           </a:r>
-          <a:endParaRPr lang="en-US" sz="2300" kern="1200" dirty="0" smtClean="0"/>
+          <a:endParaRPr lang="en-US" sz="1700" kern="1200" dirty="0" smtClean="0"/>
         </a:p>
       </dsp:txBody>
       <dsp:txXfrm>
-        <a:off x="5481256" y="69419"/>
-        <a:ext cx="2402978" cy="662400"/>
+        <a:off x="5481256" y="15378"/>
+        <a:ext cx="2402978" cy="489600"/>
       </dsp:txXfrm>
     </dsp:sp>
-    <dsp:sp modelId="{04998C05-36E4-4ED3-8DB4-E6903F4AE516}">
+    <dsp:sp modelId="{C2990001-6E32-48CF-AEDC-560DFB2DCC71}">
       <dsp:nvSpPr>
         <dsp:cNvPr id="0" name=""/>
         <dsp:cNvSpPr/>
       </dsp:nvSpPr>
       <dsp:spPr>
         <a:xfrm>
-          <a:off x="5481256" y="731819"/>
-          <a:ext cx="2402978" cy="2462264"/>
+          <a:off x="5481256" y="504978"/>
+          <a:ext cx="2402978" cy="1819935"/>
         </a:xfrm>
         <a:prstGeom prst="rect">
           <a:avLst/>
@@ -13838,12 +13828,12 @@
         <a:fontRef idx="minor"/>
       </dsp:style>
       <dsp:txBody>
-        <a:bodyPr spcFirstLastPara="0" vert="horz" wrap="square" lIns="122682" tIns="122682" rIns="163576" bIns="184023" numCol="1" spcCol="1270" anchor="t" anchorCtr="0">
+        <a:bodyPr spcFirstLastPara="0" vert="horz" wrap="square" lIns="90678" tIns="90678" rIns="120904" bIns="136017" numCol="1" spcCol="1270" anchor="t" anchorCtr="0">
           <a:noAutofit/>
         </a:bodyPr>
         <a:lstStyle/>
         <a:p>
-          <a:pPr marL="228600" lvl="1" indent="-228600" algn="l" defTabSz="1022350">
+          <a:pPr marL="171450" lvl="1" indent="-171450" algn="l" defTabSz="755650">
             <a:lnSpc>
               <a:spcPct val="90000"/>
             </a:lnSpc>
@@ -13856,13 +13846,13 @@
             <a:buChar char="••"/>
           </a:pPr>
           <a:r>
-            <a:rPr lang="en-US" sz="2300" kern="1200" dirty="0" smtClean="0"/>
+            <a:rPr lang="en-US" sz="1700" kern="1200" dirty="0" smtClean="0"/>
             <a:t>FD Lollipop</a:t>
           </a:r>
-          <a:endParaRPr lang="en-US" sz="2300" kern="1200" dirty="0" smtClean="0"/>
+          <a:endParaRPr lang="en-US" sz="1700" kern="1200" dirty="0" smtClean="0"/>
         </a:p>
         <a:p>
-          <a:pPr marL="228600" lvl="1" indent="-228600" algn="l" defTabSz="1022350">
+          <a:pPr marL="171450" lvl="1" indent="-171450" algn="l" defTabSz="755650">
             <a:lnSpc>
               <a:spcPct val="90000"/>
             </a:lnSpc>
@@ -13875,13 +13865,13 @@
             <a:buChar char="••"/>
           </a:pPr>
           <a:r>
-            <a:rPr lang="en-US" sz="2300" kern="1200" dirty="0" smtClean="0"/>
+            <a:rPr lang="en-US" sz="1700" kern="1200" dirty="0" smtClean="0"/>
             <a:t>Color spectrum</a:t>
           </a:r>
-          <a:endParaRPr lang="en-US" sz="2300" kern="1200" dirty="0" smtClean="0"/>
+          <a:endParaRPr lang="en-US" sz="1700" kern="1200" dirty="0" smtClean="0"/>
         </a:p>
         <a:p>
-          <a:pPr marL="228600" lvl="1" indent="-228600" algn="l" defTabSz="1022350">
+          <a:pPr marL="171450" lvl="1" indent="-171450" algn="l" defTabSz="755650">
             <a:lnSpc>
               <a:spcPct val="90000"/>
             </a:lnSpc>
@@ -13894,13 +13884,13 @@
             <a:buChar char="••"/>
           </a:pPr>
           <a:r>
-            <a:rPr lang="en-US" sz="2300" kern="1200" dirty="0" smtClean="0"/>
-            <a:t>Word/Char count spectrum</a:t>
+            <a:rPr lang="en-US" sz="1700" kern="1200" dirty="0" smtClean="0"/>
+            <a:t>Word/Char count color spectrum</a:t>
           </a:r>
-          <a:endParaRPr lang="en-US" sz="2300" kern="1200" dirty="0" smtClean="0"/>
+          <a:endParaRPr lang="en-US" sz="1700" kern="1200" dirty="0" smtClean="0"/>
         </a:p>
         <a:p>
-          <a:pPr marL="228600" lvl="1" indent="-228600" algn="l" defTabSz="1022350">
+          <a:pPr marL="171450" lvl="1" indent="-171450" algn="l" defTabSz="755650">
             <a:lnSpc>
               <a:spcPct val="90000"/>
             </a:lnSpc>
@@ -13912,12 +13902,12 @@
             </a:spcAft>
             <a:buChar char="••"/>
           </a:pPr>
-          <a:endParaRPr lang="en-US" sz="2300" kern="1200" dirty="0" smtClean="0"/>
+          <a:endParaRPr lang="en-US" sz="1700" kern="1200" dirty="0" smtClean="0"/>
         </a:p>
       </dsp:txBody>
       <dsp:txXfrm>
-        <a:off x="5481256" y="731819"/>
-        <a:ext cx="2402978" cy="2462264"/>
+        <a:off x="5481256" y="504978"/>
+        <a:ext cx="2402978" cy="1819935"/>
       </dsp:txXfrm>
     </dsp:sp>
   </dsp:spTree>
@@ -14755,7 +14745,18 @@
                 </a:schemeClr>
               </a:solidFill>
             </a:rPr>
-            <a:t>Semantic (zip code, phone)*</a:t>
+            <a:t>Semantic (zip code, phone</a:t>
+          </a:r>
+          <a:r>
+            <a:rPr lang="en-US" sz="2000" kern="1200" smtClean="0">
+              <a:solidFill>
+                <a:schemeClr val="accent4">
+                  <a:lumMod val="20000"/>
+                  <a:lumOff val="80000"/>
+                </a:schemeClr>
+              </a:solidFill>
+            </a:rPr>
+            <a:t>, geo)*</a:t>
           </a:r>
           <a:endParaRPr lang="en-US" sz="2000" kern="1200" dirty="0">
             <a:solidFill>
@@ -31173,7 +31174,7 @@
           </a:p>
           <a:p>
             <a:r>
-              <a:rPr lang="en-US" smtClean="0"/>
+              <a:rPr lang="en-US" dirty="0" smtClean="0"/>
               <a:t>Session saving</a:t>
             </a:r>
           </a:p>
@@ -31349,38 +31350,38 @@
           <a:lstStyle/>
           <a:p>
             <a:r>
-              <a:rPr lang="en-US" smtClean="0"/>
+              <a:rPr lang="en-US" dirty="0" smtClean="0"/>
               <a:t>Understand the dataset</a:t>
             </a:r>
           </a:p>
           <a:p>
             <a:pPr lvl="1"/>
             <a:r>
-              <a:rPr lang="en-US" smtClean="0"/>
+              <a:rPr lang="en-US" dirty="0" smtClean="0"/>
               <a:t>Data types, ranges, column names</a:t>
             </a:r>
           </a:p>
           <a:p>
             <a:r>
-              <a:rPr lang="en-US" smtClean="0"/>
+              <a:rPr lang="en-US" dirty="0" smtClean="0"/>
               <a:t>Discover blind spots</a:t>
             </a:r>
           </a:p>
           <a:p>
             <a:r>
-              <a:rPr lang="en-US" smtClean="0"/>
+              <a:rPr lang="en-US" dirty="0" smtClean="0"/>
               <a:t>Identify potential data quality issues</a:t>
             </a:r>
           </a:p>
           <a:p>
             <a:r>
-              <a:rPr lang="en-US" smtClean="0"/>
+              <a:rPr lang="en-US" dirty="0" smtClean="0"/>
               <a:t>Formulate EDA questions</a:t>
             </a:r>
           </a:p>
           <a:p>
             <a:r>
-              <a:rPr lang="en-US" smtClean="0"/>
+              <a:rPr lang="en-US" dirty="0" smtClean="0"/>
               <a:t>Prepare ReadMe files for datasets</a:t>
             </a:r>
             <a:endParaRPr lang="en-US" dirty="0"/>
@@ -31465,50 +31466,50 @@
           <a:lstStyle/>
           <a:p>
             <a:r>
-              <a:rPr lang="en-US" smtClean="0"/>
+              <a:rPr lang="en-US" dirty="0" smtClean="0"/>
               <a:t>100% client side</a:t>
             </a:r>
           </a:p>
           <a:p>
             <a:r>
-              <a:rPr lang="en-US" smtClean="0"/>
+              <a:rPr lang="en-US" dirty="0" smtClean="0"/>
               <a:t>Independent Column Cards</a:t>
             </a:r>
           </a:p>
           <a:p>
             <a:r>
-              <a:rPr lang="en-US" smtClean="0"/>
+              <a:rPr lang="en-US" dirty="0" smtClean="0"/>
               <a:t>Customized for Data Types</a:t>
             </a:r>
           </a:p>
           <a:p>
             <a:pPr lvl="1"/>
             <a:r>
-              <a:rPr lang="en-US" smtClean="0"/>
+              <a:rPr lang="en-US" dirty="0" smtClean="0"/>
               <a:t>(Numbers, Text, Dates)</a:t>
             </a:r>
           </a:p>
           <a:p>
             <a:r>
-              <a:rPr lang="en-US" smtClean="0"/>
-              <a:t>Editable titles and text content</a:t>
+              <a:rPr lang="en-US" dirty="0" smtClean="0"/>
+              <a:t>Editable titles</a:t>
             </a:r>
           </a:p>
           <a:p>
             <a:r>
-              <a:rPr lang="en-US" smtClean="0"/>
+              <a:rPr lang="en-US" dirty="0" smtClean="0"/>
               <a:t>No semantics (kind of)</a:t>
             </a:r>
           </a:p>
           <a:p>
             <a:r>
-              <a:rPr lang="en-US" smtClean="0"/>
+              <a:rPr lang="en-US" dirty="0" smtClean="0"/>
               <a:t>Printing/Saving</a:t>
             </a:r>
           </a:p>
           <a:p>
             <a:r>
-              <a:rPr lang="en-US" smtClean="0"/>
+              <a:rPr lang="en-US" dirty="0" smtClean="0"/>
               <a:t>Tooltip components</a:t>
             </a:r>
             <a:endParaRPr lang="en-US" dirty="0"/>
@@ -31725,7 +31726,7 @@
             <p:ph idx="1"/>
             <p:extLst>
               <p:ext uri="{D42A27DB-BD31-4B8C-83A1-F6EECF244321}">
-                <p14:modId xmlns:p14="http://schemas.microsoft.com/office/powerpoint/2010/main" val="735181609"/>
+                <p14:modId xmlns:p14="http://schemas.microsoft.com/office/powerpoint/2010/main" val="3075500052"/>
               </p:ext>
             </p:extLst>
           </p:nvPr>
@@ -31810,7 +31811,7 @@
             <p:ph idx="1"/>
             <p:extLst>
               <p:ext uri="{D42A27DB-BD31-4B8C-83A1-F6EECF244321}">
-                <p14:modId xmlns:p14="http://schemas.microsoft.com/office/powerpoint/2010/main" val="2497330488"/>
+                <p14:modId xmlns:p14="http://schemas.microsoft.com/office/powerpoint/2010/main" val="130932357"/>
               </p:ext>
             </p:extLst>
           </p:nvPr>
@@ -31912,22 +31913,22 @@
       </p:sp>
       <p:graphicFrame>
         <p:nvGraphicFramePr>
-          <p:cNvPr id="7" name="Content Placeholder 6"/>
+          <p:cNvPr id="6" name="Content Placeholder 5"/>
           <p:cNvGraphicFramePr>
             <a:graphicFrameLocks noGrp="1"/>
           </p:cNvGraphicFramePr>
           <p:nvPr>
-            <p:ph idx="1"/>
+            <p:ph idx="13"/>
             <p:extLst>
               <p:ext uri="{D42A27DB-BD31-4B8C-83A1-F6EECF244321}">
-                <p14:modId xmlns:p14="http://schemas.microsoft.com/office/powerpoint/2010/main" val="2362480311"/>
+                <p14:modId xmlns:p14="http://schemas.microsoft.com/office/powerpoint/2010/main" val="1197414164"/>
               </p:ext>
             </p:extLst>
           </p:nvPr>
         </p:nvGraphicFramePr>
         <p:xfrm>
-          <a:off x="628650" y="2226469"/>
-          <a:ext cx="7886700" cy="3263504"/>
+          <a:off x="630238" y="4090988"/>
+          <a:ext cx="7886700" cy="2340292"/>
         </p:xfrm>
         <a:graphic>
           <a:graphicData uri="http://schemas.openxmlformats.org/drawingml/2006/diagram">
@@ -31935,6 +31936,41 @@
           </a:graphicData>
         </a:graphic>
       </p:graphicFrame>
+      <p:sp>
+        <p:nvSpPr>
+          <p:cNvPr id="8" name="Content Placeholder 7"/>
+          <p:cNvSpPr>
+            <a:spLocks noGrp="1"/>
+          </p:cNvSpPr>
+          <p:nvPr>
+            <p:ph idx="1"/>
+          </p:nvPr>
+        </p:nvSpPr>
+        <p:spPr/>
+        <p:txBody>
+          <a:bodyPr/>
+          <a:lstStyle/>
+          <a:p>
+            <a:r>
+              <a:rPr lang="en-US" dirty="0" smtClean="0"/>
+              <a:t>Customized by</a:t>
+            </a:r>
+          </a:p>
+          <a:p>
+            <a:pPr lvl="1"/>
+            <a:r>
+              <a:rPr lang="en-US" dirty="0" smtClean="0"/>
+              <a:t>Date Type + Column statistics</a:t>
+            </a:r>
+          </a:p>
+          <a:p>
+            <a:r>
+              <a:rPr lang="en-US" dirty="0" smtClean="0"/>
+              <a:t>Most use original data ordering for x-axis (index)</a:t>
+            </a:r>
+          </a:p>
+        </p:txBody>
+      </p:sp>
     </p:spTree>
     <p:extLst>
       <p:ext uri="{BB962C8B-B14F-4D97-AF65-F5344CB8AC3E}">
@@ -32034,7 +32070,7 @@
             <p:ph idx="13"/>
             <p:extLst>
               <p:ext uri="{D42A27DB-BD31-4B8C-83A1-F6EECF244321}">
-                <p14:modId xmlns:p14="http://schemas.microsoft.com/office/powerpoint/2010/main" val="2847882038"/>
+                <p14:modId xmlns:p14="http://schemas.microsoft.com/office/powerpoint/2010/main" val="4058305920"/>
               </p:ext>
             </p:extLst>
           </p:nvPr>

--- a/MetaReader.pptx
+++ b/MetaReader.pptx
@@ -10272,18 +10272,7 @@
                 </a:schemeClr>
               </a:solidFill>
             </a:rPr>
-            <a:t>Semantic (zip code, phone</a:t>
-          </a:r>
-          <a:r>
-            <a:rPr lang="en-US" smtClean="0">
-              <a:solidFill>
-                <a:schemeClr val="accent4">
-                  <a:lumMod val="20000"/>
-                  <a:lumOff val="80000"/>
-                </a:schemeClr>
-              </a:solidFill>
-            </a:rPr>
-            <a:t>, geo)*</a:t>
+            <a:t>Semantic (zip code, phone, geo)*</a:t>
           </a:r>
           <a:endParaRPr lang="en-US" dirty="0">
             <a:solidFill>
@@ -14745,18 +14734,7 @@
                 </a:schemeClr>
               </a:solidFill>
             </a:rPr>
-            <a:t>Semantic (zip code, phone</a:t>
-          </a:r>
-          <a:r>
-            <a:rPr lang="en-US" sz="2000" kern="1200" smtClean="0">
-              <a:solidFill>
-                <a:schemeClr val="accent4">
-                  <a:lumMod val="20000"/>
-                  <a:lumOff val="80000"/>
-                </a:schemeClr>
-              </a:solidFill>
-            </a:rPr>
-            <a:t>, geo)*</a:t>
+            <a:t>Semantic (zip code, phone, geo)*</a:t>
           </a:r>
           <a:endParaRPr lang="en-US" sz="2000" kern="1200" dirty="0">
             <a:solidFill>

--- a/MetaReader.pptx
+++ b/MetaReader.pptx
@@ -7097,7 +7097,7 @@
           </a:r>
           <a:r>
             <a:rPr lang="en-US" dirty="0" smtClean="0"/>
-            <a:t>-admin template</a:t>
+            <a:t>-admin</a:t>
           </a:r>
           <a:endParaRPr lang="en-US" dirty="0" smtClean="0"/>
         </a:p>
@@ -7124,6 +7124,29 @@
           <a:endParaRPr lang="en-US"/>
         </a:p>
       </dgm:t>
+    </dgm:pt>
+    <dgm:pt modelId="{BC87F096-1655-442D-AAB2-59FE521787D0}">
+      <dgm:prSet/>
+      <dgm:spPr/>
+      <dgm:t>
+        <a:bodyPr/>
+        <a:lstStyle/>
+        <a:p>
+          <a:r>
+            <a:rPr lang="en-US" dirty="0" smtClean="0"/>
+            <a:t>spin.js</a:t>
+          </a:r>
+          <a:endParaRPr lang="en-US" dirty="0" smtClean="0"/>
+        </a:p>
+      </dgm:t>
+    </dgm:pt>
+    <dgm:pt modelId="{C14FA182-BED6-4307-AA70-499C95852A20}" type="parTrans" cxnId="{BB5192B5-DDEE-498B-A387-9658B0DD2195}">
+      <dgm:prSet/>
+      <dgm:spPr/>
+    </dgm:pt>
+    <dgm:pt modelId="{494D489B-053E-4AA0-BB56-99B8D3BD050A}" type="sibTrans" cxnId="{BB5192B5-DDEE-498B-A387-9658B0DD2195}">
+      <dgm:prSet/>
+      <dgm:spPr/>
     </dgm:pt>
     <dgm:pt modelId="{981B4B1B-C988-4852-B6E0-F792050B10E7}" type="pres">
       <dgm:prSet presAssocID="{16432026-08C8-4FDF-952F-70B894A0F2C9}" presName="Name0" presStyleCnt="0">
@@ -7239,6 +7262,7 @@
     </dgm:pt>
   </dgm:ptLst>
   <dgm:cxnLst>
+    <dgm:cxn modelId="{2AF68813-2848-4703-A121-35F656856A29}" type="presOf" srcId="{BC87F096-1655-442D-AAB2-59FE521787D0}" destId="{0D4DD5A7-0189-437C-B4B7-58DF7AC058CB}" srcOrd="0" destOrd="2" presId="urn:microsoft.com/office/officeart/2005/8/layout/hList1"/>
     <dgm:cxn modelId="{1CBF67AA-5025-4C20-A0F1-42DDFAEE690E}" type="presOf" srcId="{B7C6B522-5942-4552-9A0D-A9E40A69AAE0}" destId="{96614094-6FF2-4F0B-AB42-64D6898BBF3F}" srcOrd="0" destOrd="0" presId="urn:microsoft.com/office/officeart/2005/8/layout/hList1"/>
     <dgm:cxn modelId="{20C9D86E-E1D3-4967-AE64-AAE26DDB48F0}" srcId="{16432026-08C8-4FDF-952F-70B894A0F2C9}" destId="{46F98585-F61E-4394-9DDD-1E9BDB3FE089}" srcOrd="1" destOrd="0" parTransId="{12849EDE-FD47-47C1-8353-FC06F071D833}" sibTransId="{95DD92F6-AA47-4814-890D-ABF254CC29A4}"/>
     <dgm:cxn modelId="{4FB02648-3ABE-4268-BE78-C32F958F2474}" srcId="{1716EAD0-6BDE-4000-9C21-FA99FC5026C6}" destId="{6A1EC90D-CF3F-41E4-B43A-C9BACBC370FC}" srcOrd="1" destOrd="0" parTransId="{4FFF8375-76F6-4A0E-81C6-B0ED2A4271C3}" sibTransId="{4E3C67B5-89D4-4E76-BAEB-FDDCB01AABF7}"/>
@@ -7250,6 +7274,7 @@
     <dgm:cxn modelId="{A1D04D15-00AF-4CE7-92D4-3D29ED241063}" srcId="{B7C6B522-5942-4552-9A0D-A9E40A69AAE0}" destId="{C7299359-851B-445F-B270-3E9CB452B140}" srcOrd="0" destOrd="0" parTransId="{50F87B91-7691-4B18-A64B-8C35C041FA3B}" sibTransId="{A0BB2542-58DB-468D-9213-603095510640}"/>
     <dgm:cxn modelId="{B4FF2722-06DD-4F0E-8D02-2E0209A4AE67}" srcId="{1716EAD0-6BDE-4000-9C21-FA99FC5026C6}" destId="{E8202AC7-574D-4231-BED2-77B87374F649}" srcOrd="0" destOrd="0" parTransId="{408656AB-8B26-4A82-8263-979EF6332274}" sibTransId="{79D4236A-A2E0-43AC-B27A-2DA64EC7C3FD}"/>
     <dgm:cxn modelId="{63EBDDF0-3552-4C5B-9498-C9D5F91D46BE}" type="presOf" srcId="{1716EAD0-6BDE-4000-9C21-FA99FC5026C6}" destId="{216D6703-4CD4-4BA3-B42D-BA5B33DCD020}" srcOrd="0" destOrd="0" presId="urn:microsoft.com/office/officeart/2005/8/layout/hList1"/>
+    <dgm:cxn modelId="{BB5192B5-DDEE-498B-A387-9658B0DD2195}" srcId="{46F98585-F61E-4394-9DDD-1E9BDB3FE089}" destId="{BC87F096-1655-442D-AAB2-59FE521787D0}" srcOrd="2" destOrd="0" parTransId="{C14FA182-BED6-4307-AA70-499C95852A20}" sibTransId="{494D489B-053E-4AA0-BB56-99B8D3BD050A}"/>
     <dgm:cxn modelId="{0B58F4D4-1285-4C3C-9B28-0511C9E19AB0}" type="presOf" srcId="{E87260ED-1681-4D6B-9AE2-E03AC34D4292}" destId="{43C479ED-BB90-4461-BF2E-312070E0AFCC}" srcOrd="0" destOrd="1" presId="urn:microsoft.com/office/officeart/2005/8/layout/hList1"/>
     <dgm:cxn modelId="{FBA1D8B1-FEBC-4D84-87EC-2AA84022E535}" srcId="{46F98585-F61E-4394-9DDD-1E9BDB3FE089}" destId="{FCBF33A9-146D-421C-8AEE-03A7D81E7D80}" srcOrd="1" destOrd="0" parTransId="{7173838E-253F-4D58-BE99-2A09899E7563}" sibTransId="{87509FD2-581C-4CDC-959A-9F28D50468A5}"/>
     <dgm:cxn modelId="{DBAB29AA-77E9-4989-89D7-296ED77459E5}" srcId="{46F98585-F61E-4394-9DDD-1E9BDB3FE089}" destId="{14FF61F1-D79B-4E16-9F45-8F9A4F15DD14}" srcOrd="0" destOrd="0" parTransId="{9D01B84C-60CB-4E71-BF71-8173230F9F17}" sibTransId="{4A028F60-14E6-4D83-B8E9-5A757879A652}"/>
@@ -11118,7 +11143,7 @@
       </dsp:nvSpPr>
       <dsp:spPr>
         <a:xfrm>
-          <a:off x="2464" y="59622"/>
+          <a:off x="2464" y="16388"/>
           <a:ext cx="2402978" cy="691200"/>
         </a:xfrm>
         <a:prstGeom prst="rect">
@@ -11185,7 +11210,7 @@
         </a:p>
       </dsp:txBody>
       <dsp:txXfrm>
-        <a:off x="2464" y="59622"/>
+        <a:off x="2464" y="16388"/>
         <a:ext cx="2402978" cy="691200"/>
       </dsp:txXfrm>
     </dsp:sp>
@@ -11196,8 +11221,8 @@
       </dsp:nvSpPr>
       <dsp:spPr>
         <a:xfrm>
-          <a:off x="2464" y="750822"/>
-          <a:ext cx="2402978" cy="1383480"/>
+          <a:off x="2464" y="707588"/>
+          <a:ext cx="2402978" cy="1469947"/>
         </a:xfrm>
         <a:prstGeom prst="rect">
           <a:avLst/>
@@ -11289,8 +11314,8 @@
         </a:p>
       </dsp:txBody>
       <dsp:txXfrm>
-        <a:off x="2464" y="750822"/>
-        <a:ext cx="2402978" cy="1383480"/>
+        <a:off x="2464" y="707588"/>
+        <a:ext cx="2402978" cy="1469947"/>
       </dsp:txXfrm>
     </dsp:sp>
     <dsp:sp modelId="{C101A671-B8CD-426A-87DC-9F27FBBB0989}">
@@ -11300,7 +11325,7 @@
       </dsp:nvSpPr>
       <dsp:spPr>
         <a:xfrm>
-          <a:off x="2741860" y="59622"/>
+          <a:off x="2741860" y="16388"/>
           <a:ext cx="2402978" cy="691200"/>
         </a:xfrm>
         <a:prstGeom prst="rect">
@@ -11367,7 +11392,7 @@
         </a:p>
       </dsp:txBody>
       <dsp:txXfrm>
-        <a:off x="2741860" y="59622"/>
+        <a:off x="2741860" y="16388"/>
         <a:ext cx="2402978" cy="691200"/>
       </dsp:txXfrm>
     </dsp:sp>
@@ -11378,8 +11403,8 @@
       </dsp:nvSpPr>
       <dsp:spPr>
         <a:xfrm>
-          <a:off x="2741860" y="750822"/>
-          <a:ext cx="2402978" cy="1383480"/>
+          <a:off x="2741860" y="707588"/>
+          <a:ext cx="2402978" cy="1469947"/>
         </a:xfrm>
         <a:prstGeom prst="rect">
           <a:avLst/>
@@ -11465,14 +11490,33 @@
           </a:r>
           <a:r>
             <a:rPr lang="en-US" sz="2400" kern="1200" dirty="0" smtClean="0"/>
-            <a:t>-admin template</a:t>
+            <a:t>-admin</a:t>
+          </a:r>
+          <a:endParaRPr lang="en-US" sz="2400" kern="1200" dirty="0" smtClean="0"/>
+        </a:p>
+        <a:p>
+          <a:pPr marL="228600" lvl="1" indent="-228600" algn="l" defTabSz="1066800">
+            <a:lnSpc>
+              <a:spcPct val="90000"/>
+            </a:lnSpc>
+            <a:spcBef>
+              <a:spcPct val="0"/>
+            </a:spcBef>
+            <a:spcAft>
+              <a:spcPct val="15000"/>
+            </a:spcAft>
+            <a:buChar char="••"/>
+          </a:pPr>
+          <a:r>
+            <a:rPr lang="en-US" sz="2400" kern="1200" dirty="0" smtClean="0"/>
+            <a:t>spin.js</a:t>
           </a:r>
           <a:endParaRPr lang="en-US" sz="2400" kern="1200" dirty="0" smtClean="0"/>
         </a:p>
       </dsp:txBody>
       <dsp:txXfrm>
-        <a:off x="2741860" y="750822"/>
-        <a:ext cx="2402978" cy="1383480"/>
+        <a:off x="2741860" y="707588"/>
+        <a:ext cx="2402978" cy="1469947"/>
       </dsp:txXfrm>
     </dsp:sp>
     <dsp:sp modelId="{216D6703-4CD4-4BA3-B42D-BA5B33DCD020}">
@@ -11482,7 +11526,7 @@
       </dsp:nvSpPr>
       <dsp:spPr>
         <a:xfrm>
-          <a:off x="5481256" y="59622"/>
+          <a:off x="5481256" y="16388"/>
           <a:ext cx="2402978" cy="691200"/>
         </a:xfrm>
         <a:prstGeom prst="rect">
@@ -11549,7 +11593,7 @@
         </a:p>
       </dsp:txBody>
       <dsp:txXfrm>
-        <a:off x="5481256" y="59622"/>
+        <a:off x="5481256" y="16388"/>
         <a:ext cx="2402978" cy="691200"/>
       </dsp:txXfrm>
     </dsp:sp>
@@ -11560,8 +11604,8 @@
       </dsp:nvSpPr>
       <dsp:spPr>
         <a:xfrm>
-          <a:off x="5481256" y="750822"/>
-          <a:ext cx="2402978" cy="1383480"/>
+          <a:off x="5481256" y="707588"/>
+          <a:ext cx="2402978" cy="1469947"/>
         </a:xfrm>
         <a:prstGeom prst="rect">
           <a:avLst/>
@@ -11649,8 +11693,8 @@
         </a:p>
       </dsp:txBody>
       <dsp:txXfrm>
-        <a:off x="5481256" y="750822"/>
-        <a:ext cx="2402978" cy="1383480"/>
+        <a:off x="5481256" y="707588"/>
+        <a:ext cx="2402978" cy="1469947"/>
       </dsp:txXfrm>
     </dsp:sp>
   </dsp:spTree>
@@ -30985,20 +31029,26 @@
           <a:lstStyle/>
           <a:p>
             <a:r>
-              <a:rPr lang="en-US" smtClean="0"/>
+              <a:rPr lang="en-US" dirty="0" smtClean="0"/>
               <a:t>.CSV Only</a:t>
             </a:r>
           </a:p>
           <a:p>
             <a:r>
-              <a:rPr lang="en-US" smtClean="0"/>
+              <a:rPr lang="en-US" dirty="0" smtClean="0"/>
+              <a:t>Column names must be unique</a:t>
+            </a:r>
+          </a:p>
+          <a:p>
+            <a:r>
+              <a:rPr lang="en-US" dirty="0" smtClean="0"/>
               <a:t>Limited file size (~1MB)</a:t>
             </a:r>
           </a:p>
           <a:p>
             <a:pPr lvl="1"/>
             <a:r>
-              <a:rPr lang="en-US" smtClean="0"/>
+              <a:rPr lang="en-US" dirty="0" smtClean="0"/>
               <a:t>Image mode workaround</a:t>
             </a:r>
             <a:endParaRPr lang="en-US" dirty="0"/>
@@ -31564,7 +31614,7 @@
             <p:ph idx="1"/>
             <p:extLst>
               <p:ext uri="{D42A27DB-BD31-4B8C-83A1-F6EECF244321}">
-                <p14:modId xmlns:p14="http://schemas.microsoft.com/office/powerpoint/2010/main" val="3388665207"/>
+                <p14:modId xmlns:p14="http://schemas.microsoft.com/office/powerpoint/2010/main" val="3318871796"/>
               </p:ext>
             </p:extLst>
           </p:nvPr>
@@ -31931,20 +31981,19 @@
           <a:p>
             <a:r>
               <a:rPr lang="en-US" dirty="0" smtClean="0"/>
-              <a:t>Customized by</a:t>
-            </a:r>
-          </a:p>
-          <a:p>
-            <a:pPr lvl="1"/>
-            <a:r>
-              <a:rPr lang="en-US" dirty="0" smtClean="0"/>
-              <a:t>Date Type + Column statistics</a:t>
+              <a:t>Customized by Type + Statistics</a:t>
             </a:r>
           </a:p>
           <a:p>
             <a:r>
               <a:rPr lang="en-US" dirty="0" smtClean="0"/>
-              <a:t>Most use original data ordering for x-axis (index)</a:t>
+              <a:t>Most use original data ordering for x-axis (Index)</a:t>
+            </a:r>
+          </a:p>
+          <a:p>
+            <a:r>
+              <a:rPr lang="en-US" dirty="0" smtClean="0"/>
+              <a:t>Downloadable as Images</a:t>
             </a:r>
           </a:p>
         </p:txBody>

--- a/MetaReader.pptx
+++ b/MetaReader.pptx
@@ -7143,10 +7143,24 @@
     <dgm:pt modelId="{C14FA182-BED6-4307-AA70-499C95852A20}" type="parTrans" cxnId="{BB5192B5-DDEE-498B-A387-9658B0DD2195}">
       <dgm:prSet/>
       <dgm:spPr/>
+      <dgm:t>
+        <a:bodyPr/>
+        <a:lstStyle/>
+        <a:p>
+          <a:endParaRPr lang="en-US"/>
+        </a:p>
+      </dgm:t>
     </dgm:pt>
     <dgm:pt modelId="{494D489B-053E-4AA0-BB56-99B8D3BD050A}" type="sibTrans" cxnId="{BB5192B5-DDEE-498B-A387-9658B0DD2195}">
       <dgm:prSet/>
       <dgm:spPr/>
+      <dgm:t>
+        <a:bodyPr/>
+        <a:lstStyle/>
+        <a:p>
+          <a:endParaRPr lang="en-US"/>
+        </a:p>
+      </dgm:t>
     </dgm:pt>
     <dgm:pt modelId="{981B4B1B-C988-4852-B6E0-F792050B10E7}" type="pres">
       <dgm:prSet presAssocID="{16432026-08C8-4FDF-952F-70B894A0F2C9}" presName="Name0" presStyleCnt="0">

--- a/MetaReader.pptx
+++ b/MetaReader.pptx
@@ -14,8 +14,8 @@
     <p:sldId id="262" r:id="rId8"/>
     <p:sldId id="264" r:id="rId9"/>
     <p:sldId id="263" r:id="rId10"/>
-    <p:sldId id="265" r:id="rId11"/>
-    <p:sldId id="260" r:id="rId12"/>
+    <p:sldId id="260" r:id="rId11"/>
+    <p:sldId id="265" r:id="rId12"/>
     <p:sldId id="266" r:id="rId13"/>
   </p:sldIdLst>
   <p:sldSz cx="9144000" cy="6858000" type="screen4x3"/>
@@ -115,6 +115,11 @@
       </a:defRPr>
     </a:lvl9pPr>
   </p:defaultTextStyle>
+  <p:extLst>
+    <p:ext uri="{EFAFB233-063F-42B5-8137-9DF3F51BA10A}">
+      <p15:sldGuideLst xmlns:p15="http://schemas.microsoft.com/office/powerpoint/2012/main"/>
+    </p:ext>
+  </p:extLst>
 </p:presentation>
 </file>
 
@@ -6421,10 +6426,10 @@
         <a:lstStyle/>
         <a:p>
           <a:r>
-            <a:rPr lang="en-US" smtClean="0"/>
+            <a:rPr lang="en-US" dirty="0" smtClean="0"/>
             <a:t>Learn</a:t>
           </a:r>
-          <a:endParaRPr lang="en-US"/>
+          <a:endParaRPr lang="en-US" dirty="0"/>
         </a:p>
       </dgm:t>
     </dgm:pt>
@@ -6644,6 +6649,13 @@
         </dgm:presLayoutVars>
       </dgm:prSet>
       <dgm:spPr/>
+      <dgm:t>
+        <a:bodyPr/>
+        <a:lstStyle/>
+        <a:p>
+          <a:endParaRPr lang="en-US"/>
+        </a:p>
+      </dgm:t>
     </dgm:pt>
     <dgm:pt modelId="{98BF1DE3-5DED-4077-8F45-9016B920AD3C}" type="pres">
       <dgm:prSet presAssocID="{92AC1FF5-F9AD-4A6E-B92C-1F88A4BB6FAC}" presName="composite" presStyleCnt="0"/>
@@ -6698,6 +6710,13 @@
         </dgm:presLayoutVars>
       </dgm:prSet>
       <dgm:spPr/>
+      <dgm:t>
+        <a:bodyPr/>
+        <a:lstStyle/>
+        <a:p>
+          <a:endParaRPr lang="en-US"/>
+        </a:p>
+      </dgm:t>
     </dgm:pt>
     <dgm:pt modelId="{20383C1D-31CC-41BA-BD31-5AEF915F0312}" type="pres">
       <dgm:prSet presAssocID="{ABC498B1-A532-4F5B-86F4-766CC8C7AFD5}" presName="desTx" presStyleLbl="alignAccFollowNode1" presStyleIdx="1" presStyleCnt="3">
@@ -6706,6 +6725,13 @@
         </dgm:presLayoutVars>
       </dgm:prSet>
       <dgm:spPr/>
+      <dgm:t>
+        <a:bodyPr/>
+        <a:lstStyle/>
+        <a:p>
+          <a:endParaRPr lang="en-US"/>
+        </a:p>
+      </dgm:t>
     </dgm:pt>
     <dgm:pt modelId="{268405B2-943C-4C10-B7CC-B292504174AB}" type="pres">
       <dgm:prSet presAssocID="{345A0531-7D34-44FB-AF66-1CC271388E10}" presName="space" presStyleCnt="0"/>
@@ -6724,6 +6750,13 @@
         </dgm:presLayoutVars>
       </dgm:prSet>
       <dgm:spPr/>
+      <dgm:t>
+        <a:bodyPr/>
+        <a:lstStyle/>
+        <a:p>
+          <a:endParaRPr lang="en-US"/>
+        </a:p>
+      </dgm:t>
     </dgm:pt>
     <dgm:pt modelId="{388CCF7D-8C19-4B7C-8F5A-C0C20BEBC371}" type="pres">
       <dgm:prSet presAssocID="{14B99206-EC7D-446A-A502-571FACB697F5}" presName="desTx" presStyleLbl="alignAccFollowNode1" presStyleIdx="2" presStyleCnt="3">
@@ -6732,21 +6765,28 @@
         </dgm:presLayoutVars>
       </dgm:prSet>
       <dgm:spPr/>
+      <dgm:t>
+        <a:bodyPr/>
+        <a:lstStyle/>
+        <a:p>
+          <a:endParaRPr lang="en-US"/>
+        </a:p>
+      </dgm:t>
     </dgm:pt>
   </dgm:ptLst>
   <dgm:cxnLst>
     <dgm:cxn modelId="{7D2BF115-1D99-437E-9CE0-03E528A89359}" type="presOf" srcId="{ABC498B1-A532-4F5B-86F4-766CC8C7AFD5}" destId="{73C3393C-41F8-41D0-8A85-A8BA31B7B064}" srcOrd="0" destOrd="0" presId="urn:microsoft.com/office/officeart/2005/8/layout/hList1"/>
     <dgm:cxn modelId="{F919EC57-CEFE-4CB5-8EAD-A83D3B1A1DB5}" type="presOf" srcId="{05F2F7F0-A224-4A17-95BC-E4E07BEFE71F}" destId="{C2D32EDE-2407-4AAD-B3B2-50FF25870F02}" srcOrd="0" destOrd="0" presId="urn:microsoft.com/office/officeart/2005/8/layout/hList1"/>
     <dgm:cxn modelId="{D78E3186-D47A-437F-A365-28309F268B3E}" type="presOf" srcId="{14B99206-EC7D-446A-A502-571FACB697F5}" destId="{55F76707-C125-4D27-BD96-E85419144C81}" srcOrd="0" destOrd="0" presId="urn:microsoft.com/office/officeart/2005/8/layout/hList1"/>
+    <dgm:cxn modelId="{6937CAFD-8297-4A9E-8717-4458045C4A19}" type="presOf" srcId="{0DD77721-4B7B-4F5D-806C-0DBEE058EA5C}" destId="{388CCF7D-8C19-4B7C-8F5A-C0C20BEBC371}" srcOrd="0" destOrd="0" presId="urn:microsoft.com/office/officeart/2005/8/layout/hList1"/>
     <dgm:cxn modelId="{8E5887F0-27EF-4861-BCD1-9533C129DD09}" srcId="{05F2F7F0-A224-4A17-95BC-E4E07BEFE71F}" destId="{ABC498B1-A532-4F5B-86F4-766CC8C7AFD5}" srcOrd="1" destOrd="0" parTransId="{514A91E8-13E4-4B91-AD74-544CAEC7E415}" sibTransId="{345A0531-7D34-44FB-AF66-1CC271388E10}"/>
-    <dgm:cxn modelId="{6937CAFD-8297-4A9E-8717-4458045C4A19}" type="presOf" srcId="{0DD77721-4B7B-4F5D-806C-0DBEE058EA5C}" destId="{388CCF7D-8C19-4B7C-8F5A-C0C20BEBC371}" srcOrd="0" destOrd="0" presId="urn:microsoft.com/office/officeart/2005/8/layout/hList1"/>
     <dgm:cxn modelId="{B9901739-7AB7-4180-AE20-0DF7D14CE851}" srcId="{14B99206-EC7D-446A-A502-571FACB697F5}" destId="{0DD77721-4B7B-4F5D-806C-0DBEE058EA5C}" srcOrd="0" destOrd="0" parTransId="{CDF1F8FF-2516-4BE8-9D48-188EF0E22C66}" sibTransId="{4A8F66EB-A303-4468-B733-00E201D09AE0}"/>
     <dgm:cxn modelId="{29DCC951-1C8B-4AC0-8C22-A1806580C4D8}" srcId="{92AC1FF5-F9AD-4A6E-B92C-1F88A4BB6FAC}" destId="{EC3242A5-060A-4759-A738-7CB3833D3773}" srcOrd="0" destOrd="0" parTransId="{C4D1FC2C-886D-420B-A4A2-A83CA3BC06FC}" sibTransId="{BA29B091-6CB6-4407-9F53-5744F50B9971}"/>
     <dgm:cxn modelId="{21272721-0610-4461-B525-C4B868E0E236}" srcId="{05F2F7F0-A224-4A17-95BC-E4E07BEFE71F}" destId="{92AC1FF5-F9AD-4A6E-B92C-1F88A4BB6FAC}" srcOrd="0" destOrd="0" parTransId="{4C5C3D79-93CB-467A-9840-2A362FCE03AB}" sibTransId="{88D160B8-F8EF-4A28-9FDF-BDE85541F8D6}"/>
     <dgm:cxn modelId="{FFA601F1-0E56-47D8-8EA5-6FEA950573CB}" srcId="{05F2F7F0-A224-4A17-95BC-E4E07BEFE71F}" destId="{14B99206-EC7D-446A-A502-571FACB697F5}" srcOrd="2" destOrd="0" parTransId="{C5AED335-B4B5-4347-85CA-5B697303D715}" sibTransId="{F182BC3F-DE6E-44B9-A970-A8A98D1113EE}"/>
     <dgm:cxn modelId="{AF7471D0-6667-48A7-B656-3F355003D1E4}" type="presOf" srcId="{EC3242A5-060A-4759-A738-7CB3833D3773}" destId="{BBEE83EB-2D37-43BE-853C-9A7B73EB7385}" srcOrd="0" destOrd="0" presId="urn:microsoft.com/office/officeart/2005/8/layout/hList1"/>
+    <dgm:cxn modelId="{8C521B71-629E-4423-BEE0-4676C528D71C}" type="presOf" srcId="{47474C20-3BDE-4C1D-938F-3612C1971121}" destId="{20383C1D-31CC-41BA-BD31-5AEF915F0312}" srcOrd="0" destOrd="0" presId="urn:microsoft.com/office/officeart/2005/8/layout/hList1"/>
     <dgm:cxn modelId="{FEA55044-2EE5-475C-B261-FDD06F9418E7}" type="presOf" srcId="{92AC1FF5-F9AD-4A6E-B92C-1F88A4BB6FAC}" destId="{6DACCFE4-AEC7-4B5A-BCD0-356DFA440780}" srcOrd="0" destOrd="0" presId="urn:microsoft.com/office/officeart/2005/8/layout/hList1"/>
-    <dgm:cxn modelId="{8C521B71-629E-4423-BEE0-4676C528D71C}" type="presOf" srcId="{47474C20-3BDE-4C1D-938F-3612C1971121}" destId="{20383C1D-31CC-41BA-BD31-5AEF915F0312}" srcOrd="0" destOrd="0" presId="urn:microsoft.com/office/officeart/2005/8/layout/hList1"/>
     <dgm:cxn modelId="{22902194-37A6-46B3-80A2-200F06F183AE}" srcId="{ABC498B1-A532-4F5B-86F4-766CC8C7AFD5}" destId="{47474C20-3BDE-4C1D-938F-3612C1971121}" srcOrd="0" destOrd="0" parTransId="{B136FF0E-7CEE-4721-9067-71E686D82527}" sibTransId="{93CE1AA4-5289-4030-8E1D-8899F71D2DC1}"/>
     <dgm:cxn modelId="{F84E771D-0382-41BF-9D08-AA24AB413F19}" type="presParOf" srcId="{C2D32EDE-2407-4AAD-B3B2-50FF25870F02}" destId="{98BF1DE3-5DED-4077-8F45-9016B920AD3C}" srcOrd="0" destOrd="0" presId="urn:microsoft.com/office/officeart/2005/8/layout/hList1"/>
     <dgm:cxn modelId="{5BFA90C6-424D-4932-AB90-2F45F034E6F6}" type="presParOf" srcId="{98BF1DE3-5DED-4077-8F45-9016B920AD3C}" destId="{6DACCFE4-AEC7-4B5A-BCD0-356DFA440780}" srcOrd="0" destOrd="0" presId="urn:microsoft.com/office/officeart/2005/8/layout/hList1"/>
@@ -6792,10 +6832,18 @@
         <a:lstStyle/>
         <a:p>
           <a:r>
-            <a:rPr lang="en-US" smtClean="0"/>
+            <a:rPr lang="en-US" smtClean="0">
+              <a:solidFill>
+                <a:sysClr val="windowText" lastClr="000000"/>
+              </a:solidFill>
+            </a:rPr>
             <a:t>Backend</a:t>
           </a:r>
-          <a:endParaRPr lang="en-US"/>
+          <a:endParaRPr lang="en-US">
+            <a:solidFill>
+              <a:sysClr val="windowText" lastClr="000000"/>
+            </a:solidFill>
+          </a:endParaRPr>
         </a:p>
       </dgm:t>
     </dgm:pt>
@@ -6806,7 +6854,11 @@
         <a:bodyPr/>
         <a:lstStyle/>
         <a:p>
-          <a:endParaRPr lang="en-US"/>
+          <a:endParaRPr lang="en-US">
+            <a:solidFill>
+              <a:sysClr val="windowText" lastClr="000000"/>
+            </a:solidFill>
+          </a:endParaRPr>
         </a:p>
       </dgm:t>
     </dgm:pt>
@@ -6817,7 +6869,11 @@
         <a:bodyPr/>
         <a:lstStyle/>
         <a:p>
-          <a:endParaRPr lang="en-US"/>
+          <a:endParaRPr lang="en-US">
+            <a:solidFill>
+              <a:sysClr val="windowText" lastClr="000000"/>
+            </a:solidFill>
+          </a:endParaRPr>
         </a:p>
       </dgm:t>
     </dgm:pt>
@@ -6829,14 +6885,21 @@
         <a:lstStyle/>
         <a:p>
           <a:r>
-            <a:rPr lang="en-US" dirty="0" err="1" smtClean="0"/>
+            <a:rPr lang="en-US" dirty="0" err="1" smtClean="0">
+              <a:solidFill>
+                <a:sysClr val="windowText" lastClr="000000"/>
+              </a:solidFill>
+            </a:rPr>
             <a:t>Jquery</a:t>
           </a:r>
           <a:r>
-            <a:rPr lang="en-US" dirty="0" smtClean="0"/>
+            <a:rPr lang="en-US" dirty="0" smtClean="0">
+              <a:solidFill>
+                <a:sysClr val="windowText" lastClr="000000"/>
+              </a:solidFill>
+            </a:rPr>
             <a:t> + plugins</a:t>
           </a:r>
-          <a:endParaRPr lang="en-US" dirty="0" smtClean="0"/>
         </a:p>
       </dgm:t>
     </dgm:pt>
@@ -6847,7 +6910,11 @@
         <a:bodyPr/>
         <a:lstStyle/>
         <a:p>
-          <a:endParaRPr lang="en-US"/>
+          <a:endParaRPr lang="en-US">
+            <a:solidFill>
+              <a:sysClr val="windowText" lastClr="000000"/>
+            </a:solidFill>
+          </a:endParaRPr>
         </a:p>
       </dgm:t>
     </dgm:pt>
@@ -6858,7 +6925,11 @@
         <a:bodyPr/>
         <a:lstStyle/>
         <a:p>
-          <a:endParaRPr lang="en-US"/>
+          <a:endParaRPr lang="en-US">
+            <a:solidFill>
+              <a:sysClr val="windowText" lastClr="000000"/>
+            </a:solidFill>
+          </a:endParaRPr>
         </a:p>
       </dgm:t>
     </dgm:pt>
@@ -6870,10 +6941,13 @@
         <a:lstStyle/>
         <a:p>
           <a:r>
-            <a:rPr lang="en-US" dirty="0" smtClean="0"/>
+            <a:rPr lang="en-US" dirty="0" smtClean="0">
+              <a:solidFill>
+                <a:sysClr val="windowText" lastClr="000000"/>
+              </a:solidFill>
+            </a:rPr>
             <a:t>Lo-dash</a:t>
           </a:r>
-          <a:endParaRPr lang="en-US" dirty="0" smtClean="0"/>
         </a:p>
       </dgm:t>
     </dgm:pt>
@@ -6884,7 +6958,11 @@
         <a:bodyPr/>
         <a:lstStyle/>
         <a:p>
-          <a:endParaRPr lang="en-US"/>
+          <a:endParaRPr lang="en-US">
+            <a:solidFill>
+              <a:sysClr val="windowText" lastClr="000000"/>
+            </a:solidFill>
+          </a:endParaRPr>
         </a:p>
       </dgm:t>
     </dgm:pt>
@@ -6895,7 +6973,11 @@
         <a:bodyPr/>
         <a:lstStyle/>
         <a:p>
-          <a:endParaRPr lang="en-US"/>
+          <a:endParaRPr lang="en-US">
+            <a:solidFill>
+              <a:sysClr val="windowText" lastClr="000000"/>
+            </a:solidFill>
+          </a:endParaRPr>
         </a:p>
       </dgm:t>
     </dgm:pt>
@@ -6907,10 +6989,13 @@
         <a:lstStyle/>
         <a:p>
           <a:r>
-            <a:rPr lang="en-US" dirty="0" smtClean="0"/>
+            <a:rPr lang="en-US" dirty="0" smtClean="0">
+              <a:solidFill>
+                <a:sysClr val="windowText" lastClr="000000"/>
+              </a:solidFill>
+            </a:rPr>
             <a:t>Layout &amp; Style</a:t>
           </a:r>
-          <a:endParaRPr lang="en-US" dirty="0" smtClean="0"/>
         </a:p>
       </dgm:t>
     </dgm:pt>
@@ -6921,7 +7006,11 @@
         <a:bodyPr/>
         <a:lstStyle/>
         <a:p>
-          <a:endParaRPr lang="en-US"/>
+          <a:endParaRPr lang="en-US">
+            <a:solidFill>
+              <a:sysClr val="windowText" lastClr="000000"/>
+            </a:solidFill>
+          </a:endParaRPr>
         </a:p>
       </dgm:t>
     </dgm:pt>
@@ -6932,7 +7021,11 @@
         <a:bodyPr/>
         <a:lstStyle/>
         <a:p>
-          <a:endParaRPr lang="en-US"/>
+          <a:endParaRPr lang="en-US">
+            <a:solidFill>
+              <a:sysClr val="windowText" lastClr="000000"/>
+            </a:solidFill>
+          </a:endParaRPr>
         </a:p>
       </dgm:t>
     </dgm:pt>
@@ -6944,10 +7037,13 @@
         <a:lstStyle/>
         <a:p>
           <a:r>
-            <a:rPr lang="en-US" dirty="0" smtClean="0"/>
+            <a:rPr lang="en-US" dirty="0" smtClean="0">
+              <a:solidFill>
+                <a:sysClr val="windowText" lastClr="000000"/>
+              </a:solidFill>
+            </a:rPr>
             <a:t>Bootstrap</a:t>
           </a:r>
-          <a:endParaRPr lang="en-US" dirty="0" smtClean="0"/>
         </a:p>
       </dgm:t>
     </dgm:pt>
@@ -6958,7 +7054,11 @@
         <a:bodyPr/>
         <a:lstStyle/>
         <a:p>
-          <a:endParaRPr lang="en-US"/>
+          <a:endParaRPr lang="en-US">
+            <a:solidFill>
+              <a:sysClr val="windowText" lastClr="000000"/>
+            </a:solidFill>
+          </a:endParaRPr>
         </a:p>
       </dgm:t>
     </dgm:pt>
@@ -6969,7 +7069,11 @@
         <a:bodyPr/>
         <a:lstStyle/>
         <a:p>
-          <a:endParaRPr lang="en-US"/>
+          <a:endParaRPr lang="en-US">
+            <a:solidFill>
+              <a:sysClr val="windowText" lastClr="000000"/>
+            </a:solidFill>
+          </a:endParaRPr>
         </a:p>
       </dgm:t>
     </dgm:pt>
@@ -6981,10 +7085,13 @@
         <a:lstStyle/>
         <a:p>
           <a:r>
-            <a:rPr lang="en-US" dirty="0" smtClean="0"/>
+            <a:rPr lang="en-US" dirty="0" smtClean="0">
+              <a:solidFill>
+                <a:sysClr val="windowText" lastClr="000000"/>
+              </a:solidFill>
+            </a:rPr>
             <a:t>Data processing</a:t>
           </a:r>
-          <a:endParaRPr lang="en-US" dirty="0" smtClean="0"/>
         </a:p>
       </dgm:t>
     </dgm:pt>
@@ -6995,7 +7102,11 @@
         <a:bodyPr/>
         <a:lstStyle/>
         <a:p>
-          <a:endParaRPr lang="en-US"/>
+          <a:endParaRPr lang="en-US">
+            <a:solidFill>
+              <a:sysClr val="windowText" lastClr="000000"/>
+            </a:solidFill>
+          </a:endParaRPr>
         </a:p>
       </dgm:t>
     </dgm:pt>
@@ -7006,7 +7117,11 @@
         <a:bodyPr/>
         <a:lstStyle/>
         <a:p>
-          <a:endParaRPr lang="en-US"/>
+          <a:endParaRPr lang="en-US">
+            <a:solidFill>
+              <a:sysClr val="windowText" lastClr="000000"/>
+            </a:solidFill>
+          </a:endParaRPr>
         </a:p>
       </dgm:t>
     </dgm:pt>
@@ -7018,10 +7133,18 @@
         <a:lstStyle/>
         <a:p>
           <a:r>
-            <a:rPr lang="en-US" dirty="0" smtClean="0"/>
+            <a:rPr lang="en-US" dirty="0" smtClean="0">
+              <a:solidFill>
+                <a:sysClr val="windowText" lastClr="000000"/>
+              </a:solidFill>
+            </a:rPr>
             <a:t>PapaParse.js</a:t>
           </a:r>
-          <a:endParaRPr lang="en-US" dirty="0"/>
+          <a:endParaRPr lang="en-US" dirty="0">
+            <a:solidFill>
+              <a:sysClr val="windowText" lastClr="000000"/>
+            </a:solidFill>
+          </a:endParaRPr>
         </a:p>
       </dgm:t>
     </dgm:pt>
@@ -7032,7 +7155,11 @@
         <a:bodyPr/>
         <a:lstStyle/>
         <a:p>
-          <a:endParaRPr lang="en-US"/>
+          <a:endParaRPr lang="en-US">
+            <a:solidFill>
+              <a:sysClr val="windowText" lastClr="000000"/>
+            </a:solidFill>
+          </a:endParaRPr>
         </a:p>
       </dgm:t>
     </dgm:pt>
@@ -7043,7 +7170,11 @@
         <a:bodyPr/>
         <a:lstStyle/>
         <a:p>
-          <a:endParaRPr lang="en-US"/>
+          <a:endParaRPr lang="en-US">
+            <a:solidFill>
+              <a:sysClr val="windowText" lastClr="000000"/>
+            </a:solidFill>
+          </a:endParaRPr>
         </a:p>
       </dgm:t>
     </dgm:pt>
@@ -7055,10 +7186,13 @@
         <a:lstStyle/>
         <a:p>
           <a:r>
-            <a:rPr lang="en-US" dirty="0" smtClean="0"/>
+            <a:rPr lang="en-US" dirty="0" smtClean="0">
+              <a:solidFill>
+                <a:sysClr val="windowText" lastClr="000000"/>
+              </a:solidFill>
+            </a:rPr>
             <a:t>Moment.js + plugins</a:t>
           </a:r>
-          <a:endParaRPr lang="en-US" dirty="0" smtClean="0"/>
         </a:p>
       </dgm:t>
     </dgm:pt>
@@ -7069,7 +7203,11 @@
         <a:bodyPr/>
         <a:lstStyle/>
         <a:p>
-          <a:endParaRPr lang="en-US"/>
+          <a:endParaRPr lang="en-US">
+            <a:solidFill>
+              <a:sysClr val="windowText" lastClr="000000"/>
+            </a:solidFill>
+          </a:endParaRPr>
         </a:p>
       </dgm:t>
     </dgm:pt>
@@ -7080,7 +7218,11 @@
         <a:bodyPr/>
         <a:lstStyle/>
         <a:p>
-          <a:endParaRPr lang="en-US"/>
+          <a:endParaRPr lang="en-US">
+            <a:solidFill>
+              <a:sysClr val="windowText" lastClr="000000"/>
+            </a:solidFill>
+          </a:endParaRPr>
         </a:p>
       </dgm:t>
     </dgm:pt>
@@ -7092,14 +7234,21 @@
         <a:lstStyle/>
         <a:p>
           <a:r>
-            <a:rPr lang="en-US" dirty="0" err="1" smtClean="0"/>
+            <a:rPr lang="en-US" dirty="0" err="1" smtClean="0">
+              <a:solidFill>
+                <a:sysClr val="windowText" lastClr="000000"/>
+              </a:solidFill>
+            </a:rPr>
             <a:t>sb</a:t>
           </a:r>
           <a:r>
-            <a:rPr lang="en-US" dirty="0" smtClean="0"/>
+            <a:rPr lang="en-US" dirty="0" smtClean="0">
+              <a:solidFill>
+                <a:sysClr val="windowText" lastClr="000000"/>
+              </a:solidFill>
+            </a:rPr>
             <a:t>-admin</a:t>
           </a:r>
-          <a:endParaRPr lang="en-US" dirty="0" smtClean="0"/>
         </a:p>
       </dgm:t>
     </dgm:pt>
@@ -7110,7 +7259,11 @@
         <a:bodyPr/>
         <a:lstStyle/>
         <a:p>
-          <a:endParaRPr lang="en-US"/>
+          <a:endParaRPr lang="en-US">
+            <a:solidFill>
+              <a:sysClr val="windowText" lastClr="000000"/>
+            </a:solidFill>
+          </a:endParaRPr>
         </a:p>
       </dgm:t>
     </dgm:pt>
@@ -7121,7 +7274,11 @@
         <a:bodyPr/>
         <a:lstStyle/>
         <a:p>
-          <a:endParaRPr lang="en-US"/>
+          <a:endParaRPr lang="en-US">
+            <a:solidFill>
+              <a:sysClr val="windowText" lastClr="000000"/>
+            </a:solidFill>
+          </a:endParaRPr>
         </a:p>
       </dgm:t>
     </dgm:pt>
@@ -7133,10 +7290,13 @@
         <a:lstStyle/>
         <a:p>
           <a:r>
-            <a:rPr lang="en-US" dirty="0" smtClean="0"/>
+            <a:rPr lang="en-US" dirty="0" smtClean="0">
+              <a:solidFill>
+                <a:sysClr val="windowText" lastClr="000000"/>
+              </a:solidFill>
+            </a:rPr>
             <a:t>spin.js</a:t>
           </a:r>
-          <a:endParaRPr lang="en-US" dirty="0" smtClean="0"/>
         </a:p>
       </dgm:t>
     </dgm:pt>
@@ -7147,7 +7307,11 @@
         <a:bodyPr/>
         <a:lstStyle/>
         <a:p>
-          <a:endParaRPr lang="en-US"/>
+          <a:endParaRPr lang="en-US">
+            <a:solidFill>
+              <a:sysClr val="windowText" lastClr="000000"/>
+            </a:solidFill>
+          </a:endParaRPr>
         </a:p>
       </dgm:t>
     </dgm:pt>
@@ -7158,7 +7322,11 @@
         <a:bodyPr/>
         <a:lstStyle/>
         <a:p>
-          <a:endParaRPr lang="en-US"/>
+          <a:endParaRPr lang="en-US">
+            <a:solidFill>
+              <a:sysClr val="windowText" lastClr="000000"/>
+            </a:solidFill>
+          </a:endParaRPr>
         </a:p>
       </dgm:t>
     </dgm:pt>
@@ -7171,6 +7339,13 @@
         </dgm:presLayoutVars>
       </dgm:prSet>
       <dgm:spPr/>
+      <dgm:t>
+        <a:bodyPr/>
+        <a:lstStyle/>
+        <a:p>
+          <a:endParaRPr lang="en-US"/>
+        </a:p>
+      </dgm:t>
     </dgm:pt>
     <dgm:pt modelId="{AAAD83F7-213E-4CDC-AEC3-B8A42BA62AFD}" type="pres">
       <dgm:prSet presAssocID="{B7C6B522-5942-4552-9A0D-A9E40A69AAE0}" presName="composite" presStyleCnt="0"/>
@@ -7265,6 +7440,13 @@
         </dgm:presLayoutVars>
       </dgm:prSet>
       <dgm:spPr/>
+      <dgm:t>
+        <a:bodyPr/>
+        <a:lstStyle/>
+        <a:p>
+          <a:endParaRPr lang="en-US"/>
+        </a:p>
+      </dgm:t>
     </dgm:pt>
     <dgm:pt modelId="{E616B35D-9B5D-49D0-83EF-78E5F8E20B56}" type="pres">
       <dgm:prSet presAssocID="{1716EAD0-6BDE-4000-9C21-FA99FC5026C6}" presName="desTx" presStyleLbl="alignAccFollowNode1" presStyleIdx="2" presStyleCnt="3">
@@ -7273,30 +7455,37 @@
         </dgm:presLayoutVars>
       </dgm:prSet>
       <dgm:spPr/>
+      <dgm:t>
+        <a:bodyPr/>
+        <a:lstStyle/>
+        <a:p>
+          <a:endParaRPr lang="en-US"/>
+        </a:p>
+      </dgm:t>
     </dgm:pt>
   </dgm:ptLst>
   <dgm:cxnLst>
+    <dgm:cxn modelId="{BA422F1D-3AD1-497E-A0AD-7059A49315A3}" type="presOf" srcId="{14FF61F1-D79B-4E16-9F45-8F9A4F15DD14}" destId="{0D4DD5A7-0189-437C-B4B7-58DF7AC058CB}" srcOrd="0" destOrd="0" presId="urn:microsoft.com/office/officeart/2005/8/layout/hList1"/>
+    <dgm:cxn modelId="{E3DED26A-0BC3-4B1B-8103-CDAA5D617E3E}" type="presOf" srcId="{E8202AC7-574D-4231-BED2-77B87374F649}" destId="{E616B35D-9B5D-49D0-83EF-78E5F8E20B56}" srcOrd="0" destOrd="0" presId="urn:microsoft.com/office/officeart/2005/8/layout/hList1"/>
+    <dgm:cxn modelId="{B7E986CD-1696-4FC4-A545-AC6F6E33106E}" type="presOf" srcId="{46F98585-F61E-4394-9DDD-1E9BDB3FE089}" destId="{C101A671-B8CD-426A-87DC-9F27FBBB0989}" srcOrd="0" destOrd="0" presId="urn:microsoft.com/office/officeart/2005/8/layout/hList1"/>
+    <dgm:cxn modelId="{BB5192B5-DDEE-498B-A387-9658B0DD2195}" srcId="{46F98585-F61E-4394-9DDD-1E9BDB3FE089}" destId="{BC87F096-1655-442D-AAB2-59FE521787D0}" srcOrd="2" destOrd="0" parTransId="{C14FA182-BED6-4307-AA70-499C95852A20}" sibTransId="{494D489B-053E-4AA0-BB56-99B8D3BD050A}"/>
     <dgm:cxn modelId="{2AF68813-2848-4703-A121-35F656856A29}" type="presOf" srcId="{BC87F096-1655-442D-AAB2-59FE521787D0}" destId="{0D4DD5A7-0189-437C-B4B7-58DF7AC058CB}" srcOrd="0" destOrd="2" presId="urn:microsoft.com/office/officeart/2005/8/layout/hList1"/>
+    <dgm:cxn modelId="{DBAB29AA-77E9-4989-89D7-296ED77459E5}" srcId="{46F98585-F61E-4394-9DDD-1E9BDB3FE089}" destId="{14FF61F1-D79B-4E16-9F45-8F9A4F15DD14}" srcOrd="0" destOrd="0" parTransId="{9D01B84C-60CB-4E71-BF71-8173230F9F17}" sibTransId="{4A028F60-14E6-4D83-B8E9-5A757879A652}"/>
+    <dgm:cxn modelId="{B4FF2722-06DD-4F0E-8D02-2E0209A4AE67}" srcId="{1716EAD0-6BDE-4000-9C21-FA99FC5026C6}" destId="{E8202AC7-574D-4231-BED2-77B87374F649}" srcOrd="0" destOrd="0" parTransId="{408656AB-8B26-4A82-8263-979EF6332274}" sibTransId="{79D4236A-A2E0-43AC-B27A-2DA64EC7C3FD}"/>
+    <dgm:cxn modelId="{284B93EE-D11B-4C84-BCE2-AF0AB87581BE}" type="presOf" srcId="{C7299359-851B-445F-B270-3E9CB452B140}" destId="{43C479ED-BB90-4461-BF2E-312070E0AFCC}" srcOrd="0" destOrd="0" presId="urn:microsoft.com/office/officeart/2005/8/layout/hList1"/>
+    <dgm:cxn modelId="{CEBB1F46-EEE3-4D1E-8E3E-3093ED9F9845}" srcId="{16432026-08C8-4FDF-952F-70B894A0F2C9}" destId="{B7C6B522-5942-4552-9A0D-A9E40A69AAE0}" srcOrd="0" destOrd="0" parTransId="{62E065F8-FBA9-4BD4-9FB2-7432C8686B6F}" sibTransId="{863B1449-883B-4ACF-849F-A760B5CB81C8}"/>
+    <dgm:cxn modelId="{20C9D86E-E1D3-4967-AE64-AAE26DDB48F0}" srcId="{16432026-08C8-4FDF-952F-70B894A0F2C9}" destId="{46F98585-F61E-4394-9DDD-1E9BDB3FE089}" srcOrd="1" destOrd="0" parTransId="{12849EDE-FD47-47C1-8353-FC06F071D833}" sibTransId="{95DD92F6-AA47-4814-890D-ABF254CC29A4}"/>
+    <dgm:cxn modelId="{A1D04D15-00AF-4CE7-92D4-3D29ED241063}" srcId="{B7C6B522-5942-4552-9A0D-A9E40A69AAE0}" destId="{C7299359-851B-445F-B270-3E9CB452B140}" srcOrd="0" destOrd="0" parTransId="{50F87B91-7691-4B18-A64B-8C35C041FA3B}" sibTransId="{A0BB2542-58DB-468D-9213-603095510640}"/>
+    <dgm:cxn modelId="{32DD62F2-9533-4406-9508-42BCFF8D1D26}" srcId="{16432026-08C8-4FDF-952F-70B894A0F2C9}" destId="{1716EAD0-6BDE-4000-9C21-FA99FC5026C6}" srcOrd="2" destOrd="0" parTransId="{1A82CDA7-A1DE-4685-A947-698C4ED3A4AA}" sibTransId="{CF747ACB-37A8-4666-A078-FBE3889197DB}"/>
+    <dgm:cxn modelId="{FBA1D8B1-FEBC-4D84-87EC-2AA84022E535}" srcId="{46F98585-F61E-4394-9DDD-1E9BDB3FE089}" destId="{FCBF33A9-146D-421C-8AEE-03A7D81E7D80}" srcOrd="1" destOrd="0" parTransId="{7173838E-253F-4D58-BE99-2A09899E7563}" sibTransId="{87509FD2-581C-4CDC-959A-9F28D50468A5}"/>
+    <dgm:cxn modelId="{9DF6554C-2230-4311-9416-4020DB3F240D}" srcId="{B7C6B522-5942-4552-9A0D-A9E40A69AAE0}" destId="{E87260ED-1681-4D6B-9AE2-E03AC34D4292}" srcOrd="1" destOrd="0" parTransId="{7ED83AB7-E72D-4825-84CA-23D86AA0B72C}" sibTransId="{F6B525C7-A9FF-4C16-80B2-DFEE00A55B98}"/>
+    <dgm:cxn modelId="{04318D0D-5A29-4784-BDA9-0DCDCB4A4ADE}" type="presOf" srcId="{FCBF33A9-146D-421C-8AEE-03A7D81E7D80}" destId="{0D4DD5A7-0189-437C-B4B7-58DF7AC058CB}" srcOrd="0" destOrd="1" presId="urn:microsoft.com/office/officeart/2005/8/layout/hList1"/>
+    <dgm:cxn modelId="{4FB02648-3ABE-4268-BE78-C32F958F2474}" srcId="{1716EAD0-6BDE-4000-9C21-FA99FC5026C6}" destId="{6A1EC90D-CF3F-41E4-B43A-C9BACBC370FC}" srcOrd="1" destOrd="0" parTransId="{4FFF8375-76F6-4A0E-81C6-B0ED2A4271C3}" sibTransId="{4E3C67B5-89D4-4E76-BAEB-FDDCB01AABF7}"/>
     <dgm:cxn modelId="{1CBF67AA-5025-4C20-A0F1-42DDFAEE690E}" type="presOf" srcId="{B7C6B522-5942-4552-9A0D-A9E40A69AAE0}" destId="{96614094-6FF2-4F0B-AB42-64D6898BBF3F}" srcOrd="0" destOrd="0" presId="urn:microsoft.com/office/officeart/2005/8/layout/hList1"/>
-    <dgm:cxn modelId="{20C9D86E-E1D3-4967-AE64-AAE26DDB48F0}" srcId="{16432026-08C8-4FDF-952F-70B894A0F2C9}" destId="{46F98585-F61E-4394-9DDD-1E9BDB3FE089}" srcOrd="1" destOrd="0" parTransId="{12849EDE-FD47-47C1-8353-FC06F071D833}" sibTransId="{95DD92F6-AA47-4814-890D-ABF254CC29A4}"/>
-    <dgm:cxn modelId="{4FB02648-3ABE-4268-BE78-C32F958F2474}" srcId="{1716EAD0-6BDE-4000-9C21-FA99FC5026C6}" destId="{6A1EC90D-CF3F-41E4-B43A-C9BACBC370FC}" srcOrd="1" destOrd="0" parTransId="{4FFF8375-76F6-4A0E-81C6-B0ED2A4271C3}" sibTransId="{4E3C67B5-89D4-4E76-BAEB-FDDCB01AABF7}"/>
-    <dgm:cxn modelId="{284B93EE-D11B-4C84-BCE2-AF0AB87581BE}" type="presOf" srcId="{C7299359-851B-445F-B270-3E9CB452B140}" destId="{43C479ED-BB90-4461-BF2E-312070E0AFCC}" srcOrd="0" destOrd="0" presId="urn:microsoft.com/office/officeart/2005/8/layout/hList1"/>
+    <dgm:cxn modelId="{0B58F4D4-1285-4C3C-9B28-0511C9E19AB0}" type="presOf" srcId="{E87260ED-1681-4D6B-9AE2-E03AC34D4292}" destId="{43C479ED-BB90-4461-BF2E-312070E0AFCC}" srcOrd="0" destOrd="1" presId="urn:microsoft.com/office/officeart/2005/8/layout/hList1"/>
+    <dgm:cxn modelId="{63EBDDF0-3552-4C5B-9498-C9D5F91D46BE}" type="presOf" srcId="{1716EAD0-6BDE-4000-9C21-FA99FC5026C6}" destId="{216D6703-4CD4-4BA3-B42D-BA5B33DCD020}" srcOrd="0" destOrd="0" presId="urn:microsoft.com/office/officeart/2005/8/layout/hList1"/>
     <dgm:cxn modelId="{E9900805-12B3-48F5-8E46-0944289AECA7}" type="presOf" srcId="{6A1EC90D-CF3F-41E4-B43A-C9BACBC370FC}" destId="{E616B35D-9B5D-49D0-83EF-78E5F8E20B56}" srcOrd="0" destOrd="1" presId="urn:microsoft.com/office/officeart/2005/8/layout/hList1"/>
     <dgm:cxn modelId="{EB2FCD50-CB2C-4E49-A340-B62CF3742C9F}" type="presOf" srcId="{16432026-08C8-4FDF-952F-70B894A0F2C9}" destId="{981B4B1B-C988-4852-B6E0-F792050B10E7}" srcOrd="0" destOrd="0" presId="urn:microsoft.com/office/officeart/2005/8/layout/hList1"/>
-    <dgm:cxn modelId="{32DD62F2-9533-4406-9508-42BCFF8D1D26}" srcId="{16432026-08C8-4FDF-952F-70B894A0F2C9}" destId="{1716EAD0-6BDE-4000-9C21-FA99FC5026C6}" srcOrd="2" destOrd="0" parTransId="{1A82CDA7-A1DE-4685-A947-698C4ED3A4AA}" sibTransId="{CF747ACB-37A8-4666-A078-FBE3889197DB}"/>
-    <dgm:cxn modelId="{B7E986CD-1696-4FC4-A545-AC6F6E33106E}" type="presOf" srcId="{46F98585-F61E-4394-9DDD-1E9BDB3FE089}" destId="{C101A671-B8CD-426A-87DC-9F27FBBB0989}" srcOrd="0" destOrd="0" presId="urn:microsoft.com/office/officeart/2005/8/layout/hList1"/>
-    <dgm:cxn modelId="{A1D04D15-00AF-4CE7-92D4-3D29ED241063}" srcId="{B7C6B522-5942-4552-9A0D-A9E40A69AAE0}" destId="{C7299359-851B-445F-B270-3E9CB452B140}" srcOrd="0" destOrd="0" parTransId="{50F87B91-7691-4B18-A64B-8C35C041FA3B}" sibTransId="{A0BB2542-58DB-468D-9213-603095510640}"/>
-    <dgm:cxn modelId="{B4FF2722-06DD-4F0E-8D02-2E0209A4AE67}" srcId="{1716EAD0-6BDE-4000-9C21-FA99FC5026C6}" destId="{E8202AC7-574D-4231-BED2-77B87374F649}" srcOrd="0" destOrd="0" parTransId="{408656AB-8B26-4A82-8263-979EF6332274}" sibTransId="{79D4236A-A2E0-43AC-B27A-2DA64EC7C3FD}"/>
-    <dgm:cxn modelId="{63EBDDF0-3552-4C5B-9498-C9D5F91D46BE}" type="presOf" srcId="{1716EAD0-6BDE-4000-9C21-FA99FC5026C6}" destId="{216D6703-4CD4-4BA3-B42D-BA5B33DCD020}" srcOrd="0" destOrd="0" presId="urn:microsoft.com/office/officeart/2005/8/layout/hList1"/>
-    <dgm:cxn modelId="{BB5192B5-DDEE-498B-A387-9658B0DD2195}" srcId="{46F98585-F61E-4394-9DDD-1E9BDB3FE089}" destId="{BC87F096-1655-442D-AAB2-59FE521787D0}" srcOrd="2" destOrd="0" parTransId="{C14FA182-BED6-4307-AA70-499C95852A20}" sibTransId="{494D489B-053E-4AA0-BB56-99B8D3BD050A}"/>
-    <dgm:cxn modelId="{0B58F4D4-1285-4C3C-9B28-0511C9E19AB0}" type="presOf" srcId="{E87260ED-1681-4D6B-9AE2-E03AC34D4292}" destId="{43C479ED-BB90-4461-BF2E-312070E0AFCC}" srcOrd="0" destOrd="1" presId="urn:microsoft.com/office/officeart/2005/8/layout/hList1"/>
-    <dgm:cxn modelId="{FBA1D8B1-FEBC-4D84-87EC-2AA84022E535}" srcId="{46F98585-F61E-4394-9DDD-1E9BDB3FE089}" destId="{FCBF33A9-146D-421C-8AEE-03A7D81E7D80}" srcOrd="1" destOrd="0" parTransId="{7173838E-253F-4D58-BE99-2A09899E7563}" sibTransId="{87509FD2-581C-4CDC-959A-9F28D50468A5}"/>
-    <dgm:cxn modelId="{DBAB29AA-77E9-4989-89D7-296ED77459E5}" srcId="{46F98585-F61E-4394-9DDD-1E9BDB3FE089}" destId="{14FF61F1-D79B-4E16-9F45-8F9A4F15DD14}" srcOrd="0" destOrd="0" parTransId="{9D01B84C-60CB-4E71-BF71-8173230F9F17}" sibTransId="{4A028F60-14E6-4D83-B8E9-5A757879A652}"/>
-    <dgm:cxn modelId="{BA422F1D-3AD1-497E-A0AD-7059A49315A3}" type="presOf" srcId="{14FF61F1-D79B-4E16-9F45-8F9A4F15DD14}" destId="{0D4DD5A7-0189-437C-B4B7-58DF7AC058CB}" srcOrd="0" destOrd="0" presId="urn:microsoft.com/office/officeart/2005/8/layout/hList1"/>
-    <dgm:cxn modelId="{CEBB1F46-EEE3-4D1E-8E3E-3093ED9F9845}" srcId="{16432026-08C8-4FDF-952F-70B894A0F2C9}" destId="{B7C6B522-5942-4552-9A0D-A9E40A69AAE0}" srcOrd="0" destOrd="0" parTransId="{62E065F8-FBA9-4BD4-9FB2-7432C8686B6F}" sibTransId="{863B1449-883B-4ACF-849F-A760B5CB81C8}"/>
-    <dgm:cxn modelId="{04318D0D-5A29-4784-BDA9-0DCDCB4A4ADE}" type="presOf" srcId="{FCBF33A9-146D-421C-8AEE-03A7D81E7D80}" destId="{0D4DD5A7-0189-437C-B4B7-58DF7AC058CB}" srcOrd="0" destOrd="1" presId="urn:microsoft.com/office/officeart/2005/8/layout/hList1"/>
-    <dgm:cxn modelId="{E3DED26A-0BC3-4B1B-8103-CDAA5D617E3E}" type="presOf" srcId="{E8202AC7-574D-4231-BED2-77B87374F649}" destId="{E616B35D-9B5D-49D0-83EF-78E5F8E20B56}" srcOrd="0" destOrd="0" presId="urn:microsoft.com/office/officeart/2005/8/layout/hList1"/>
-    <dgm:cxn modelId="{9DF6554C-2230-4311-9416-4020DB3F240D}" srcId="{B7C6B522-5942-4552-9A0D-A9E40A69AAE0}" destId="{E87260ED-1681-4D6B-9AE2-E03AC34D4292}" srcOrd="1" destOrd="0" parTransId="{7ED83AB7-E72D-4825-84CA-23D86AA0B72C}" sibTransId="{F6B525C7-A9FF-4C16-80B2-DFEE00A55B98}"/>
     <dgm:cxn modelId="{0A89BE71-8216-4C41-89D0-C3E3BE6B54F0}" type="presParOf" srcId="{981B4B1B-C988-4852-B6E0-F792050B10E7}" destId="{AAAD83F7-213E-4CDC-AEC3-B8A42BA62AFD}" srcOrd="0" destOrd="0" presId="urn:microsoft.com/office/officeart/2005/8/layout/hList1"/>
     <dgm:cxn modelId="{38265EA5-F987-4E93-B04E-01F9F2D5E01C}" type="presParOf" srcId="{AAAD83F7-213E-4CDC-AEC3-B8A42BA62AFD}" destId="{96614094-6FF2-4F0B-AB42-64D6898BBF3F}" srcOrd="0" destOrd="0" presId="urn:microsoft.com/office/officeart/2005/8/layout/hList1"/>
     <dgm:cxn modelId="{8DFB846C-0124-4F5F-BF77-A02088EAF0E9}" type="presParOf" srcId="{AAAD83F7-213E-4CDC-AEC3-B8A42BA62AFD}" destId="{43C479ED-BB90-4461-BF2E-312070E0AFCC}" srcOrd="1" destOrd="0" presId="urn:microsoft.com/office/officeart/2005/8/layout/hList1"/>
@@ -7341,10 +7530,18 @@
         <a:lstStyle/>
         <a:p>
           <a:r>
-            <a:rPr lang="en-US" smtClean="0"/>
+            <a:rPr lang="en-US" smtClean="0">
+              <a:solidFill>
+                <a:sysClr val="windowText" lastClr="000000"/>
+              </a:solidFill>
+            </a:rPr>
             <a:t>Visualization</a:t>
           </a:r>
-          <a:endParaRPr lang="en-US"/>
+          <a:endParaRPr lang="en-US">
+            <a:solidFill>
+              <a:sysClr val="windowText" lastClr="000000"/>
+            </a:solidFill>
+          </a:endParaRPr>
         </a:p>
       </dgm:t>
     </dgm:pt>
@@ -7355,7 +7552,11 @@
         <a:bodyPr/>
         <a:lstStyle/>
         <a:p>
-          <a:endParaRPr lang="en-US"/>
+          <a:endParaRPr lang="en-US">
+            <a:solidFill>
+              <a:sysClr val="windowText" lastClr="000000"/>
+            </a:solidFill>
+          </a:endParaRPr>
         </a:p>
       </dgm:t>
     </dgm:pt>
@@ -7366,7 +7567,11 @@
         <a:bodyPr/>
         <a:lstStyle/>
         <a:p>
-          <a:endParaRPr lang="en-US"/>
+          <a:endParaRPr lang="en-US">
+            <a:solidFill>
+              <a:sysClr val="windowText" lastClr="000000"/>
+            </a:solidFill>
+          </a:endParaRPr>
         </a:p>
       </dgm:t>
     </dgm:pt>
@@ -7395,10 +7600,13 @@
             <a:defRPr/>
           </a:pPr>
           <a:r>
-            <a:rPr lang="en-US" dirty="0" smtClean="0"/>
+            <a:rPr lang="en-US" dirty="0" smtClean="0">
+              <a:solidFill>
+                <a:sysClr val="windowText" lastClr="000000"/>
+              </a:solidFill>
+            </a:rPr>
             <a:t>D3</a:t>
           </a:r>
-          <a:endParaRPr lang="en-US" dirty="0" smtClean="0"/>
         </a:p>
       </dgm:t>
     </dgm:pt>
@@ -7409,7 +7617,11 @@
         <a:bodyPr/>
         <a:lstStyle/>
         <a:p>
-          <a:endParaRPr lang="en-US"/>
+          <a:endParaRPr lang="en-US">
+            <a:solidFill>
+              <a:sysClr val="windowText" lastClr="000000"/>
+            </a:solidFill>
+          </a:endParaRPr>
         </a:p>
       </dgm:t>
     </dgm:pt>
@@ -7420,7 +7632,11 @@
         <a:bodyPr/>
         <a:lstStyle/>
         <a:p>
-          <a:endParaRPr lang="en-US"/>
+          <a:endParaRPr lang="en-US">
+            <a:solidFill>
+              <a:sysClr val="windowText" lastClr="000000"/>
+            </a:solidFill>
+          </a:endParaRPr>
         </a:p>
       </dgm:t>
     </dgm:pt>
@@ -7432,10 +7648,13 @@
         <a:lstStyle/>
         <a:p>
           <a:r>
-            <a:rPr lang="en-US" dirty="0" smtClean="0"/>
+            <a:rPr lang="en-US" dirty="0" smtClean="0">
+              <a:solidFill>
+                <a:sysClr val="windowText" lastClr="000000"/>
+              </a:solidFill>
+            </a:rPr>
             <a:t>Loading and Saving</a:t>
           </a:r>
-          <a:endParaRPr lang="en-US" dirty="0" smtClean="0"/>
         </a:p>
       </dgm:t>
     </dgm:pt>
@@ -7446,7 +7665,11 @@
         <a:bodyPr/>
         <a:lstStyle/>
         <a:p>
-          <a:endParaRPr lang="en-US"/>
+          <a:endParaRPr lang="en-US">
+            <a:solidFill>
+              <a:sysClr val="windowText" lastClr="000000"/>
+            </a:solidFill>
+          </a:endParaRPr>
         </a:p>
       </dgm:t>
     </dgm:pt>
@@ -7457,7 +7680,11 @@
         <a:bodyPr/>
         <a:lstStyle/>
         <a:p>
-          <a:endParaRPr lang="en-US"/>
+          <a:endParaRPr lang="en-US">
+            <a:solidFill>
+              <a:sysClr val="windowText" lastClr="000000"/>
+            </a:solidFill>
+          </a:endParaRPr>
         </a:p>
       </dgm:t>
     </dgm:pt>
@@ -7469,10 +7696,13 @@
         <a:lstStyle/>
         <a:p>
           <a:r>
-            <a:rPr lang="en-US" dirty="0" smtClean="0"/>
+            <a:rPr lang="en-US" dirty="0" smtClean="0">
+              <a:solidFill>
+                <a:sysClr val="windowText" lastClr="000000"/>
+              </a:solidFill>
+            </a:rPr>
             <a:t>saveSvgAsPng.js</a:t>
           </a:r>
-          <a:endParaRPr lang="en-US" dirty="0" smtClean="0"/>
         </a:p>
       </dgm:t>
     </dgm:pt>
@@ -7483,7 +7713,11 @@
         <a:bodyPr/>
         <a:lstStyle/>
         <a:p>
-          <a:endParaRPr lang="en-US"/>
+          <a:endParaRPr lang="en-US">
+            <a:solidFill>
+              <a:sysClr val="windowText" lastClr="000000"/>
+            </a:solidFill>
+          </a:endParaRPr>
         </a:p>
       </dgm:t>
     </dgm:pt>
@@ -7494,7 +7728,11 @@
         <a:bodyPr/>
         <a:lstStyle/>
         <a:p>
-          <a:endParaRPr lang="en-US"/>
+          <a:endParaRPr lang="en-US">
+            <a:solidFill>
+              <a:sysClr val="windowText" lastClr="000000"/>
+            </a:solidFill>
+          </a:endParaRPr>
         </a:p>
       </dgm:t>
     </dgm:pt>
@@ -7523,10 +7761,13 @@
             <a:defRPr/>
           </a:pPr>
           <a:r>
-            <a:rPr lang="en-US" dirty="0" smtClean="0"/>
+            <a:rPr lang="en-US" dirty="0" smtClean="0">
+              <a:solidFill>
+                <a:sysClr val="windowText" lastClr="000000"/>
+              </a:solidFill>
+            </a:rPr>
             <a:t>MetricGraphics.js</a:t>
           </a:r>
-          <a:endParaRPr lang="en-US" dirty="0" smtClean="0"/>
         </a:p>
       </dgm:t>
     </dgm:pt>
@@ -7537,7 +7778,11 @@
         <a:bodyPr/>
         <a:lstStyle/>
         <a:p>
-          <a:endParaRPr lang="en-US"/>
+          <a:endParaRPr lang="en-US">
+            <a:solidFill>
+              <a:sysClr val="windowText" lastClr="000000"/>
+            </a:solidFill>
+          </a:endParaRPr>
         </a:p>
       </dgm:t>
     </dgm:pt>
@@ -7548,7 +7793,11 @@
         <a:bodyPr/>
         <a:lstStyle/>
         <a:p>
-          <a:endParaRPr lang="en-US"/>
+          <a:endParaRPr lang="en-US">
+            <a:solidFill>
+              <a:sysClr val="windowText" lastClr="000000"/>
+            </a:solidFill>
+          </a:endParaRPr>
         </a:p>
       </dgm:t>
     </dgm:pt>
@@ -7577,10 +7826,13 @@
             <a:defRPr/>
           </a:pPr>
           <a:r>
-            <a:rPr lang="en-US" dirty="0" smtClean="0"/>
+            <a:rPr lang="en-US" dirty="0" smtClean="0">
+              <a:solidFill>
+                <a:sysClr val="windowText" lastClr="000000"/>
+              </a:solidFill>
+            </a:rPr>
             <a:t>Rickshaw.js*</a:t>
           </a:r>
-          <a:endParaRPr lang="en-US" dirty="0" smtClean="0"/>
         </a:p>
       </dgm:t>
     </dgm:pt>
@@ -7591,7 +7843,11 @@
         <a:bodyPr/>
         <a:lstStyle/>
         <a:p>
-          <a:endParaRPr lang="en-US"/>
+          <a:endParaRPr lang="en-US">
+            <a:solidFill>
+              <a:sysClr val="windowText" lastClr="000000"/>
+            </a:solidFill>
+          </a:endParaRPr>
         </a:p>
       </dgm:t>
     </dgm:pt>
@@ -7602,7 +7858,11 @@
         <a:bodyPr/>
         <a:lstStyle/>
         <a:p>
-          <a:endParaRPr lang="en-US"/>
+          <a:endParaRPr lang="en-US">
+            <a:solidFill>
+              <a:sysClr val="windowText" lastClr="000000"/>
+            </a:solidFill>
+          </a:endParaRPr>
         </a:p>
       </dgm:t>
     </dgm:pt>
@@ -7614,10 +7874,13 @@
         <a:lstStyle/>
         <a:p>
           <a:r>
-            <a:rPr lang="en-US" dirty="0" smtClean="0"/>
+            <a:rPr lang="en-US" dirty="0" smtClean="0">
+              <a:solidFill>
+                <a:sysClr val="windowText" lastClr="000000"/>
+              </a:solidFill>
+            </a:rPr>
             <a:t>FileSaver.js*</a:t>
           </a:r>
-          <a:endParaRPr lang="en-US" dirty="0" smtClean="0"/>
         </a:p>
       </dgm:t>
     </dgm:pt>
@@ -7628,7 +7891,11 @@
         <a:bodyPr/>
         <a:lstStyle/>
         <a:p>
-          <a:endParaRPr lang="en-US"/>
+          <a:endParaRPr lang="en-US">
+            <a:solidFill>
+              <a:sysClr val="windowText" lastClr="000000"/>
+            </a:solidFill>
+          </a:endParaRPr>
         </a:p>
       </dgm:t>
     </dgm:pt>
@@ -7639,7 +7906,11 @@
         <a:bodyPr/>
         <a:lstStyle/>
         <a:p>
-          <a:endParaRPr lang="en-US"/>
+          <a:endParaRPr lang="en-US">
+            <a:solidFill>
+              <a:sysClr val="windowText" lastClr="000000"/>
+            </a:solidFill>
+          </a:endParaRPr>
         </a:p>
       </dgm:t>
     </dgm:pt>
@@ -7651,18 +7922,29 @@
         <a:lstStyle/>
         <a:p>
           <a:r>
-            <a:rPr lang="en-US" dirty="0" smtClean="0"/>
+            <a:rPr lang="en-US" dirty="0" smtClean="0">
+              <a:solidFill>
+                <a:sysClr val="windowText" lastClr="000000"/>
+              </a:solidFill>
+            </a:rPr>
             <a:t>xls.js + xlsx.js+ </a:t>
           </a:r>
           <a:r>
-            <a:rPr lang="en-US" dirty="0" err="1" smtClean="0"/>
+            <a:rPr lang="en-US" dirty="0" err="1" smtClean="0">
+              <a:solidFill>
+                <a:sysClr val="windowText" lastClr="000000"/>
+              </a:solidFill>
+            </a:rPr>
             <a:t>jszip</a:t>
           </a:r>
           <a:r>
-            <a:rPr lang="en-US" dirty="0" smtClean="0"/>
+            <a:rPr lang="en-US" dirty="0" smtClean="0">
+              <a:solidFill>
+                <a:sysClr val="windowText" lastClr="000000"/>
+              </a:solidFill>
+            </a:rPr>
             <a:t>*</a:t>
           </a:r>
-          <a:endParaRPr lang="en-US" dirty="0" smtClean="0"/>
         </a:p>
       </dgm:t>
     </dgm:pt>
@@ -7673,7 +7955,11 @@
         <a:bodyPr/>
         <a:lstStyle/>
         <a:p>
-          <a:endParaRPr lang="en-US"/>
+          <a:endParaRPr lang="en-US">
+            <a:solidFill>
+              <a:sysClr val="windowText" lastClr="000000"/>
+            </a:solidFill>
+          </a:endParaRPr>
         </a:p>
       </dgm:t>
     </dgm:pt>
@@ -7684,7 +7970,11 @@
         <a:bodyPr/>
         <a:lstStyle/>
         <a:p>
-          <a:endParaRPr lang="en-US"/>
+          <a:endParaRPr lang="en-US">
+            <a:solidFill>
+              <a:sysClr val="windowText" lastClr="000000"/>
+            </a:solidFill>
+          </a:endParaRPr>
         </a:p>
       </dgm:t>
     </dgm:pt>
@@ -7697,6 +7987,13 @@
         </dgm:presLayoutVars>
       </dgm:prSet>
       <dgm:spPr/>
+      <dgm:t>
+        <a:bodyPr/>
+        <a:lstStyle/>
+        <a:p>
+          <a:endParaRPr lang="en-US"/>
+        </a:p>
+      </dgm:t>
     </dgm:pt>
     <dgm:pt modelId="{D533EFA2-CD0E-42BC-8F55-CB58E5A931B4}" type="pres">
       <dgm:prSet presAssocID="{D777B480-5331-4CCA-899F-C1FD7D78FACB}" presName="composite" presStyleCnt="0"/>
@@ -7784,8 +8081,8 @@
     <dgm:cxn modelId="{12CBC3D2-7F89-4FB2-ADBB-554D8994632A}" srcId="{F8A64EF1-1A2F-4EAD-BA9B-D8647964D24E}" destId="{9780B693-E1BE-4500-83C8-0DB56DB0DDCE}" srcOrd="2" destOrd="0" parTransId="{1200E3FE-7702-4195-897B-56FC309DB4A4}" sibTransId="{34521D76-144F-43BD-8DDE-6D4A3544530C}"/>
     <dgm:cxn modelId="{6E1C5508-EC65-41A4-A35A-D77687597AEF}" type="presOf" srcId="{9780B693-E1BE-4500-83C8-0DB56DB0DDCE}" destId="{1FC74699-7A92-46E1-9BBE-0D7ECE982CFF}" srcOrd="0" destOrd="2" presId="urn:microsoft.com/office/officeart/2005/8/layout/hList1"/>
     <dgm:cxn modelId="{C280989D-12E7-4652-9F67-AA45C06E98F9}" type="presOf" srcId="{69B1A472-040A-4381-A8F7-0381ED7DBCC7}" destId="{4E120B5C-062D-48B7-A94F-E36D5AFADE76}" srcOrd="0" destOrd="0" presId="urn:microsoft.com/office/officeart/2005/8/layout/hList1"/>
+    <dgm:cxn modelId="{D934799D-4FE1-413A-868B-0C5646A63581}" srcId="{D777B480-5331-4CCA-899F-C1FD7D78FACB}" destId="{69B1A472-040A-4381-A8F7-0381ED7DBCC7}" srcOrd="0" destOrd="0" parTransId="{37DAD5E6-32F0-451C-8841-83C28EB73443}" sibTransId="{6A5D99A7-E72A-49B5-A6EC-068FCB3ABD4F}"/>
     <dgm:cxn modelId="{B499A843-6666-4B47-AE0C-A0D5A96817B2}" type="presOf" srcId="{3CD356C8-50C5-4EAB-965A-56C93E28D026}" destId="{83EA1B21-CC81-4792-AD97-478055875F5C}" srcOrd="0" destOrd="0" presId="urn:microsoft.com/office/officeart/2005/8/layout/hList1"/>
-    <dgm:cxn modelId="{D934799D-4FE1-413A-868B-0C5646A63581}" srcId="{D777B480-5331-4CCA-899F-C1FD7D78FACB}" destId="{69B1A472-040A-4381-A8F7-0381ED7DBCC7}" srcOrd="0" destOrd="0" parTransId="{37DAD5E6-32F0-451C-8841-83C28EB73443}" sibTransId="{6A5D99A7-E72A-49B5-A6EC-068FCB3ABD4F}"/>
     <dgm:cxn modelId="{4D180F8E-CEB8-4B3B-96C4-61A240B53743}" type="presOf" srcId="{F8A64EF1-1A2F-4EAD-BA9B-D8647964D24E}" destId="{82239CD8-D690-47F5-AAB8-3EAAB3A2A1B8}" srcOrd="0" destOrd="0" presId="urn:microsoft.com/office/officeart/2005/8/layout/hList1"/>
     <dgm:cxn modelId="{713E6F56-23CE-425B-8777-A7A200659E5C}" type="presOf" srcId="{8203691F-31AC-4BE9-95EA-74AD2F120E20}" destId="{4E120B5C-062D-48B7-A94F-E36D5AFADE76}" srcOrd="0" destOrd="1" presId="urn:microsoft.com/office/officeart/2005/8/layout/hList1"/>
     <dgm:cxn modelId="{8645797A-FB30-4A1A-B961-488CCFF7C803}" srcId="{D777B480-5331-4CCA-899F-C1FD7D78FACB}" destId="{8203691F-31AC-4BE9-95EA-74AD2F120E20}" srcOrd="1" destOrd="0" parTransId="{F7F9DCF8-92C8-4FDF-9853-AC13512663E4}" sibTransId="{BC011570-6FB2-4C4A-B1F6-76812600DDE4}"/>
@@ -7873,7 +8170,6 @@
             <a:rPr lang="en-US" dirty="0" smtClean="0"/>
             <a:t>Statistics</a:t>
           </a:r>
-          <a:endParaRPr lang="en-US" dirty="0" smtClean="0"/>
         </a:p>
       </dgm:t>
     </dgm:pt>
@@ -8130,6 +8426,13 @@
         </dgm:presLayoutVars>
       </dgm:prSet>
       <dgm:spPr/>
+      <dgm:t>
+        <a:bodyPr/>
+        <a:lstStyle/>
+        <a:p>
+          <a:endParaRPr lang="en-US"/>
+        </a:p>
+      </dgm:t>
     </dgm:pt>
     <dgm:pt modelId="{54FDB44E-46B7-4F5A-BFBE-C60C2D4560D3}" type="pres">
       <dgm:prSet presAssocID="{78E0BDD0-6E70-4E10-B5A6-345429E8D011}" presName="composite" presStyleCnt="0"/>
@@ -8184,6 +8487,13 @@
         </dgm:presLayoutVars>
       </dgm:prSet>
       <dgm:spPr/>
+      <dgm:t>
+        <a:bodyPr/>
+        <a:lstStyle/>
+        <a:p>
+          <a:endParaRPr lang="en-US"/>
+        </a:p>
+      </dgm:t>
     </dgm:pt>
     <dgm:pt modelId="{D0ADE9F5-8677-46B4-B601-DC5E07257D10}" type="pres">
       <dgm:prSet presAssocID="{64817874-E938-4DD0-A85F-9705D7ECE98B}" presName="desTx" presStyleLbl="alignAccFollowNode1" presStyleIdx="1" presStyleCnt="2">
@@ -8192,6 +8502,13 @@
         </dgm:presLayoutVars>
       </dgm:prSet>
       <dgm:spPr/>
+      <dgm:t>
+        <a:bodyPr/>
+        <a:lstStyle/>
+        <a:p>
+          <a:endParaRPr lang="en-US"/>
+        </a:p>
+      </dgm:t>
     </dgm:pt>
   </dgm:ptLst>
   <dgm:cxnLst>
@@ -8199,13 +8516,13 @@
     <dgm:cxn modelId="{52D445A1-853E-4660-AD53-BDE01A811DF1}" type="presOf" srcId="{44D109CF-8554-48F0-A915-5638B059C2D7}" destId="{D0ADE9F5-8677-46B4-B601-DC5E07257D10}" srcOrd="0" destOrd="2" presId="urn:microsoft.com/office/officeart/2005/8/layout/hList1"/>
     <dgm:cxn modelId="{AD4F715B-6747-45BE-B10F-98985B207D86}" srcId="{64817874-E938-4DD0-A85F-9705D7ECE98B}" destId="{86B0EBA6-6689-4BCA-ADF8-E11A58C673CF}" srcOrd="0" destOrd="0" parTransId="{8AF6A74A-F1F5-4762-A135-4324F3102A4F}" sibTransId="{4D50E974-EA83-4203-9690-D2F70B5DABFF}"/>
     <dgm:cxn modelId="{CF04AFE8-5CD9-4902-9E94-D4024AB14045}" srcId="{78E0BDD0-6E70-4E10-B5A6-345429E8D011}" destId="{EE5EF1BE-7509-4539-8499-35238F7E9B4F}" srcOrd="1" destOrd="0" parTransId="{C391A4A7-D70A-4199-8A1B-FC8E7A1B0B49}" sibTransId="{3340EA7B-398B-4742-BD75-AF5C1A881423}"/>
+    <dgm:cxn modelId="{5755DC72-2756-456B-BDFD-5FBAC4071A3C}" type="presOf" srcId="{8AA45961-6191-46B5-A8ED-07742D1B4DB3}" destId="{D95CE01B-6062-49E1-8505-C0EBEBCDE3BB}" srcOrd="0" destOrd="2" presId="urn:microsoft.com/office/officeart/2005/8/layout/hList1"/>
     <dgm:cxn modelId="{3F981FDE-5944-4AB3-914E-DCA96239F5DC}" srcId="{0642F593-C6D4-41FF-9483-C17DB3F14C47}" destId="{64817874-E938-4DD0-A85F-9705D7ECE98B}" srcOrd="1" destOrd="0" parTransId="{4962A3B8-A9C5-4674-AC29-20F15397A0AA}" sibTransId="{F7A0D424-D68E-4E40-9306-00A54F411417}"/>
-    <dgm:cxn modelId="{5755DC72-2756-456B-BDFD-5FBAC4071A3C}" type="presOf" srcId="{8AA45961-6191-46B5-A8ED-07742D1B4DB3}" destId="{D95CE01B-6062-49E1-8505-C0EBEBCDE3BB}" srcOrd="0" destOrd="2" presId="urn:microsoft.com/office/officeart/2005/8/layout/hList1"/>
     <dgm:cxn modelId="{4B1BD440-2F01-495D-86E3-49246B231A8F}" type="presOf" srcId="{64817874-E938-4DD0-A85F-9705D7ECE98B}" destId="{A40C30D1-298B-4D54-AF4A-378E26D77756}" srcOrd="0" destOrd="0" presId="urn:microsoft.com/office/officeart/2005/8/layout/hList1"/>
     <dgm:cxn modelId="{E2917EA1-4E4E-41A8-84A2-814510DA618A}" srcId="{0642F593-C6D4-41FF-9483-C17DB3F14C47}" destId="{78E0BDD0-6E70-4E10-B5A6-345429E8D011}" srcOrd="0" destOrd="0" parTransId="{C303E675-42B4-4254-8340-39E5CF40293B}" sibTransId="{28721247-1A6F-4309-9366-5A27B092EC62}"/>
     <dgm:cxn modelId="{A45F858E-AAC7-48A3-82B3-BDA326A094E1}" type="presOf" srcId="{86B0EBA6-6689-4BCA-ADF8-E11A58C673CF}" destId="{D0ADE9F5-8677-46B4-B601-DC5E07257D10}" srcOrd="0" destOrd="0" presId="urn:microsoft.com/office/officeart/2005/8/layout/hList1"/>
+    <dgm:cxn modelId="{434B9E63-BE70-465F-9769-BE1737B3727E}" srcId="{64817874-E938-4DD0-A85F-9705D7ECE98B}" destId="{44D109CF-8554-48F0-A915-5638B059C2D7}" srcOrd="2" destOrd="0" parTransId="{3A16EAE8-05AA-4219-831B-18F518D7C18F}" sibTransId="{DA1B2DB2-4626-4DA8-8FB0-69BF77DDFBA5}"/>
     <dgm:cxn modelId="{A611E089-EB40-4D5C-856F-CD8FA3F76F2B}" type="presOf" srcId="{EE5EF1BE-7509-4539-8499-35238F7E9B4F}" destId="{D95CE01B-6062-49E1-8505-C0EBEBCDE3BB}" srcOrd="0" destOrd="1" presId="urn:microsoft.com/office/officeart/2005/8/layout/hList1"/>
-    <dgm:cxn modelId="{434B9E63-BE70-465F-9769-BE1737B3727E}" srcId="{64817874-E938-4DD0-A85F-9705D7ECE98B}" destId="{44D109CF-8554-48F0-A915-5638B059C2D7}" srcOrd="2" destOrd="0" parTransId="{3A16EAE8-05AA-4219-831B-18F518D7C18F}" sibTransId="{DA1B2DB2-4626-4DA8-8FB0-69BF77DDFBA5}"/>
     <dgm:cxn modelId="{B4EF4325-7E3A-4774-81A6-90AF8DCBE2E0}" type="presOf" srcId="{0642F593-C6D4-41FF-9483-C17DB3F14C47}" destId="{1CA8CF67-E40E-4AC6-916F-0D36358E5FC3}" srcOrd="0" destOrd="0" presId="urn:microsoft.com/office/officeart/2005/8/layout/hList1"/>
     <dgm:cxn modelId="{9D41C3A4-4159-456D-A67E-D9649B767109}" srcId="{78E0BDD0-6E70-4E10-B5A6-345429E8D011}" destId="{851A6CEF-35F8-430E-91E4-2E0D2B086318}" srcOrd="0" destOrd="0" parTransId="{BCD1B009-BFF9-449E-8F3F-9D5822379CAE}" sibTransId="{F31E5FF5-C024-4DC1-9639-AB2FF7318B6F}"/>
     <dgm:cxn modelId="{93BCF5A8-6178-4FCF-941F-25187D63D964}" type="presOf" srcId="{78E0BDD0-6E70-4E10-B5A6-345429E8D011}" destId="{09D23FFE-0D11-4A0F-9993-42654D10F746}" srcOrd="0" destOrd="0" presId="urn:microsoft.com/office/officeart/2005/8/layout/hList1"/>
@@ -8292,7 +8609,6 @@
             <a:rPr lang="en-US" dirty="0" smtClean="0"/>
             <a:t>Count</a:t>
           </a:r>
-          <a:endParaRPr lang="en-US" dirty="0" smtClean="0"/>
         </a:p>
       </dgm:t>
     </dgm:pt>
@@ -8329,7 +8645,6 @@
             <a:rPr lang="en-US" dirty="0" smtClean="0"/>
             <a:t>Numbers</a:t>
           </a:r>
-          <a:endParaRPr lang="en-US" dirty="0" smtClean="0"/>
         </a:p>
       </dgm:t>
     </dgm:pt>
@@ -8366,7 +8681,6 @@
             <a:rPr lang="en-US" dirty="0" smtClean="0"/>
             <a:t>Mean,</a:t>
           </a:r>
-          <a:endParaRPr lang="en-US" dirty="0" smtClean="0"/>
         </a:p>
       </dgm:t>
     </dgm:pt>
@@ -8403,7 +8717,6 @@
             <a:rPr lang="en-US" dirty="0" smtClean="0"/>
             <a:t>Median</a:t>
           </a:r>
-          <a:endParaRPr lang="en-US" dirty="0" smtClean="0"/>
         </a:p>
       </dgm:t>
     </dgm:pt>
@@ -8440,7 +8753,6 @@
             <a:rPr lang="en-US" dirty="0" smtClean="0"/>
             <a:t>Min, Max …etc.</a:t>
           </a:r>
-          <a:endParaRPr lang="en-US" dirty="0" smtClean="0"/>
         </a:p>
       </dgm:t>
     </dgm:pt>
@@ -8477,7 +8789,6 @@
             <a:rPr lang="en-US" dirty="0" smtClean="0"/>
             <a:t>Unique count</a:t>
           </a:r>
-          <a:endParaRPr lang="en-US" dirty="0" smtClean="0"/>
         </a:p>
       </dgm:t>
     </dgm:pt>
@@ -8514,7 +8825,6 @@
             <a:rPr lang="en-US" b="1" dirty="0" smtClean="0"/>
             <a:t>Missing values</a:t>
           </a:r>
-          <a:endParaRPr lang="en-US" b="1" dirty="0" smtClean="0"/>
         </a:p>
       </dgm:t>
     </dgm:pt>
@@ -8549,6 +8859,13 @@
         </dgm:presLayoutVars>
       </dgm:prSet>
       <dgm:spPr/>
+      <dgm:t>
+        <a:bodyPr/>
+        <a:lstStyle/>
+        <a:p>
+          <a:endParaRPr lang="en-US"/>
+        </a:p>
+      </dgm:t>
     </dgm:pt>
     <dgm:pt modelId="{C476FF33-A809-4BBA-AD20-3B03376BA6E7}" type="pres">
       <dgm:prSet presAssocID="{6B847895-60BC-46FD-8DC3-0FB2C36F8BEB}" presName="composite" presStyleCnt="0"/>
@@ -8603,6 +8920,13 @@
         </dgm:presLayoutVars>
       </dgm:prSet>
       <dgm:spPr/>
+      <dgm:t>
+        <a:bodyPr/>
+        <a:lstStyle/>
+        <a:p>
+          <a:endParaRPr lang="en-US"/>
+        </a:p>
+      </dgm:t>
     </dgm:pt>
     <dgm:pt modelId="{E23D9C6A-7919-4DE1-92E1-C86BAC5338A5}" type="pres">
       <dgm:prSet presAssocID="{AEA3A2E8-914C-41C5-9EE5-D8D7656F0E87}" presName="desTx" presStyleLbl="alignAccFollowNode1" presStyleIdx="1" presStyleCnt="2">
@@ -8621,23 +8945,23 @@
     </dgm:pt>
   </dgm:ptLst>
   <dgm:cxnLst>
+    <dgm:cxn modelId="{F7DD7EAC-F45F-4AC9-B30D-83438EAD2245}" type="presOf" srcId="{44F727C6-387E-4970-8AEE-33C41232317E}" destId="{F32FCA51-E85B-48AD-B540-C3E68460E850}" srcOrd="0" destOrd="0" presId="urn:microsoft.com/office/officeart/2005/8/layout/hList1"/>
+    <dgm:cxn modelId="{9F9678C8-5825-44BB-98A3-1BF7D095A870}" srcId="{44F727C6-387E-4970-8AEE-33C41232317E}" destId="{AEA3A2E8-914C-41C5-9EE5-D8D7656F0E87}" srcOrd="1" destOrd="0" parTransId="{9E3D02AD-3A30-43CB-BD0F-2287AAB6AF6F}" sibTransId="{D55C6D74-8697-421D-B493-D851215C4F81}"/>
+    <dgm:cxn modelId="{2F95BDAE-7412-4216-96B7-5D90EF42FB29}" srcId="{AEA3A2E8-914C-41C5-9EE5-D8D7656F0E87}" destId="{23B0A0AC-8551-4F02-9574-0C9DD6086902}" srcOrd="2" destOrd="0" parTransId="{35A428C8-EF9B-430F-BD78-A85AB5CB9DB5}" sibTransId="{C9B2200B-7F18-48D4-8DC5-D8AE306A1A97}"/>
+    <dgm:cxn modelId="{ACCA8873-9D1D-4F32-A2E2-37464280C8BD}" type="presOf" srcId="{692EBACE-192D-4E67-8CD5-8B8D59B41279}" destId="{A9F0BA23-7BD3-4745-88F3-5D0ED57E236F}" srcOrd="0" destOrd="0" presId="urn:microsoft.com/office/officeart/2005/8/layout/hList1"/>
+    <dgm:cxn modelId="{75A50525-C447-4E8C-9674-3978448B942E}" srcId="{AEA3A2E8-914C-41C5-9EE5-D8D7656F0E87}" destId="{FC813208-613A-4B4A-B4FD-3344BEF7344E}" srcOrd="1" destOrd="0" parTransId="{40507772-9A2B-402C-838B-FD639095745D}" sibTransId="{CC9F72DF-8451-4215-93ED-4140B380600F}"/>
+    <dgm:cxn modelId="{2E5CF924-2EF8-4F6A-A979-12A53EDE707D}" srcId="{6B847895-60BC-46FD-8DC3-0FB2C36F8BEB}" destId="{692EBACE-192D-4E67-8CD5-8B8D59B41279}" srcOrd="0" destOrd="0" parTransId="{03C53704-AA76-4596-A757-A446739BD016}" sibTransId="{4EF16809-115D-4017-ABA4-CA589F2F668D}"/>
+    <dgm:cxn modelId="{52D4B112-8F46-4FE0-B85A-590774DC0F3A}" type="presOf" srcId="{387FA5CE-C8D6-4CBD-846A-864448AF562A}" destId="{E23D9C6A-7919-4DE1-92E1-C86BAC5338A5}" srcOrd="0" destOrd="0" presId="urn:microsoft.com/office/officeart/2005/8/layout/hList1"/>
+    <dgm:cxn modelId="{4E8531BA-81B6-4441-9E9B-9357EE69240A}" type="presOf" srcId="{FC813208-613A-4B4A-B4FD-3344BEF7344E}" destId="{E23D9C6A-7919-4DE1-92E1-C86BAC5338A5}" srcOrd="0" destOrd="1" presId="urn:microsoft.com/office/officeart/2005/8/layout/hList1"/>
+    <dgm:cxn modelId="{D8402ABD-04C3-47DA-8A23-FF8D3DDD8623}" srcId="{44F727C6-387E-4970-8AEE-33C41232317E}" destId="{6B847895-60BC-46FD-8DC3-0FB2C36F8BEB}" srcOrd="0" destOrd="0" parTransId="{EF108B30-CE86-4227-AB58-F855CDDE1735}" sibTransId="{3C65AA68-2072-4551-9FD8-D08B2A5510BE}"/>
+    <dgm:cxn modelId="{5395D088-527C-46D5-BAB0-1111C817F5B6}" srcId="{AEA3A2E8-914C-41C5-9EE5-D8D7656F0E87}" destId="{387FA5CE-C8D6-4CBD-846A-864448AF562A}" srcOrd="0" destOrd="0" parTransId="{73B1FB50-2340-48C4-8C00-80788840B54F}" sibTransId="{8E949181-A930-4071-A323-E974EE63EEE4}"/>
+    <dgm:cxn modelId="{2B33F816-BA7A-47C6-99E6-C4B1C4011851}" type="presOf" srcId="{070955D0-4669-4A0A-A92C-D175629BBF7B}" destId="{A9F0BA23-7BD3-4745-88F3-5D0ED57E236F}" srcOrd="0" destOrd="2" presId="urn:microsoft.com/office/officeart/2005/8/layout/hList1"/>
+    <dgm:cxn modelId="{732216AA-D54F-44A4-A8BB-6DDF868002E2}" type="presOf" srcId="{AEA3A2E8-914C-41C5-9EE5-D8D7656F0E87}" destId="{9DE74BFA-79A8-49CE-B22E-D5B15EA15916}" srcOrd="0" destOrd="0" presId="urn:microsoft.com/office/officeart/2005/8/layout/hList1"/>
     <dgm:cxn modelId="{E5D9B450-1E64-47A9-AFAF-179134AC39DB}" srcId="{6B847895-60BC-46FD-8DC3-0FB2C36F8BEB}" destId="{D928BCDB-D515-4DB7-B4B9-F58A54013ACF}" srcOrd="1" destOrd="0" parTransId="{612F3172-6BE8-4CA5-8B30-1E96BB6B1189}" sibTransId="{F6CEE14C-C92C-4207-A41F-06C67B9A52B1}"/>
     <dgm:cxn modelId="{2084DD59-D1FE-46D7-8799-C58664B9C3F2}" srcId="{6B847895-60BC-46FD-8DC3-0FB2C36F8BEB}" destId="{070955D0-4669-4A0A-A92C-D175629BBF7B}" srcOrd="2" destOrd="0" parTransId="{56B7410F-904D-468C-9D10-B3D25B7046E2}" sibTransId="{C68F8B7E-42B0-4C16-9E53-53B0574B1FDA}"/>
-    <dgm:cxn modelId="{ACCA8873-9D1D-4F32-A2E2-37464280C8BD}" type="presOf" srcId="{692EBACE-192D-4E67-8CD5-8B8D59B41279}" destId="{A9F0BA23-7BD3-4745-88F3-5D0ED57E236F}" srcOrd="0" destOrd="0" presId="urn:microsoft.com/office/officeart/2005/8/layout/hList1"/>
+    <dgm:cxn modelId="{4C66CA7D-783F-42F7-B803-27508643DB66}" type="presOf" srcId="{D928BCDB-D515-4DB7-B4B9-F58A54013ACF}" destId="{A9F0BA23-7BD3-4745-88F3-5D0ED57E236F}" srcOrd="0" destOrd="1" presId="urn:microsoft.com/office/officeart/2005/8/layout/hList1"/>
     <dgm:cxn modelId="{8EF56FAB-C8E8-4D32-9FED-4B7FE5D9B038}" type="presOf" srcId="{6B847895-60BC-46FD-8DC3-0FB2C36F8BEB}" destId="{4AC5E25B-F544-4CA6-9B12-2571CA2BCEE8}" srcOrd="0" destOrd="0" presId="urn:microsoft.com/office/officeart/2005/8/layout/hList1"/>
-    <dgm:cxn modelId="{D8402ABD-04C3-47DA-8A23-FF8D3DDD8623}" srcId="{44F727C6-387E-4970-8AEE-33C41232317E}" destId="{6B847895-60BC-46FD-8DC3-0FB2C36F8BEB}" srcOrd="0" destOrd="0" parTransId="{EF108B30-CE86-4227-AB58-F855CDDE1735}" sibTransId="{3C65AA68-2072-4551-9FD8-D08B2A5510BE}"/>
-    <dgm:cxn modelId="{75A50525-C447-4E8C-9674-3978448B942E}" srcId="{AEA3A2E8-914C-41C5-9EE5-D8D7656F0E87}" destId="{FC813208-613A-4B4A-B4FD-3344BEF7344E}" srcOrd="1" destOrd="0" parTransId="{40507772-9A2B-402C-838B-FD639095745D}" sibTransId="{CC9F72DF-8451-4215-93ED-4140B380600F}"/>
-    <dgm:cxn modelId="{2E5CF924-2EF8-4F6A-A979-12A53EDE707D}" srcId="{6B847895-60BC-46FD-8DC3-0FB2C36F8BEB}" destId="{692EBACE-192D-4E67-8CD5-8B8D59B41279}" srcOrd="0" destOrd="0" parTransId="{03C53704-AA76-4596-A757-A446739BD016}" sibTransId="{4EF16809-115D-4017-ABA4-CA589F2F668D}"/>
-    <dgm:cxn modelId="{2F95BDAE-7412-4216-96B7-5D90EF42FB29}" srcId="{AEA3A2E8-914C-41C5-9EE5-D8D7656F0E87}" destId="{23B0A0AC-8551-4F02-9574-0C9DD6086902}" srcOrd="2" destOrd="0" parTransId="{35A428C8-EF9B-430F-BD78-A85AB5CB9DB5}" sibTransId="{C9B2200B-7F18-48D4-8DC5-D8AE306A1A97}"/>
-    <dgm:cxn modelId="{9F9678C8-5825-44BB-98A3-1BF7D095A870}" srcId="{44F727C6-387E-4970-8AEE-33C41232317E}" destId="{AEA3A2E8-914C-41C5-9EE5-D8D7656F0E87}" srcOrd="1" destOrd="0" parTransId="{9E3D02AD-3A30-43CB-BD0F-2287AAB6AF6F}" sibTransId="{D55C6D74-8697-421D-B493-D851215C4F81}"/>
-    <dgm:cxn modelId="{52D4B112-8F46-4FE0-B85A-590774DC0F3A}" type="presOf" srcId="{387FA5CE-C8D6-4CBD-846A-864448AF562A}" destId="{E23D9C6A-7919-4DE1-92E1-C86BAC5338A5}" srcOrd="0" destOrd="0" presId="urn:microsoft.com/office/officeart/2005/8/layout/hList1"/>
-    <dgm:cxn modelId="{732216AA-D54F-44A4-A8BB-6DDF868002E2}" type="presOf" srcId="{AEA3A2E8-914C-41C5-9EE5-D8D7656F0E87}" destId="{9DE74BFA-79A8-49CE-B22E-D5B15EA15916}" srcOrd="0" destOrd="0" presId="urn:microsoft.com/office/officeart/2005/8/layout/hList1"/>
-    <dgm:cxn modelId="{2B33F816-BA7A-47C6-99E6-C4B1C4011851}" type="presOf" srcId="{070955D0-4669-4A0A-A92C-D175629BBF7B}" destId="{A9F0BA23-7BD3-4745-88F3-5D0ED57E236F}" srcOrd="0" destOrd="2" presId="urn:microsoft.com/office/officeart/2005/8/layout/hList1"/>
-    <dgm:cxn modelId="{F7DD7EAC-F45F-4AC9-B30D-83438EAD2245}" type="presOf" srcId="{44F727C6-387E-4970-8AEE-33C41232317E}" destId="{F32FCA51-E85B-48AD-B540-C3E68460E850}" srcOrd="0" destOrd="0" presId="urn:microsoft.com/office/officeart/2005/8/layout/hList1"/>
     <dgm:cxn modelId="{A7F4AD5E-8642-4FE1-9BBB-67EE25875088}" type="presOf" srcId="{23B0A0AC-8551-4F02-9574-0C9DD6086902}" destId="{E23D9C6A-7919-4DE1-92E1-C86BAC5338A5}" srcOrd="0" destOrd="2" presId="urn:microsoft.com/office/officeart/2005/8/layout/hList1"/>
-    <dgm:cxn modelId="{4C66CA7D-783F-42F7-B803-27508643DB66}" type="presOf" srcId="{D928BCDB-D515-4DB7-B4B9-F58A54013ACF}" destId="{A9F0BA23-7BD3-4745-88F3-5D0ED57E236F}" srcOrd="0" destOrd="1" presId="urn:microsoft.com/office/officeart/2005/8/layout/hList1"/>
-    <dgm:cxn modelId="{5395D088-527C-46D5-BAB0-1111C817F5B6}" srcId="{AEA3A2E8-914C-41C5-9EE5-D8D7656F0E87}" destId="{387FA5CE-C8D6-4CBD-846A-864448AF562A}" srcOrd="0" destOrd="0" parTransId="{73B1FB50-2340-48C4-8C00-80788840B54F}" sibTransId="{8E949181-A930-4071-A323-E974EE63EEE4}"/>
-    <dgm:cxn modelId="{4E8531BA-81B6-4441-9E9B-9357EE69240A}" type="presOf" srcId="{FC813208-613A-4B4A-B4FD-3344BEF7344E}" destId="{E23D9C6A-7919-4DE1-92E1-C86BAC5338A5}" srcOrd="0" destOrd="1" presId="urn:microsoft.com/office/officeart/2005/8/layout/hList1"/>
     <dgm:cxn modelId="{AE7FA2E3-9576-42B2-B382-6466C1645E30}" type="presParOf" srcId="{F32FCA51-E85B-48AD-B540-C3E68460E850}" destId="{C476FF33-A809-4BBA-AD20-3B03376BA6E7}" srcOrd="0" destOrd="0" presId="urn:microsoft.com/office/officeart/2005/8/layout/hList1"/>
     <dgm:cxn modelId="{BDBCE1AF-DEA1-4138-96C6-918AC741B1C4}" type="presParOf" srcId="{C476FF33-A809-4BBA-AD20-3B03376BA6E7}" destId="{4AC5E25B-F544-4CA6-9B12-2571CA2BCEE8}" srcOrd="0" destOrd="0" presId="urn:microsoft.com/office/officeart/2005/8/layout/hList1"/>
     <dgm:cxn modelId="{099F1F25-65F8-43CC-B185-A4A602D56CEE}" type="presParOf" srcId="{C476FF33-A809-4BBA-AD20-3B03376BA6E7}" destId="{A9F0BA23-7BD3-4745-88F3-5D0ED57E236F}" srcOrd="1" destOrd="0" presId="urn:microsoft.com/office/officeart/2005/8/layout/hList1"/>
@@ -8718,7 +9042,6 @@
             <a:rPr lang="en-US" b="1" dirty="0" smtClean="0"/>
             <a:t>Humanized range</a:t>
           </a:r>
-          <a:endParaRPr lang="en-US" b="1" dirty="0" smtClean="0"/>
         </a:p>
       </dgm:t>
     </dgm:pt>
@@ -8755,7 +9078,6 @@
             <a:rPr lang="en-US" dirty="0" smtClean="0"/>
             <a:t>Text</a:t>
           </a:r>
-          <a:endParaRPr lang="en-US" dirty="0" smtClean="0"/>
         </a:p>
       </dgm:t>
     </dgm:pt>
@@ -8792,7 +9114,6 @@
             <a:rPr lang="en-US" dirty="0" smtClean="0"/>
             <a:t>Avg. Word count,</a:t>
           </a:r>
-          <a:endParaRPr lang="en-US" dirty="0" smtClean="0"/>
         </a:p>
       </dgm:t>
     </dgm:pt>
@@ -8829,7 +9150,6 @@
             <a:rPr lang="en-US" dirty="0" smtClean="0"/>
             <a:t>Avg. chart count</a:t>
           </a:r>
-          <a:endParaRPr lang="en-US" dirty="0" smtClean="0"/>
         </a:p>
       </dgm:t>
     </dgm:pt>
@@ -8866,7 +9186,6 @@
             <a:rPr lang="en-US" b="0" dirty="0" smtClean="0"/>
             <a:t>Start, End</a:t>
           </a:r>
-          <a:endParaRPr lang="en-US" b="0" dirty="0" smtClean="0"/>
         </a:p>
       </dgm:t>
     </dgm:pt>
@@ -8903,7 +9222,6 @@
             <a:rPr lang="en-US" b="0" dirty="0" smtClean="0"/>
             <a:t>Date Format</a:t>
           </a:r>
-          <a:endParaRPr lang="en-US" b="0" dirty="0" smtClean="0"/>
         </a:p>
       </dgm:t>
     </dgm:pt>
@@ -8938,6 +9256,13 @@
         </dgm:presLayoutVars>
       </dgm:prSet>
       <dgm:spPr/>
+      <dgm:t>
+        <a:bodyPr/>
+        <a:lstStyle/>
+        <a:p>
+          <a:endParaRPr lang="en-US"/>
+        </a:p>
+      </dgm:t>
     </dgm:pt>
     <dgm:pt modelId="{5D6EFC2C-EE09-432C-B963-6CB104306F48}" type="pres">
       <dgm:prSet presAssocID="{58DC9234-F034-45B5-B096-B3EE0CC9568F}" presName="composite" presStyleCnt="0"/>
@@ -8992,6 +9317,13 @@
         </dgm:presLayoutVars>
       </dgm:prSet>
       <dgm:spPr/>
+      <dgm:t>
+        <a:bodyPr/>
+        <a:lstStyle/>
+        <a:p>
+          <a:endParaRPr lang="en-US"/>
+        </a:p>
+      </dgm:t>
     </dgm:pt>
     <dgm:pt modelId="{6FF8C488-FD23-46D1-ADF1-F98B5769D85D}" type="pres">
       <dgm:prSet presAssocID="{5562A974-51A5-46C9-94D3-9A4062A388CA}" presName="desTx" presStyleLbl="alignAccFollowNode1" presStyleIdx="1" presStyleCnt="2">
@@ -9000,24 +9332,31 @@
         </dgm:presLayoutVars>
       </dgm:prSet>
       <dgm:spPr/>
+      <dgm:t>
+        <a:bodyPr/>
+        <a:lstStyle/>
+        <a:p>
+          <a:endParaRPr lang="en-US"/>
+        </a:p>
+      </dgm:t>
     </dgm:pt>
   </dgm:ptLst>
   <dgm:cxnLst>
-    <dgm:cxn modelId="{0FBA68D0-3562-42F2-8695-E9D1DBDD2370}" type="presOf" srcId="{C4A7734B-5B2D-45BE-A630-E6CC9A2C5300}" destId="{6FF8C488-FD23-46D1-ADF1-F98B5769D85D}" srcOrd="0" destOrd="1" presId="urn:microsoft.com/office/officeart/2005/8/layout/hList1"/>
-    <dgm:cxn modelId="{AF882EEE-7633-4A01-A728-4C1B7723D92A}" srcId="{257AE8E4-5CC9-4FB8-BA31-FC354BFDB3E2}" destId="{5562A974-51A5-46C9-94D3-9A4062A388CA}" srcOrd="1" destOrd="0" parTransId="{3F97BC23-D84E-471C-872A-17F34231353A}" sibTransId="{13961B33-5A72-4EC5-9275-F233FBC36042}"/>
-    <dgm:cxn modelId="{B5487B36-0B9C-4478-915D-73E881E19D34}" type="presOf" srcId="{030F420A-1760-4254-954A-EC0054E304BB}" destId="{8AF15B95-F2D6-48E9-919A-F575A28D189B}" srcOrd="0" destOrd="2" presId="urn:microsoft.com/office/officeart/2005/8/layout/hList1"/>
-    <dgm:cxn modelId="{B98ECF92-E570-405F-A2FA-4DCF55A6A0A2}" type="presOf" srcId="{5562A974-51A5-46C9-94D3-9A4062A388CA}" destId="{9B0FCB7D-5D4E-4839-820E-0E02361D78CA}" srcOrd="0" destOrd="0" presId="urn:microsoft.com/office/officeart/2005/8/layout/hList1"/>
-    <dgm:cxn modelId="{6FFA3829-AAAF-41CD-98A2-6FB5807BF159}" type="presOf" srcId="{65FE01B3-94D8-4A6F-A914-FAB84A1715A8}" destId="{6FF8C488-FD23-46D1-ADF1-F98B5769D85D}" srcOrd="0" destOrd="0" presId="urn:microsoft.com/office/officeart/2005/8/layout/hList1"/>
+    <dgm:cxn modelId="{A70CB2B8-0B5C-4BA1-958F-13AE885F7C40}" type="presOf" srcId="{391343C1-AA39-41F2-90B6-1078BBFEC53C}" destId="{8AF15B95-F2D6-48E9-919A-F575A28D189B}" srcOrd="0" destOrd="0" presId="urn:microsoft.com/office/officeart/2005/8/layout/hList1"/>
+    <dgm:cxn modelId="{CDD09D61-BA7A-441D-90DA-3A7BFEDE95DF}" type="presOf" srcId="{58DC9234-F034-45B5-B096-B3EE0CC9568F}" destId="{5F804026-3208-4A85-B8A1-743E6F36C293}" srcOrd="0" destOrd="0" presId="urn:microsoft.com/office/officeart/2005/8/layout/hList1"/>
+    <dgm:cxn modelId="{C20ADFF6-A7EF-4F45-BC10-DD683417A076}" srcId="{5562A974-51A5-46C9-94D3-9A4062A388CA}" destId="{C4A7734B-5B2D-45BE-A630-E6CC9A2C5300}" srcOrd="1" destOrd="0" parTransId="{131F8CF8-6D28-493E-A5D6-9B045E9821A8}" sibTransId="{26F26EA0-BB02-4351-B9CA-E6523465195C}"/>
     <dgm:cxn modelId="{5B7DCF0C-0968-44F9-BF09-0CC398C86DD3}" srcId="{5562A974-51A5-46C9-94D3-9A4062A388CA}" destId="{65FE01B3-94D8-4A6F-A914-FAB84A1715A8}" srcOrd="0" destOrd="0" parTransId="{1430DB47-B657-4C85-AA7D-3E7DEAB2E4AB}" sibTransId="{E3BFEDCD-0300-432C-9F01-368B422A5571}"/>
     <dgm:cxn modelId="{9CE0D164-D536-4E8C-B678-C4CF47D88FB9}" srcId="{58DC9234-F034-45B5-B096-B3EE0CC9568F}" destId="{030F420A-1760-4254-954A-EC0054E304BB}" srcOrd="2" destOrd="0" parTransId="{59908C13-62C9-47F0-8C5A-84005799A1A2}" sibTransId="{4AF6A405-E5F2-4177-BD06-34693B2DD880}"/>
-    <dgm:cxn modelId="{C20ADFF6-A7EF-4F45-BC10-DD683417A076}" srcId="{5562A974-51A5-46C9-94D3-9A4062A388CA}" destId="{C4A7734B-5B2D-45BE-A630-E6CC9A2C5300}" srcOrd="1" destOrd="0" parTransId="{131F8CF8-6D28-493E-A5D6-9B045E9821A8}" sibTransId="{26F26EA0-BB02-4351-B9CA-E6523465195C}"/>
+    <dgm:cxn modelId="{AF882EEE-7633-4A01-A728-4C1B7723D92A}" srcId="{257AE8E4-5CC9-4FB8-BA31-FC354BFDB3E2}" destId="{5562A974-51A5-46C9-94D3-9A4062A388CA}" srcOrd="1" destOrd="0" parTransId="{3F97BC23-D84E-471C-872A-17F34231353A}" sibTransId="{13961B33-5A72-4EC5-9275-F233FBC36042}"/>
+    <dgm:cxn modelId="{0FBA68D0-3562-42F2-8695-E9D1DBDD2370}" type="presOf" srcId="{C4A7734B-5B2D-45BE-A630-E6CC9A2C5300}" destId="{6FF8C488-FD23-46D1-ADF1-F98B5769D85D}" srcOrd="0" destOrd="1" presId="urn:microsoft.com/office/officeart/2005/8/layout/hList1"/>
+    <dgm:cxn modelId="{CA270096-4AC2-428C-949C-34927EA66716}" type="presOf" srcId="{257AE8E4-5CC9-4FB8-BA31-FC354BFDB3E2}" destId="{D4FDA7C5-1843-48FA-9923-3145FE8288D9}" srcOrd="0" destOrd="0" presId="urn:microsoft.com/office/officeart/2005/8/layout/hList1"/>
+    <dgm:cxn modelId="{B98ECF92-E570-405F-A2FA-4DCF55A6A0A2}" type="presOf" srcId="{5562A974-51A5-46C9-94D3-9A4062A388CA}" destId="{9B0FCB7D-5D4E-4839-820E-0E02361D78CA}" srcOrd="0" destOrd="0" presId="urn:microsoft.com/office/officeart/2005/8/layout/hList1"/>
+    <dgm:cxn modelId="{B5487B36-0B9C-4478-915D-73E881E19D34}" type="presOf" srcId="{030F420A-1760-4254-954A-EC0054E304BB}" destId="{8AF15B95-F2D6-48E9-919A-F575A28D189B}" srcOrd="0" destOrd="2" presId="urn:microsoft.com/office/officeart/2005/8/layout/hList1"/>
     <dgm:cxn modelId="{DA5B220B-E555-44A6-B4DC-A6FA0C1800FA}" srcId="{58DC9234-F034-45B5-B096-B3EE0CC9568F}" destId="{96527E31-0A12-4328-8056-53DFD517B4A9}" srcOrd="1" destOrd="0" parTransId="{F2F4DA3A-D718-4112-AF41-F194F63AEB20}" sibTransId="{FC88A323-6578-4B3F-AC2B-BBB0A0DF6A11}"/>
     <dgm:cxn modelId="{FF39B6BC-4C25-4E88-9F9B-28C5351DE830}" srcId="{257AE8E4-5CC9-4FB8-BA31-FC354BFDB3E2}" destId="{58DC9234-F034-45B5-B096-B3EE0CC9568F}" srcOrd="0" destOrd="0" parTransId="{FEF172D1-3C48-426F-986C-FEF75D97D0FF}" sibTransId="{58E50F60-82D9-4FCF-8604-42A8B50400AD}"/>
     <dgm:cxn modelId="{AD028325-5211-49F8-8FEC-70824ED1A081}" type="presOf" srcId="{96527E31-0A12-4328-8056-53DFD517B4A9}" destId="{8AF15B95-F2D6-48E9-919A-F575A28D189B}" srcOrd="0" destOrd="1" presId="urn:microsoft.com/office/officeart/2005/8/layout/hList1"/>
-    <dgm:cxn modelId="{CDD09D61-BA7A-441D-90DA-3A7BFEDE95DF}" type="presOf" srcId="{58DC9234-F034-45B5-B096-B3EE0CC9568F}" destId="{5F804026-3208-4A85-B8A1-743E6F36C293}" srcOrd="0" destOrd="0" presId="urn:microsoft.com/office/officeart/2005/8/layout/hList1"/>
-    <dgm:cxn modelId="{CA270096-4AC2-428C-949C-34927EA66716}" type="presOf" srcId="{257AE8E4-5CC9-4FB8-BA31-FC354BFDB3E2}" destId="{D4FDA7C5-1843-48FA-9923-3145FE8288D9}" srcOrd="0" destOrd="0" presId="urn:microsoft.com/office/officeart/2005/8/layout/hList1"/>
     <dgm:cxn modelId="{3EC74631-55C5-4986-AA74-22DDC3F8340E}" srcId="{58DC9234-F034-45B5-B096-B3EE0CC9568F}" destId="{391343C1-AA39-41F2-90B6-1078BBFEC53C}" srcOrd="0" destOrd="0" parTransId="{29DB25EB-20F7-4E14-A699-EEBA2536D564}" sibTransId="{3790F208-7873-49B6-B96C-339A1CC4011D}"/>
-    <dgm:cxn modelId="{A70CB2B8-0B5C-4BA1-958F-13AE885F7C40}" type="presOf" srcId="{391343C1-AA39-41F2-90B6-1078BBFEC53C}" destId="{8AF15B95-F2D6-48E9-919A-F575A28D189B}" srcOrd="0" destOrd="0" presId="urn:microsoft.com/office/officeart/2005/8/layout/hList1"/>
+    <dgm:cxn modelId="{6FFA3829-AAAF-41CD-98A2-6FB5807BF159}" type="presOf" srcId="{65FE01B3-94D8-4A6F-A914-FAB84A1715A8}" destId="{6FF8C488-FD23-46D1-ADF1-F98B5769D85D}" srcOrd="0" destOrd="0" presId="urn:microsoft.com/office/officeart/2005/8/layout/hList1"/>
     <dgm:cxn modelId="{9767283A-71DF-426B-A224-8780A6D7CA17}" type="presParOf" srcId="{D4FDA7C5-1843-48FA-9923-3145FE8288D9}" destId="{5D6EFC2C-EE09-432C-B963-6CB104306F48}" srcOrd="0" destOrd="0" presId="urn:microsoft.com/office/officeart/2005/8/layout/hList1"/>
     <dgm:cxn modelId="{8417F338-0804-4979-8198-7E9CF7EB6A34}" type="presParOf" srcId="{5D6EFC2C-EE09-432C-B963-6CB104306F48}" destId="{5F804026-3208-4A85-B8A1-743E6F36C293}" srcOrd="0" destOrd="0" presId="urn:microsoft.com/office/officeart/2005/8/layout/hList1"/>
     <dgm:cxn modelId="{113044EF-47CA-49ED-8F74-60E7238C23A7}" type="presParOf" srcId="{5D6EFC2C-EE09-432C-B963-6CB104306F48}" destId="{8AF15B95-F2D6-48E9-919A-F575A28D189B}" srcOrd="1" destOrd="0" presId="urn:microsoft.com/office/officeart/2005/8/layout/hList1"/>
@@ -9098,7 +9437,6 @@
             <a:rPr lang="en-US" dirty="0" smtClean="0"/>
             <a:t>Box Plot</a:t>
           </a:r>
-          <a:endParaRPr lang="en-US" dirty="0" smtClean="0"/>
         </a:p>
       </dgm:t>
     </dgm:pt>
@@ -9135,7 +9473,6 @@
             <a:rPr lang="en-US" dirty="0" smtClean="0"/>
             <a:t>FD Lollipop</a:t>
           </a:r>
-          <a:endParaRPr lang="en-US" dirty="0" smtClean="0"/>
         </a:p>
       </dgm:t>
     </dgm:pt>
@@ -9172,7 +9509,6 @@
             <a:rPr lang="en-US" dirty="0" smtClean="0"/>
             <a:t>FD with Bins</a:t>
           </a:r>
-          <a:endParaRPr lang="en-US" dirty="0" smtClean="0"/>
         </a:p>
       </dgm:t>
     </dgm:pt>
@@ -9209,7 +9545,6 @@
             <a:rPr lang="en-US" dirty="0" smtClean="0"/>
             <a:t>Color spectrum</a:t>
           </a:r>
-          <a:endParaRPr lang="en-US" dirty="0" smtClean="0"/>
         </a:p>
       </dgm:t>
     </dgm:pt>
@@ -9246,7 +9581,6 @@
             <a:rPr lang="en-US" dirty="0" smtClean="0"/>
             <a:t>Scatter plot with outliers</a:t>
           </a:r>
-          <a:endParaRPr lang="en-US" dirty="0" smtClean="0"/>
         </a:p>
       </dgm:t>
     </dgm:pt>
@@ -9283,7 +9617,6 @@
             <a:rPr lang="en-US" dirty="0" smtClean="0"/>
             <a:t>Date</a:t>
           </a:r>
-          <a:endParaRPr lang="en-US" dirty="0" smtClean="0"/>
         </a:p>
       </dgm:t>
     </dgm:pt>
@@ -9320,7 +9653,6 @@
             <a:rPr lang="en-US" dirty="0" smtClean="0"/>
             <a:t>FD Time Series Line chart</a:t>
           </a:r>
-          <a:endParaRPr lang="en-US" dirty="0" smtClean="0"/>
         </a:p>
       </dgm:t>
     </dgm:pt>
@@ -9357,7 +9689,6 @@
             <a:rPr lang="en-US" dirty="0" smtClean="0"/>
             <a:t>Text</a:t>
           </a:r>
-          <a:endParaRPr lang="en-US" dirty="0" smtClean="0"/>
         </a:p>
       </dgm:t>
     </dgm:pt>
@@ -9394,7 +9725,6 @@
             <a:rPr lang="en-US" dirty="0" smtClean="0"/>
             <a:t>FD Lollipop</a:t>
           </a:r>
-          <a:endParaRPr lang="en-US" dirty="0" smtClean="0"/>
         </a:p>
       </dgm:t>
     </dgm:pt>
@@ -9431,7 +9761,6 @@
             <a:rPr lang="en-US" dirty="0" smtClean="0"/>
             <a:t>Color spectrum</a:t>
           </a:r>
-          <a:endParaRPr lang="en-US" dirty="0" smtClean="0"/>
         </a:p>
       </dgm:t>
     </dgm:pt>
@@ -9468,7 +9797,6 @@
             <a:rPr lang="en-US" dirty="0" smtClean="0"/>
             <a:t>Word/Char count color spectrum</a:t>
           </a:r>
-          <a:endParaRPr lang="en-US" dirty="0" smtClean="0"/>
         </a:p>
       </dgm:t>
     </dgm:pt>
@@ -9536,6 +9864,13 @@
         </dgm:presLayoutVars>
       </dgm:prSet>
       <dgm:spPr/>
+      <dgm:t>
+        <a:bodyPr/>
+        <a:lstStyle/>
+        <a:p>
+          <a:endParaRPr lang="en-US"/>
+        </a:p>
+      </dgm:t>
     </dgm:pt>
     <dgm:pt modelId="{2A2F6B24-766F-4F8A-9AF9-A87583C7C2DA}" type="pres">
       <dgm:prSet presAssocID="{CDC65E15-49F5-4324-A122-2E3B8E9336A6}" presName="composite" presStyleCnt="0"/>
@@ -9550,6 +9885,13 @@
         </dgm:presLayoutVars>
       </dgm:prSet>
       <dgm:spPr/>
+      <dgm:t>
+        <a:bodyPr/>
+        <a:lstStyle/>
+        <a:p>
+          <a:endParaRPr lang="en-US"/>
+        </a:p>
+      </dgm:t>
     </dgm:pt>
     <dgm:pt modelId="{D2A9C8EA-4412-4EDB-99D6-804C7F6F6BD7}" type="pres">
       <dgm:prSet presAssocID="{CDC65E15-49F5-4324-A122-2E3B8E9336A6}" presName="desTx" presStyleLbl="alignAccFollowNode1" presStyleIdx="0" presStyleCnt="3">
@@ -9558,6 +9900,13 @@
         </dgm:presLayoutVars>
       </dgm:prSet>
       <dgm:spPr/>
+      <dgm:t>
+        <a:bodyPr/>
+        <a:lstStyle/>
+        <a:p>
+          <a:endParaRPr lang="en-US"/>
+        </a:p>
+      </dgm:t>
     </dgm:pt>
     <dgm:pt modelId="{605547CA-F826-4C49-9828-275FF15AA21D}" type="pres">
       <dgm:prSet presAssocID="{6638C06F-925A-45CB-83C2-B5157DF0AE00}" presName="space" presStyleCnt="0"/>
@@ -9576,6 +9925,13 @@
         </dgm:presLayoutVars>
       </dgm:prSet>
       <dgm:spPr/>
+      <dgm:t>
+        <a:bodyPr/>
+        <a:lstStyle/>
+        <a:p>
+          <a:endParaRPr lang="en-US"/>
+        </a:p>
+      </dgm:t>
     </dgm:pt>
     <dgm:pt modelId="{9648F12B-696C-4EBA-9A67-A736A4C6EC22}" type="pres">
       <dgm:prSet presAssocID="{8B202EB8-3B4D-4FC0-88F8-CC3A08AD1EB9}" presName="desTx" presStyleLbl="alignAccFollowNode1" presStyleIdx="1" presStyleCnt="3">
@@ -9584,6 +9940,13 @@
         </dgm:presLayoutVars>
       </dgm:prSet>
       <dgm:spPr/>
+      <dgm:t>
+        <a:bodyPr/>
+        <a:lstStyle/>
+        <a:p>
+          <a:endParaRPr lang="en-US"/>
+        </a:p>
+      </dgm:t>
     </dgm:pt>
     <dgm:pt modelId="{174EC3F4-B844-4525-AE7E-79B7C5CCAE04}" type="pres">
       <dgm:prSet presAssocID="{55FB0CE0-1A57-4901-B572-E5DED45125FF}" presName="space" presStyleCnt="0"/>
@@ -9602,6 +9965,13 @@
         </dgm:presLayoutVars>
       </dgm:prSet>
       <dgm:spPr/>
+      <dgm:t>
+        <a:bodyPr/>
+        <a:lstStyle/>
+        <a:p>
+          <a:endParaRPr lang="en-US"/>
+        </a:p>
+      </dgm:t>
     </dgm:pt>
     <dgm:pt modelId="{C2990001-6E32-48CF-AEDC-560DFB2DCC71}" type="pres">
       <dgm:prSet presAssocID="{81A2C54C-EA61-43EA-98D3-74496C24C518}" presName="desTx" presStyleLbl="alignAccFollowNode1" presStyleIdx="2" presStyleCnt="3">
@@ -9610,36 +9980,43 @@
         </dgm:presLayoutVars>
       </dgm:prSet>
       <dgm:spPr/>
+      <dgm:t>
+        <a:bodyPr/>
+        <a:lstStyle/>
+        <a:p>
+          <a:endParaRPr lang="en-US"/>
+        </a:p>
+      </dgm:t>
     </dgm:pt>
   </dgm:ptLst>
   <dgm:cxnLst>
-    <dgm:cxn modelId="{9C4E793A-349B-4E74-86FC-E78D51C2EFF2}" type="presOf" srcId="{E14EAB6F-F625-4721-9E19-6130E1338BF1}" destId="{D2A9C8EA-4412-4EDB-99D6-804C7F6F6BD7}" srcOrd="0" destOrd="4" presId="urn:microsoft.com/office/officeart/2005/8/layout/hList1"/>
+    <dgm:cxn modelId="{F76F50E6-27A8-4B29-B742-ECD90C2F5CDF}" srcId="{CDC65E15-49F5-4324-A122-2E3B8E9336A6}" destId="{3182C65F-2176-4AF7-8C9C-A2C0B2A95638}" srcOrd="2" destOrd="0" parTransId="{DB86E4A1-EAE8-4578-84E4-79C27588945C}" sibTransId="{56094A21-0334-4FD8-BEC3-4F44D38D7646}"/>
     <dgm:cxn modelId="{2314AAEF-754E-402B-9F14-6F2E1C058114}" type="presOf" srcId="{29C4CC40-A91A-4116-BB95-ADA45EA3F7CE}" destId="{D2A9C8EA-4412-4EDB-99D6-804C7F6F6BD7}" srcOrd="0" destOrd="0" presId="urn:microsoft.com/office/officeart/2005/8/layout/hList1"/>
-    <dgm:cxn modelId="{64231783-2354-426C-905B-DD58FE16C4B1}" srcId="{CDC65E15-49F5-4324-A122-2E3B8E9336A6}" destId="{321CC0CA-9E0F-47BB-9905-9BB4A0BF7939}" srcOrd="1" destOrd="0" parTransId="{E552877A-D8A2-4A51-B722-C7958D9602B9}" sibTransId="{80D6A799-271D-4DBC-9FC8-B6705316CBAD}"/>
-    <dgm:cxn modelId="{D6B267D4-8A6B-4EC0-A12B-1E64FFED78AA}" srcId="{DCFF8196-AF79-49B7-93B3-4E8303FE0A72}" destId="{81A2C54C-EA61-43EA-98D3-74496C24C518}" srcOrd="2" destOrd="0" parTransId="{BCC52A67-37CB-48BF-B68A-82B20AF0C253}" sibTransId="{BDC98738-0617-4488-9217-9CBB9B936564}"/>
-    <dgm:cxn modelId="{1A3EEC6E-93F7-41E9-9592-100DBFD4DB35}" type="presOf" srcId="{CDC65E15-49F5-4324-A122-2E3B8E9336A6}" destId="{B7FB2D04-4A76-4FB8-B14B-A4283CB9CEE8}" srcOrd="0" destOrd="0" presId="urn:microsoft.com/office/officeart/2005/8/layout/hList1"/>
     <dgm:cxn modelId="{904E14EB-D9FF-4BDE-9138-D40F5BD76F65}" srcId="{DCFF8196-AF79-49B7-93B3-4E8303FE0A72}" destId="{8B202EB8-3B4D-4FC0-88F8-CC3A08AD1EB9}" srcOrd="1" destOrd="0" parTransId="{43693F10-E86A-4717-B34F-699A6EFCEEAD}" sibTransId="{55FB0CE0-1A57-4901-B572-E5DED45125FF}"/>
-    <dgm:cxn modelId="{41E57F13-AB12-4B41-A66C-490368FE9C02}" type="presOf" srcId="{A156FD15-4E9E-4965-8FD6-624C566EC42A}" destId="{C2990001-6E32-48CF-AEDC-560DFB2DCC71}" srcOrd="0" destOrd="3" presId="urn:microsoft.com/office/officeart/2005/8/layout/hList1"/>
-    <dgm:cxn modelId="{4EC56476-3293-40BB-A6A6-F6C7334F997A}" type="presOf" srcId="{31A3AA1B-406D-44B3-B91C-BDD7F681BB22}" destId="{D2A9C8EA-4412-4EDB-99D6-804C7F6F6BD7}" srcOrd="0" destOrd="3" presId="urn:microsoft.com/office/officeart/2005/8/layout/hList1"/>
-    <dgm:cxn modelId="{BDAC9039-C6F6-4008-B7ED-06FB40B30EC0}" srcId="{DCFF8196-AF79-49B7-93B3-4E8303FE0A72}" destId="{CDC65E15-49F5-4324-A122-2E3B8E9336A6}" srcOrd="0" destOrd="0" parTransId="{B505166D-1F52-4E22-89D2-49D1C6BEFC92}" sibTransId="{6638C06F-925A-45CB-83C2-B5157DF0AE00}"/>
-    <dgm:cxn modelId="{101FF3F7-C847-43F6-A511-B7595C0BC579}" srcId="{81A2C54C-EA61-43EA-98D3-74496C24C518}" destId="{80265639-2EF2-47A2-9945-070775703705}" srcOrd="0" destOrd="0" parTransId="{D76A49C3-2C70-404A-B99E-3CE3BF0C891B}" sibTransId="{489AA9AA-538E-40F3-B7ED-73E782060D11}"/>
-    <dgm:cxn modelId="{267621A9-E683-40B2-AD39-26CC820BF834}" type="presOf" srcId="{321CC0CA-9E0F-47BB-9905-9BB4A0BF7939}" destId="{D2A9C8EA-4412-4EDB-99D6-804C7F6F6BD7}" srcOrd="0" destOrd="1" presId="urn:microsoft.com/office/officeart/2005/8/layout/hList1"/>
+    <dgm:cxn modelId="{5AD35D6F-AE33-479F-AD86-0D831BE333C4}" srcId="{CDC65E15-49F5-4324-A122-2E3B8E9336A6}" destId="{E14EAB6F-F625-4721-9E19-6130E1338BF1}" srcOrd="4" destOrd="0" parTransId="{8499AE98-3733-4296-852E-15998B64276E}" sibTransId="{6E524F80-C0C0-4BF4-902E-452C47A0947A}"/>
     <dgm:cxn modelId="{CEEED894-A523-401F-9AF3-68F0B243AD9E}" srcId="{81A2C54C-EA61-43EA-98D3-74496C24C518}" destId="{1E03C1FF-C86F-4C83-93F2-E1CEF84ED5DB}" srcOrd="1" destOrd="0" parTransId="{FD855DA9-EF0C-4AFF-AE70-670713113D85}" sibTransId="{9FE51C04-B46B-4CF1-A194-24C598E42397}"/>
-    <dgm:cxn modelId="{132CA8C5-4F9D-4587-A3F1-FD976CE2F3B9}" type="presOf" srcId="{3182C65F-2176-4AF7-8C9C-A2C0B2A95638}" destId="{D2A9C8EA-4412-4EDB-99D6-804C7F6F6BD7}" srcOrd="0" destOrd="2" presId="urn:microsoft.com/office/officeart/2005/8/layout/hList1"/>
-    <dgm:cxn modelId="{8F02F4ED-8D6F-485A-A984-3A5059DE2116}" type="presOf" srcId="{1C588465-F42F-4479-9714-973A24AF7FCF}" destId="{C2990001-6E32-48CF-AEDC-560DFB2DCC71}" srcOrd="0" destOrd="2" presId="urn:microsoft.com/office/officeart/2005/8/layout/hList1"/>
-    <dgm:cxn modelId="{F76F50E6-27A8-4B29-B742-ECD90C2F5CDF}" srcId="{CDC65E15-49F5-4324-A122-2E3B8E9336A6}" destId="{3182C65F-2176-4AF7-8C9C-A2C0B2A95638}" srcOrd="2" destOrd="0" parTransId="{DB86E4A1-EAE8-4578-84E4-79C27588945C}" sibTransId="{56094A21-0334-4FD8-BEC3-4F44D38D7646}"/>
-    <dgm:cxn modelId="{784AEA5A-1586-4670-8304-F0DC80A05966}" srcId="{81A2C54C-EA61-43EA-98D3-74496C24C518}" destId="{1C588465-F42F-4479-9714-973A24AF7FCF}" srcOrd="2" destOrd="0" parTransId="{50AA02ED-F29C-4626-A137-139DF07D2913}" sibTransId="{383C7D49-F2D1-47D6-BDFE-BF6B4BC58EF1}"/>
-    <dgm:cxn modelId="{A9E3AB29-06B9-46C5-A5E3-17D6B3CE64FD}" srcId="{81A2C54C-EA61-43EA-98D3-74496C24C518}" destId="{A156FD15-4E9E-4965-8FD6-624C566EC42A}" srcOrd="3" destOrd="0" parTransId="{205E2CCC-D2F7-465E-9083-0079860AFDA7}" sibTransId="{40B74304-6FD0-4CE0-B5D5-22DD5D2B5BC5}"/>
     <dgm:cxn modelId="{3EB003C4-2FA6-4197-9896-E672BAC915F2}" type="presOf" srcId="{80265639-2EF2-47A2-9945-070775703705}" destId="{C2990001-6E32-48CF-AEDC-560DFB2DCC71}" srcOrd="0" destOrd="0" presId="urn:microsoft.com/office/officeart/2005/8/layout/hList1"/>
     <dgm:cxn modelId="{84A5A7B6-7B37-460D-BFC9-7EDAB85CCD09}" srcId="{CDC65E15-49F5-4324-A122-2E3B8E9336A6}" destId="{31A3AA1B-406D-44B3-B91C-BDD7F681BB22}" srcOrd="3" destOrd="0" parTransId="{E4E0FED6-B712-41B6-9814-C5F49DA1A27D}" sibTransId="{EDEF30D2-DC6F-46C0-8031-E5DF8599E262}"/>
-    <dgm:cxn modelId="{5AD35D6F-AE33-479F-AD86-0D831BE333C4}" srcId="{CDC65E15-49F5-4324-A122-2E3B8E9336A6}" destId="{E14EAB6F-F625-4721-9E19-6130E1338BF1}" srcOrd="4" destOrd="0" parTransId="{8499AE98-3733-4296-852E-15998B64276E}" sibTransId="{6E524F80-C0C0-4BF4-902E-452C47A0947A}"/>
-    <dgm:cxn modelId="{80CA8F70-6C62-4006-9380-492481B471A9}" type="presOf" srcId="{1E03C1FF-C86F-4C83-93F2-E1CEF84ED5DB}" destId="{C2990001-6E32-48CF-AEDC-560DFB2DCC71}" srcOrd="0" destOrd="1" presId="urn:microsoft.com/office/officeart/2005/8/layout/hList1"/>
+    <dgm:cxn modelId="{267621A9-E683-40B2-AD39-26CC820BF834}" type="presOf" srcId="{321CC0CA-9E0F-47BB-9905-9BB4A0BF7939}" destId="{D2A9C8EA-4412-4EDB-99D6-804C7F6F6BD7}" srcOrd="0" destOrd="1" presId="urn:microsoft.com/office/officeart/2005/8/layout/hList1"/>
+    <dgm:cxn modelId="{132CA8C5-4F9D-4587-A3F1-FD976CE2F3B9}" type="presOf" srcId="{3182C65F-2176-4AF7-8C9C-A2C0B2A95638}" destId="{D2A9C8EA-4412-4EDB-99D6-804C7F6F6BD7}" srcOrd="0" destOrd="2" presId="urn:microsoft.com/office/officeart/2005/8/layout/hList1"/>
+    <dgm:cxn modelId="{101FF3F7-C847-43F6-A511-B7595C0BC579}" srcId="{81A2C54C-EA61-43EA-98D3-74496C24C518}" destId="{80265639-2EF2-47A2-9945-070775703705}" srcOrd="0" destOrd="0" parTransId="{D76A49C3-2C70-404A-B99E-3CE3BF0C891B}" sibTransId="{489AA9AA-538E-40F3-B7ED-73E782060D11}"/>
+    <dgm:cxn modelId="{1CE0BC3F-4448-4A7D-9E3F-196CEA9E2E14}" type="presOf" srcId="{DCFF8196-AF79-49B7-93B3-4E8303FE0A72}" destId="{A0772696-32FC-473F-AD55-01749DDF3348}" srcOrd="0" destOrd="0" presId="urn:microsoft.com/office/officeart/2005/8/layout/hList1"/>
+    <dgm:cxn modelId="{FF5BC56C-7717-4EF9-B200-81BA294A1A71}" type="presOf" srcId="{51D5DC61-4827-4642-B72D-6C75809C0C7C}" destId="{9648F12B-696C-4EBA-9A67-A736A4C6EC22}" srcOrd="0" destOrd="0" presId="urn:microsoft.com/office/officeart/2005/8/layout/hList1"/>
+    <dgm:cxn modelId="{BDAC9039-C6F6-4008-B7ED-06FB40B30EC0}" srcId="{DCFF8196-AF79-49B7-93B3-4E8303FE0A72}" destId="{CDC65E15-49F5-4324-A122-2E3B8E9336A6}" srcOrd="0" destOrd="0" parTransId="{B505166D-1F52-4E22-89D2-49D1C6BEFC92}" sibTransId="{6638C06F-925A-45CB-83C2-B5157DF0AE00}"/>
+    <dgm:cxn modelId="{60B8CC75-67B2-4975-AC10-2D14720A71AD}" type="presOf" srcId="{8B202EB8-3B4D-4FC0-88F8-CC3A08AD1EB9}" destId="{40FD4F7D-CB9D-4344-9D0C-A9AB05C2A10B}" srcOrd="0" destOrd="0" presId="urn:microsoft.com/office/officeart/2005/8/layout/hList1"/>
+    <dgm:cxn modelId="{1A3EEC6E-93F7-41E9-9592-100DBFD4DB35}" type="presOf" srcId="{CDC65E15-49F5-4324-A122-2E3B8E9336A6}" destId="{B7FB2D04-4A76-4FB8-B14B-A4283CB9CEE8}" srcOrd="0" destOrd="0" presId="urn:microsoft.com/office/officeart/2005/8/layout/hList1"/>
     <dgm:cxn modelId="{F4065C9C-B706-441C-A466-8AFC9EC482A0}" type="presOf" srcId="{81A2C54C-EA61-43EA-98D3-74496C24C518}" destId="{D0F9E16D-804B-4484-8E5C-D8D8C50F5AAE}" srcOrd="0" destOrd="0" presId="urn:microsoft.com/office/officeart/2005/8/layout/hList1"/>
     <dgm:cxn modelId="{61DDCCC5-923B-465F-8102-20CEAAD147AB}" srcId="{8B202EB8-3B4D-4FC0-88F8-CC3A08AD1EB9}" destId="{51D5DC61-4827-4642-B72D-6C75809C0C7C}" srcOrd="0" destOrd="0" parTransId="{5BCB13FE-C287-427E-A996-716FB6DBDAD0}" sibTransId="{EFA68075-4F2F-457E-8610-4591FD178E4C}"/>
-    <dgm:cxn modelId="{60B8CC75-67B2-4975-AC10-2D14720A71AD}" type="presOf" srcId="{8B202EB8-3B4D-4FC0-88F8-CC3A08AD1EB9}" destId="{40FD4F7D-CB9D-4344-9D0C-A9AB05C2A10B}" srcOrd="0" destOrd="0" presId="urn:microsoft.com/office/officeart/2005/8/layout/hList1"/>
-    <dgm:cxn modelId="{FF5BC56C-7717-4EF9-B200-81BA294A1A71}" type="presOf" srcId="{51D5DC61-4827-4642-B72D-6C75809C0C7C}" destId="{9648F12B-696C-4EBA-9A67-A736A4C6EC22}" srcOrd="0" destOrd="0" presId="urn:microsoft.com/office/officeart/2005/8/layout/hList1"/>
+    <dgm:cxn modelId="{64231783-2354-426C-905B-DD58FE16C4B1}" srcId="{CDC65E15-49F5-4324-A122-2E3B8E9336A6}" destId="{321CC0CA-9E0F-47BB-9905-9BB4A0BF7939}" srcOrd="1" destOrd="0" parTransId="{E552877A-D8A2-4A51-B722-C7958D9602B9}" sibTransId="{80D6A799-271D-4DBC-9FC8-B6705316CBAD}"/>
+    <dgm:cxn modelId="{A9E3AB29-06B9-46C5-A5E3-17D6B3CE64FD}" srcId="{81A2C54C-EA61-43EA-98D3-74496C24C518}" destId="{A156FD15-4E9E-4965-8FD6-624C566EC42A}" srcOrd="3" destOrd="0" parTransId="{205E2CCC-D2F7-465E-9083-0079860AFDA7}" sibTransId="{40B74304-6FD0-4CE0-B5D5-22DD5D2B5BC5}"/>
+    <dgm:cxn modelId="{41E57F13-AB12-4B41-A66C-490368FE9C02}" type="presOf" srcId="{A156FD15-4E9E-4965-8FD6-624C566EC42A}" destId="{C2990001-6E32-48CF-AEDC-560DFB2DCC71}" srcOrd="0" destOrd="3" presId="urn:microsoft.com/office/officeart/2005/8/layout/hList1"/>
+    <dgm:cxn modelId="{8F02F4ED-8D6F-485A-A984-3A5059DE2116}" type="presOf" srcId="{1C588465-F42F-4479-9714-973A24AF7FCF}" destId="{C2990001-6E32-48CF-AEDC-560DFB2DCC71}" srcOrd="0" destOrd="2" presId="urn:microsoft.com/office/officeart/2005/8/layout/hList1"/>
+    <dgm:cxn modelId="{784AEA5A-1586-4670-8304-F0DC80A05966}" srcId="{81A2C54C-EA61-43EA-98D3-74496C24C518}" destId="{1C588465-F42F-4479-9714-973A24AF7FCF}" srcOrd="2" destOrd="0" parTransId="{50AA02ED-F29C-4626-A137-139DF07D2913}" sibTransId="{383C7D49-F2D1-47D6-BDFE-BF6B4BC58EF1}"/>
+    <dgm:cxn modelId="{D6B267D4-8A6B-4EC0-A12B-1E64FFED78AA}" srcId="{DCFF8196-AF79-49B7-93B3-4E8303FE0A72}" destId="{81A2C54C-EA61-43EA-98D3-74496C24C518}" srcOrd="2" destOrd="0" parTransId="{BCC52A67-37CB-48BF-B68A-82B20AF0C253}" sibTransId="{BDC98738-0617-4488-9217-9CBB9B936564}"/>
+    <dgm:cxn modelId="{4EC56476-3293-40BB-A6A6-F6C7334F997A}" type="presOf" srcId="{31A3AA1B-406D-44B3-B91C-BDD7F681BB22}" destId="{D2A9C8EA-4412-4EDB-99D6-804C7F6F6BD7}" srcOrd="0" destOrd="3" presId="urn:microsoft.com/office/officeart/2005/8/layout/hList1"/>
+    <dgm:cxn modelId="{80CA8F70-6C62-4006-9380-492481B471A9}" type="presOf" srcId="{1E03C1FF-C86F-4C83-93F2-E1CEF84ED5DB}" destId="{C2990001-6E32-48CF-AEDC-560DFB2DCC71}" srcOrd="0" destOrd="1" presId="urn:microsoft.com/office/officeart/2005/8/layout/hList1"/>
     <dgm:cxn modelId="{1298428A-18D7-4FF7-B8F7-A255F7670BA0}" srcId="{CDC65E15-49F5-4324-A122-2E3B8E9336A6}" destId="{29C4CC40-A91A-4116-BB95-ADA45EA3F7CE}" srcOrd="0" destOrd="0" parTransId="{06AB297F-9D7F-4F4A-90A4-E494C1EE1E28}" sibTransId="{1B5DE647-7B5A-4FD7-9031-0A4F5EAFEB91}"/>
-    <dgm:cxn modelId="{1CE0BC3F-4448-4A7D-9E3F-196CEA9E2E14}" type="presOf" srcId="{DCFF8196-AF79-49B7-93B3-4E8303FE0A72}" destId="{A0772696-32FC-473F-AD55-01749DDF3348}" srcOrd="0" destOrd="0" presId="urn:microsoft.com/office/officeart/2005/8/layout/hList1"/>
+    <dgm:cxn modelId="{9C4E793A-349B-4E74-86FC-E78D51C2EFF2}" type="presOf" srcId="{E14EAB6F-F625-4721-9E19-6130E1338BF1}" destId="{D2A9C8EA-4412-4EDB-99D6-804C7F6F6BD7}" srcOrd="0" destOrd="4" presId="urn:microsoft.com/office/officeart/2005/8/layout/hList1"/>
     <dgm:cxn modelId="{72592092-FDBD-4B0D-8521-15F0A3184DEA}" type="presParOf" srcId="{A0772696-32FC-473F-AD55-01749DDF3348}" destId="{2A2F6B24-766F-4F8A-9AF9-A87583C7C2DA}" srcOrd="0" destOrd="0" presId="urn:microsoft.com/office/officeart/2005/8/layout/hList1"/>
     <dgm:cxn modelId="{B8887929-9844-457B-98C6-4FBFE18799A7}" type="presParOf" srcId="{2A2F6B24-766F-4F8A-9AF9-A87583C7C2DA}" destId="{B7FB2D04-4A76-4FB8-B14B-A4283CB9CEE8}" srcOrd="0" destOrd="0" presId="urn:microsoft.com/office/officeart/2005/8/layout/hList1"/>
     <dgm:cxn modelId="{54949D0B-8529-4C94-945F-7F293DE840B5}" type="presParOf" srcId="{2A2F6B24-766F-4F8A-9AF9-A87583C7C2DA}" destId="{D2A9C8EA-4412-4EDB-99D6-804C7F6F6BD7}" srcOrd="1" destOrd="0" presId="urn:microsoft.com/office/officeart/2005/8/layout/hList1"/>
@@ -9677,7 +10054,7 @@
       </dgm:t>
     </dgm:pt>
     <dgm:pt modelId="{FE5064EC-5E54-4AA7-8486-FEC72AD3769B}">
-      <dgm:prSet phldrT="[Text]"/>
+      <dgm:prSet phldrT="[Text]" custT="1"/>
       <dgm:spPr>
         <a:solidFill>
           <a:schemeClr val="accent2">
@@ -9695,7 +10072,7 @@
         <a:lstStyle/>
         <a:p>
           <a:r>
-            <a:rPr lang="en-US" dirty="0" smtClean="0">
+            <a:rPr lang="en-US" sz="2400" dirty="0" smtClean="0">
               <a:solidFill>
                 <a:schemeClr val="accent4">
                   <a:lumMod val="20000"/>
@@ -9705,7 +10082,7 @@
             </a:rPr>
             <a:t>Missing values</a:t>
           </a:r>
-          <a:endParaRPr lang="en-US" dirty="0">
+          <a:endParaRPr lang="en-US" sz="2400" dirty="0">
             <a:solidFill>
               <a:schemeClr val="accent4">
                 <a:lumMod val="20000"/>
@@ -9723,7 +10100,7 @@
         <a:bodyPr/>
         <a:lstStyle/>
         <a:p>
-          <a:endParaRPr lang="en-US">
+          <a:endParaRPr lang="en-US" sz="2000">
             <a:solidFill>
               <a:schemeClr val="accent4">
                 <a:lumMod val="20000"/>
@@ -9741,7 +10118,7 @@
         <a:bodyPr/>
         <a:lstStyle/>
         <a:p>
-          <a:endParaRPr lang="en-US">
+          <a:endParaRPr lang="en-US" sz="2000">
             <a:solidFill>
               <a:schemeClr val="accent4">
                 <a:lumMod val="20000"/>
@@ -9753,7 +10130,7 @@
       </dgm:t>
     </dgm:pt>
     <dgm:pt modelId="{1A601496-00BD-4A74-9595-96A4B99E98DC}">
-      <dgm:prSet/>
+      <dgm:prSet custT="1"/>
       <dgm:spPr>
         <a:solidFill>
           <a:schemeClr val="accent2">
@@ -9771,7 +10148,7 @@
         <a:lstStyle/>
         <a:p>
           <a:r>
-            <a:rPr lang="en-US" dirty="0" smtClean="0">
+            <a:rPr lang="en-US" sz="2400" dirty="0" smtClean="0">
               <a:solidFill>
                 <a:schemeClr val="accent4">
                   <a:lumMod val="20000"/>
@@ -9781,14 +10158,6 @@
             </a:rPr>
             <a:t>Boolean values</a:t>
           </a:r>
-          <a:endParaRPr lang="en-US" dirty="0" smtClean="0">
-            <a:solidFill>
-              <a:schemeClr val="accent4">
-                <a:lumMod val="20000"/>
-                <a:lumOff val="80000"/>
-              </a:schemeClr>
-            </a:solidFill>
-          </a:endParaRPr>
         </a:p>
       </dgm:t>
     </dgm:pt>
@@ -9799,7 +10168,7 @@
         <a:bodyPr/>
         <a:lstStyle/>
         <a:p>
-          <a:endParaRPr lang="en-US">
+          <a:endParaRPr lang="en-US" sz="2000">
             <a:solidFill>
               <a:schemeClr val="accent4">
                 <a:lumMod val="20000"/>
@@ -9817,7 +10186,7 @@
         <a:bodyPr/>
         <a:lstStyle/>
         <a:p>
-          <a:endParaRPr lang="en-US">
+          <a:endParaRPr lang="en-US" sz="2000">
             <a:solidFill>
               <a:schemeClr val="accent4">
                 <a:lumMod val="20000"/>
@@ -9829,7 +10198,7 @@
       </dgm:t>
     </dgm:pt>
     <dgm:pt modelId="{765B4942-2B41-4073-BCEB-443D4C8F84A1}">
-      <dgm:prSet/>
+      <dgm:prSet custT="1"/>
       <dgm:spPr>
         <a:solidFill>
           <a:schemeClr val="accent2">
@@ -9847,7 +10216,7 @@
         <a:lstStyle/>
         <a:p>
           <a:r>
-            <a:rPr lang="en-US" dirty="0" smtClean="0">
+            <a:rPr lang="en-US" sz="2400" dirty="0" smtClean="0">
               <a:solidFill>
                 <a:schemeClr val="accent4">
                   <a:lumMod val="20000"/>
@@ -9857,14 +10226,6 @@
             </a:rPr>
             <a:t>Categorical values</a:t>
           </a:r>
-          <a:endParaRPr lang="en-US" dirty="0" smtClean="0">
-            <a:solidFill>
-              <a:schemeClr val="accent4">
-                <a:lumMod val="20000"/>
-                <a:lumOff val="80000"/>
-              </a:schemeClr>
-            </a:solidFill>
-          </a:endParaRPr>
         </a:p>
       </dgm:t>
     </dgm:pt>
@@ -9875,7 +10236,7 @@
         <a:bodyPr/>
         <a:lstStyle/>
         <a:p>
-          <a:endParaRPr lang="en-US">
+          <a:endParaRPr lang="en-US" sz="2000">
             <a:solidFill>
               <a:schemeClr val="accent4">
                 <a:lumMod val="20000"/>
@@ -9893,7 +10254,7 @@
         <a:bodyPr/>
         <a:lstStyle/>
         <a:p>
-          <a:endParaRPr lang="en-US">
+          <a:endParaRPr lang="en-US" sz="2000">
             <a:solidFill>
               <a:schemeClr val="accent4">
                 <a:lumMod val="20000"/>
@@ -9905,7 +10266,7 @@
       </dgm:t>
     </dgm:pt>
     <dgm:pt modelId="{10E1E113-ABFA-4027-AE08-FA4F01C3E0EF}">
-      <dgm:prSet/>
+      <dgm:prSet custT="1"/>
       <dgm:spPr>
         <a:solidFill>
           <a:schemeClr val="accent2">
@@ -9923,7 +10284,7 @@
         <a:lstStyle/>
         <a:p>
           <a:r>
-            <a:rPr lang="en-US" dirty="0" smtClean="0">
+            <a:rPr lang="en-US" sz="2400" dirty="0" smtClean="0">
               <a:solidFill>
                 <a:schemeClr val="accent4">
                   <a:lumMod val="20000"/>
@@ -9933,14 +10294,6 @@
             </a:rPr>
             <a:t>Equal intervals</a:t>
           </a:r>
-          <a:endParaRPr lang="en-US" dirty="0" smtClean="0">
-            <a:solidFill>
-              <a:schemeClr val="accent4">
-                <a:lumMod val="20000"/>
-                <a:lumOff val="80000"/>
-              </a:schemeClr>
-            </a:solidFill>
-          </a:endParaRPr>
         </a:p>
       </dgm:t>
     </dgm:pt>
@@ -9951,7 +10304,7 @@
         <a:bodyPr/>
         <a:lstStyle/>
         <a:p>
-          <a:endParaRPr lang="en-US">
+          <a:endParaRPr lang="en-US" sz="2000">
             <a:solidFill>
               <a:schemeClr val="accent4">
                 <a:lumMod val="20000"/>
@@ -9969,7 +10322,7 @@
         <a:bodyPr/>
         <a:lstStyle/>
         <a:p>
-          <a:endParaRPr lang="en-US">
+          <a:endParaRPr lang="en-US" sz="2000">
             <a:solidFill>
               <a:schemeClr val="accent4">
                 <a:lumMod val="20000"/>
@@ -9981,7 +10334,7 @@
       </dgm:t>
     </dgm:pt>
     <dgm:pt modelId="{93CD747E-C84C-4CA9-A07A-D1D7FB7CD0D8}">
-      <dgm:prSet/>
+      <dgm:prSet custT="1"/>
       <dgm:spPr>
         <a:solidFill>
           <a:schemeClr val="accent2">
@@ -9999,7 +10352,7 @@
         <a:lstStyle/>
         <a:p>
           <a:r>
-            <a:rPr lang="en-US" dirty="0" smtClean="0">
+            <a:rPr lang="en-US" sz="2400" dirty="0" smtClean="0">
               <a:solidFill>
                 <a:schemeClr val="accent4">
                   <a:lumMod val="20000"/>
@@ -10009,7 +10362,7 @@
             </a:rPr>
             <a:t>Contiguous values</a:t>
           </a:r>
-          <a:endParaRPr lang="en-US" dirty="0">
+          <a:endParaRPr lang="en-US" sz="2400" dirty="0">
             <a:solidFill>
               <a:schemeClr val="accent4">
                 <a:lumMod val="20000"/>
@@ -10027,7 +10380,7 @@
         <a:bodyPr/>
         <a:lstStyle/>
         <a:p>
-          <a:endParaRPr lang="en-US">
+          <a:endParaRPr lang="en-US" sz="2000">
             <a:solidFill>
               <a:schemeClr val="accent4">
                 <a:lumMod val="20000"/>
@@ -10045,7 +10398,7 @@
         <a:bodyPr/>
         <a:lstStyle/>
         <a:p>
-          <a:endParaRPr lang="en-US">
+          <a:endParaRPr lang="en-US" sz="2000">
             <a:solidFill>
               <a:schemeClr val="accent4">
                 <a:lumMod val="20000"/>
@@ -10057,7 +10410,7 @@
       </dgm:t>
     </dgm:pt>
     <dgm:pt modelId="{2F459B82-89DE-4B1F-9AEC-1EE78646C030}">
-      <dgm:prSet/>
+      <dgm:prSet custT="1"/>
       <dgm:spPr>
         <a:solidFill>
           <a:schemeClr val="accent2">
@@ -10075,7 +10428,7 @@
         <a:lstStyle/>
         <a:p>
           <a:r>
-            <a:rPr lang="en-US" dirty="0" smtClean="0">
+            <a:rPr lang="en-US" sz="2400" dirty="0" smtClean="0">
               <a:solidFill>
                 <a:schemeClr val="accent4">
                   <a:lumMod val="20000"/>
@@ -10085,14 +10438,6 @@
             </a:rPr>
             <a:t>Sorted values</a:t>
           </a:r>
-          <a:endParaRPr lang="en-US" dirty="0" smtClean="0">
-            <a:solidFill>
-              <a:schemeClr val="accent4">
-                <a:lumMod val="20000"/>
-                <a:lumOff val="80000"/>
-              </a:schemeClr>
-            </a:solidFill>
-          </a:endParaRPr>
         </a:p>
       </dgm:t>
     </dgm:pt>
@@ -10103,7 +10448,7 @@
         <a:bodyPr/>
         <a:lstStyle/>
         <a:p>
-          <a:endParaRPr lang="en-US">
+          <a:endParaRPr lang="en-US" sz="2000">
             <a:solidFill>
               <a:schemeClr val="accent4">
                 <a:lumMod val="20000"/>
@@ -10121,7 +10466,7 @@
         <a:bodyPr/>
         <a:lstStyle/>
         <a:p>
-          <a:endParaRPr lang="en-US">
+          <a:endParaRPr lang="en-US" sz="2000">
             <a:solidFill>
               <a:schemeClr val="accent4">
                 <a:lumMod val="20000"/>
@@ -10133,7 +10478,7 @@
       </dgm:t>
     </dgm:pt>
     <dgm:pt modelId="{E4441623-DA70-4AD6-B552-293A08794753}">
-      <dgm:prSet/>
+      <dgm:prSet custT="1"/>
       <dgm:spPr>
         <a:solidFill>
           <a:schemeClr val="accent2">
@@ -10151,7 +10496,7 @@
         <a:lstStyle/>
         <a:p>
           <a:r>
-            <a:rPr lang="en-US" dirty="0" smtClean="0">
+            <a:rPr lang="en-US" sz="2400" dirty="0" smtClean="0">
               <a:solidFill>
                 <a:schemeClr val="accent4">
                   <a:lumMod val="20000"/>
@@ -10161,14 +10506,6 @@
             </a:rPr>
             <a:t>Mixed values</a:t>
           </a:r>
-          <a:endParaRPr lang="en-US" dirty="0" smtClean="0">
-            <a:solidFill>
-              <a:schemeClr val="accent4">
-                <a:lumMod val="20000"/>
-                <a:lumOff val="80000"/>
-              </a:schemeClr>
-            </a:solidFill>
-          </a:endParaRPr>
         </a:p>
       </dgm:t>
     </dgm:pt>
@@ -10179,7 +10516,7 @@
         <a:bodyPr/>
         <a:lstStyle/>
         <a:p>
-          <a:endParaRPr lang="en-US">
+          <a:endParaRPr lang="en-US" sz="2000">
             <a:solidFill>
               <a:schemeClr val="accent4">
                 <a:lumMod val="20000"/>
@@ -10197,7 +10534,7 @@
         <a:bodyPr/>
         <a:lstStyle/>
         <a:p>
-          <a:endParaRPr lang="en-US">
+          <a:endParaRPr lang="en-US" sz="2000">
             <a:solidFill>
               <a:schemeClr val="accent4">
                 <a:lumMod val="20000"/>
@@ -10209,7 +10546,7 @@
       </dgm:t>
     </dgm:pt>
     <dgm:pt modelId="{C1B7D1A0-23E0-467A-A029-BD6DB4EB5E73}">
-      <dgm:prSet/>
+      <dgm:prSet custT="1"/>
       <dgm:spPr>
         <a:solidFill>
           <a:schemeClr val="accent2">
@@ -10227,7 +10564,7 @@
         <a:lstStyle/>
         <a:p>
           <a:r>
-            <a:rPr lang="en-US" dirty="0" smtClean="0">
+            <a:rPr lang="en-US" sz="2400" dirty="0" smtClean="0">
               <a:solidFill>
                 <a:schemeClr val="accent4">
                   <a:lumMod val="20000"/>
@@ -10237,7 +10574,7 @@
             </a:rPr>
             <a:t>Outliers</a:t>
           </a:r>
-          <a:endParaRPr lang="en-US" dirty="0">
+          <a:endParaRPr lang="en-US" sz="2400" dirty="0">
             <a:solidFill>
               <a:schemeClr val="accent4">
                 <a:lumMod val="20000"/>
@@ -10255,7 +10592,7 @@
         <a:bodyPr/>
         <a:lstStyle/>
         <a:p>
-          <a:endParaRPr lang="en-US">
+          <a:endParaRPr lang="en-US" sz="2000">
             <a:solidFill>
               <a:schemeClr val="accent4">
                 <a:lumMod val="20000"/>
@@ -10273,7 +10610,7 @@
         <a:bodyPr/>
         <a:lstStyle/>
         <a:p>
-          <a:endParaRPr lang="en-US">
+          <a:endParaRPr lang="en-US" sz="2000">
             <a:solidFill>
               <a:schemeClr val="accent4">
                 <a:lumMod val="20000"/>
@@ -10285,7 +10622,7 @@
       </dgm:t>
     </dgm:pt>
     <dgm:pt modelId="{CFEA9925-1F58-4313-B8E0-63D5F26EE7F5}">
-      <dgm:prSet/>
+      <dgm:prSet custT="1"/>
       <dgm:spPr>
         <a:solidFill>
           <a:schemeClr val="accent2">
@@ -10303,7 +10640,7 @@
         <a:lstStyle/>
         <a:p>
           <a:r>
-            <a:rPr lang="en-US" dirty="0" smtClean="0">
+            <a:rPr lang="en-US" sz="2000" dirty="0" smtClean="0">
               <a:solidFill>
                 <a:schemeClr val="accent4">
                   <a:lumMod val="20000"/>
@@ -10311,9 +10648,41 @@
                 </a:schemeClr>
               </a:solidFill>
             </a:rPr>
-            <a:t>Semantic (zip code, phone, geo)*</a:t>
+            <a:t>Semantic</a:t>
           </a:r>
-          <a:endParaRPr lang="en-US" dirty="0">
+          <a:br>
+            <a:rPr lang="en-US" sz="2000" dirty="0" smtClean="0">
+              <a:solidFill>
+                <a:schemeClr val="accent4">
+                  <a:lumMod val="20000"/>
+                  <a:lumOff val="80000"/>
+                </a:schemeClr>
+              </a:solidFill>
+            </a:rPr>
+          </a:br>
+          <a:r>
+            <a:rPr lang="en-US" sz="2000" dirty="0" smtClean="0">
+              <a:solidFill>
+                <a:schemeClr val="accent4">
+                  <a:lumMod val="20000"/>
+                  <a:lumOff val="80000"/>
+                </a:schemeClr>
+              </a:solidFill>
+            </a:rPr>
+            <a:t>(zip </a:t>
+          </a:r>
+          <a:r>
+            <a:rPr lang="en-US" sz="2000" dirty="0" smtClean="0">
+              <a:solidFill>
+                <a:schemeClr val="accent4">
+                  <a:lumMod val="20000"/>
+                  <a:lumOff val="80000"/>
+                </a:schemeClr>
+              </a:solidFill>
+            </a:rPr>
+            <a:t>code, phone, geo)*</a:t>
+          </a:r>
+          <a:endParaRPr lang="en-US" sz="2000" dirty="0">
             <a:solidFill>
               <a:schemeClr val="accent4">
                 <a:lumMod val="20000"/>
@@ -10331,7 +10700,7 @@
         <a:bodyPr/>
         <a:lstStyle/>
         <a:p>
-          <a:endParaRPr lang="en-US">
+          <a:endParaRPr lang="en-US" sz="2000">
             <a:solidFill>
               <a:schemeClr val="accent4">
                 <a:lumMod val="20000"/>
@@ -10349,7 +10718,7 @@
         <a:bodyPr/>
         <a:lstStyle/>
         <a:p>
-          <a:endParaRPr lang="en-US">
+          <a:endParaRPr lang="en-US" sz="2000">
             <a:solidFill>
               <a:schemeClr val="accent4">
                 <a:lumMod val="20000"/>
@@ -10361,7 +10730,7 @@
       </dgm:t>
     </dgm:pt>
     <dgm:pt modelId="{9889D2B9-EC54-4DAA-99A4-300215444573}">
-      <dgm:prSet/>
+      <dgm:prSet custT="1"/>
       <dgm:spPr>
         <a:solidFill>
           <a:schemeClr val="accent2">
@@ -10379,7 +10748,7 @@
         <a:lstStyle/>
         <a:p>
           <a:r>
-            <a:rPr lang="en-US" smtClean="0">
+            <a:rPr lang="en-US" sz="2400" smtClean="0">
               <a:solidFill>
                 <a:schemeClr val="accent4">
                   <a:lumMod val="20000"/>
@@ -10389,7 +10758,7 @@
             </a:rPr>
             <a:t>Primary key</a:t>
           </a:r>
-          <a:endParaRPr lang="en-US" dirty="0">
+          <a:endParaRPr lang="en-US" sz="2400" dirty="0">
             <a:solidFill>
               <a:schemeClr val="accent4">
                 <a:lumMod val="20000"/>
@@ -10407,7 +10776,7 @@
         <a:bodyPr/>
         <a:lstStyle/>
         <a:p>
-          <a:endParaRPr lang="en-US">
+          <a:endParaRPr lang="en-US" sz="2000">
             <a:solidFill>
               <a:schemeClr val="accent4">
                 <a:lumMod val="20000"/>
@@ -10425,7 +10794,7 @@
         <a:bodyPr/>
         <a:lstStyle/>
         <a:p>
-          <a:endParaRPr lang="en-US">
+          <a:endParaRPr lang="en-US" sz="2000">
             <a:solidFill>
               <a:schemeClr val="accent4">
                 <a:lumMod val="20000"/>
@@ -10444,6 +10813,13 @@
         </dgm:presLayoutVars>
       </dgm:prSet>
       <dgm:spPr/>
+      <dgm:t>
+        <a:bodyPr/>
+        <a:lstStyle/>
+        <a:p>
+          <a:endParaRPr lang="en-US"/>
+        </a:p>
+      </dgm:t>
     </dgm:pt>
     <dgm:pt modelId="{EB501BC8-DB63-433B-BC45-EA836822BDA0}" type="pres">
       <dgm:prSet presAssocID="{FE5064EC-5E54-4AA7-8486-FEC72AD3769B}" presName="node" presStyleLbl="node1" presStyleIdx="0" presStyleCnt="10">
@@ -10471,6 +10847,13 @@
         </dgm:presLayoutVars>
       </dgm:prSet>
       <dgm:spPr/>
+      <dgm:t>
+        <a:bodyPr/>
+        <a:lstStyle/>
+        <a:p>
+          <a:endParaRPr lang="en-US"/>
+        </a:p>
+      </dgm:t>
     </dgm:pt>
     <dgm:pt modelId="{62815CF3-F1C0-4C66-95B5-F9A76786F982}" type="pres">
       <dgm:prSet presAssocID="{665079EC-C53C-4FD3-A5E8-B4DD73BEDA59}" presName="sibTrans" presStyleCnt="0"/>
@@ -10483,6 +10866,13 @@
         </dgm:presLayoutVars>
       </dgm:prSet>
       <dgm:spPr/>
+      <dgm:t>
+        <a:bodyPr/>
+        <a:lstStyle/>
+        <a:p>
+          <a:endParaRPr lang="en-US"/>
+        </a:p>
+      </dgm:t>
     </dgm:pt>
     <dgm:pt modelId="{B17807F5-D814-409F-BF18-15162A549449}" type="pres">
       <dgm:prSet presAssocID="{43A54602-58A5-43A5-B82F-9C8679F7EB38}" presName="sibTrans" presStyleCnt="0"/>
@@ -10495,6 +10885,13 @@
         </dgm:presLayoutVars>
       </dgm:prSet>
       <dgm:spPr/>
+      <dgm:t>
+        <a:bodyPr/>
+        <a:lstStyle/>
+        <a:p>
+          <a:endParaRPr lang="en-US"/>
+        </a:p>
+      </dgm:t>
     </dgm:pt>
     <dgm:pt modelId="{C9AC7F68-CFD4-46D6-B1EB-2E3F6FCBFC00}" type="pres">
       <dgm:prSet presAssocID="{B248FABC-BDE9-432E-B006-A019D62BE75C}" presName="sibTrans" presStyleCnt="0"/>
@@ -10526,6 +10923,13 @@
         </dgm:presLayoutVars>
       </dgm:prSet>
       <dgm:spPr/>
+      <dgm:t>
+        <a:bodyPr/>
+        <a:lstStyle/>
+        <a:p>
+          <a:endParaRPr lang="en-US"/>
+        </a:p>
+      </dgm:t>
     </dgm:pt>
     <dgm:pt modelId="{6454A33F-C90E-47E6-9CCF-6A6AD6F24341}" type="pres">
       <dgm:prSet presAssocID="{BD527FD7-DFC0-4350-BB1B-75BAA152F00C}" presName="sibTrans" presStyleCnt="0"/>
@@ -10538,6 +10942,13 @@
         </dgm:presLayoutVars>
       </dgm:prSet>
       <dgm:spPr/>
+      <dgm:t>
+        <a:bodyPr/>
+        <a:lstStyle/>
+        <a:p>
+          <a:endParaRPr lang="en-US"/>
+        </a:p>
+      </dgm:t>
     </dgm:pt>
     <dgm:pt modelId="{846FD295-7D96-49FE-9ECD-2690B9DE388E}" type="pres">
       <dgm:prSet presAssocID="{C0F7E524-5CE4-4E1C-9494-2021CAC42B69}" presName="sibTrans" presStyleCnt="0"/>
@@ -10598,8 +11009,8 @@
     </dgm:pt>
   </dgm:ptLst>
   <dgm:cxnLst>
+    <dgm:cxn modelId="{039B696C-789B-4F4B-AA19-7143C69628A4}" srcId="{8E4B143A-0900-483F-832B-62CC28973241}" destId="{2F459B82-89DE-4B1F-9AEC-1EE78646C030}" srcOrd="4" destOrd="0" parTransId="{75B114AB-183B-4ECF-ADFE-3D56A599C596}" sibTransId="{C0A914C9-EE2D-4FB7-AD54-5F61E4128571}"/>
     <dgm:cxn modelId="{CF9A3210-6D8A-47C8-BCAC-88C40790EE69}" srcId="{8E4B143A-0900-483F-832B-62CC28973241}" destId="{1A601496-00BD-4A74-9595-96A4B99E98DC}" srcOrd="2" destOrd="0" parTransId="{FE51D19F-7D06-4452-8F61-D0764781E3D2}" sibTransId="{43A54602-58A5-43A5-B82F-9C8679F7EB38}"/>
-    <dgm:cxn modelId="{039B696C-789B-4F4B-AA19-7143C69628A4}" srcId="{8E4B143A-0900-483F-832B-62CC28973241}" destId="{2F459B82-89DE-4B1F-9AEC-1EE78646C030}" srcOrd="4" destOrd="0" parTransId="{75B114AB-183B-4ECF-ADFE-3D56A599C596}" sibTransId="{C0A914C9-EE2D-4FB7-AD54-5F61E4128571}"/>
     <dgm:cxn modelId="{D7C3B76F-D9EE-4323-B861-725DA6ACDCC1}" srcId="{8E4B143A-0900-483F-832B-62CC28973241}" destId="{10E1E113-ABFA-4027-AE08-FA4F01C3E0EF}" srcOrd="5" destOrd="0" parTransId="{C4AF3E50-B836-4218-AD8B-4385B6C19623}" sibTransId="{BD527FD7-DFC0-4350-BB1B-75BAA152F00C}"/>
     <dgm:cxn modelId="{158DDA0A-7140-4098-9A3D-CA5F87286B6E}" type="presOf" srcId="{FE5064EC-5E54-4AA7-8486-FEC72AD3769B}" destId="{EB501BC8-DB63-433B-BC45-EA836822BDA0}" srcOrd="0" destOrd="0" presId="urn:microsoft.com/office/officeart/2005/8/layout/default"/>
     <dgm:cxn modelId="{65EE1006-4314-4C15-851A-9E26BEFD5D2F}" srcId="{8E4B143A-0900-483F-832B-62CC28973241}" destId="{FE5064EC-5E54-4AA7-8486-FEC72AD3769B}" srcOrd="0" destOrd="0" parTransId="{390046E8-7E88-446D-A96E-F187A985C424}" sibTransId="{E5DECFC0-D3D9-4FFC-9AB6-A6CA592E1F70}"/>
@@ -10615,8 +11026,8 @@
     <dgm:cxn modelId="{CC056CAF-BD01-44D1-9F73-F3D941B1DBBF}" type="presOf" srcId="{C1B7D1A0-23E0-467A-A029-BD6DB4EB5E73}" destId="{2C345942-5A97-4394-A9BC-333B60AB5D9E}" srcOrd="0" destOrd="0" presId="urn:microsoft.com/office/officeart/2005/8/layout/default"/>
     <dgm:cxn modelId="{95734F17-1658-4311-B6CB-307AD81E0CE4}" type="presOf" srcId="{10E1E113-ABFA-4027-AE08-FA4F01C3E0EF}" destId="{662AE655-3F58-4390-A646-E9FD06F97527}" srcOrd="0" destOrd="0" presId="urn:microsoft.com/office/officeart/2005/8/layout/default"/>
     <dgm:cxn modelId="{0E576E08-8324-42C4-BED6-5D1B15EFBAE7}" srcId="{8E4B143A-0900-483F-832B-62CC28973241}" destId="{CFEA9925-1F58-4313-B8E0-63D5F26EE7F5}" srcOrd="9" destOrd="0" parTransId="{7138A996-9FC5-4A0B-9DB2-7A9B1A3DE8C2}" sibTransId="{E8883050-7F61-4711-8595-ECCA8C43E874}"/>
+    <dgm:cxn modelId="{266B60E5-2512-49E9-B83C-475A8BCAE2F9}" type="presOf" srcId="{8E4B143A-0900-483F-832B-62CC28973241}" destId="{1231A8FA-428F-4F6B-B458-32046953DC5D}" srcOrd="0" destOrd="0" presId="urn:microsoft.com/office/officeart/2005/8/layout/default"/>
     <dgm:cxn modelId="{03E60725-5C5C-4806-B266-FB9033BEF3F3}" type="presOf" srcId="{765B4942-2B41-4073-BCEB-443D4C8F84A1}" destId="{BCC479C0-2164-4166-9945-A97F80F4F011}" srcOrd="0" destOrd="0" presId="urn:microsoft.com/office/officeart/2005/8/layout/default"/>
-    <dgm:cxn modelId="{266B60E5-2512-49E9-B83C-475A8BCAE2F9}" type="presOf" srcId="{8E4B143A-0900-483F-832B-62CC28973241}" destId="{1231A8FA-428F-4F6B-B458-32046953DC5D}" srcOrd="0" destOrd="0" presId="urn:microsoft.com/office/officeart/2005/8/layout/default"/>
     <dgm:cxn modelId="{6F3C41A9-97DA-4253-AC23-2358F8529AEE}" type="presOf" srcId="{1A601496-00BD-4A74-9595-96A4B99E98DC}" destId="{BE1773F1-72D0-4051-86A8-E656B8089969}" srcOrd="0" destOrd="0" presId="urn:microsoft.com/office/officeart/2005/8/layout/default"/>
     <dgm:cxn modelId="{F6D58684-B22A-4101-89FF-FC4D3A90A794}" srcId="{8E4B143A-0900-483F-832B-62CC28973241}" destId="{93CD747E-C84C-4CA9-A07A-D1D7FB7CD0D8}" srcOrd="6" destOrd="0" parTransId="{70306E83-3325-4149-B5FE-814ADFE95B23}" sibTransId="{C0F7E524-5CE4-4E1C-9494-2021CAC42B69}"/>
     <dgm:cxn modelId="{796AF99D-FAB3-42DD-99F4-875C841FD275}" type="presParOf" srcId="{1231A8FA-428F-4F6B-B458-32046953DC5D}" destId="{EB501BC8-DB63-433B-BC45-EA836822BDA0}" srcOrd="0" destOrd="0" presId="urn:microsoft.com/office/officeart/2005/8/layout/default"/>
@@ -10728,10 +11139,10 @@
             </a:spcAft>
           </a:pPr>
           <a:r>
-            <a:rPr lang="en-US" sz="2700" kern="1200" smtClean="0"/>
+            <a:rPr lang="en-US" sz="2700" kern="1200" dirty="0" smtClean="0"/>
             <a:t>Learn</a:t>
           </a:r>
-          <a:endParaRPr lang="en-US" sz="2700" kern="1200"/>
+          <a:endParaRPr lang="en-US" sz="2700" kern="1200" dirty="0"/>
         </a:p>
       </dsp:txBody>
       <dsp:txXfrm>
@@ -11217,10 +11628,18 @@
             </a:spcAft>
           </a:pPr>
           <a:r>
-            <a:rPr lang="en-US" sz="2400" kern="1200" smtClean="0"/>
+            <a:rPr lang="en-US" sz="2400" kern="1200" smtClean="0">
+              <a:solidFill>
+                <a:sysClr val="windowText" lastClr="000000"/>
+              </a:solidFill>
+            </a:rPr>
             <a:t>Backend</a:t>
           </a:r>
-          <a:endParaRPr lang="en-US" sz="2400" kern="1200"/>
+          <a:endParaRPr lang="en-US" sz="2400" kern="1200">
+            <a:solidFill>
+              <a:sysClr val="windowText" lastClr="000000"/>
+            </a:solidFill>
+          </a:endParaRPr>
         </a:p>
       </dsp:txBody>
       <dsp:txXfrm>
@@ -11298,14 +11717,21 @@
             <a:buChar char="••"/>
           </a:pPr>
           <a:r>
-            <a:rPr lang="en-US" sz="2400" kern="1200" dirty="0" err="1" smtClean="0"/>
+            <a:rPr lang="en-US" sz="2400" kern="1200" dirty="0" err="1" smtClean="0">
+              <a:solidFill>
+                <a:sysClr val="windowText" lastClr="000000"/>
+              </a:solidFill>
+            </a:rPr>
             <a:t>Jquery</a:t>
           </a:r>
           <a:r>
-            <a:rPr lang="en-US" sz="2400" kern="1200" dirty="0" smtClean="0"/>
+            <a:rPr lang="en-US" sz="2400" kern="1200" dirty="0" smtClean="0">
+              <a:solidFill>
+                <a:sysClr val="windowText" lastClr="000000"/>
+              </a:solidFill>
+            </a:rPr>
             <a:t> + plugins</a:t>
           </a:r>
-          <a:endParaRPr lang="en-US" sz="2400" kern="1200" dirty="0" smtClean="0"/>
         </a:p>
         <a:p>
           <a:pPr marL="228600" lvl="1" indent="-228600" algn="l" defTabSz="1066800">
@@ -11321,10 +11747,13 @@
             <a:buChar char="••"/>
           </a:pPr>
           <a:r>
-            <a:rPr lang="en-US" sz="2400" kern="1200" dirty="0" smtClean="0"/>
+            <a:rPr lang="en-US" sz="2400" kern="1200" dirty="0" smtClean="0">
+              <a:solidFill>
+                <a:sysClr val="windowText" lastClr="000000"/>
+              </a:solidFill>
+            </a:rPr>
             <a:t>Lo-dash</a:t>
           </a:r>
-          <a:endParaRPr lang="en-US" sz="2400" kern="1200" dirty="0" smtClean="0"/>
         </a:p>
       </dsp:txBody>
       <dsp:txXfrm>
@@ -11399,10 +11828,13 @@
             </a:spcAft>
           </a:pPr>
           <a:r>
-            <a:rPr lang="en-US" sz="2400" kern="1200" dirty="0" smtClean="0"/>
+            <a:rPr lang="en-US" sz="2400" kern="1200" dirty="0" smtClean="0">
+              <a:solidFill>
+                <a:sysClr val="windowText" lastClr="000000"/>
+              </a:solidFill>
+            </a:rPr>
             <a:t>Layout &amp; Style</a:t>
           </a:r>
-          <a:endParaRPr lang="en-US" sz="2400" kern="1200" dirty="0" smtClean="0"/>
         </a:p>
       </dsp:txBody>
       <dsp:txXfrm>
@@ -11480,10 +11912,13 @@
             <a:buChar char="••"/>
           </a:pPr>
           <a:r>
-            <a:rPr lang="en-US" sz="2400" kern="1200" dirty="0" smtClean="0"/>
+            <a:rPr lang="en-US" sz="2400" kern="1200" dirty="0" smtClean="0">
+              <a:solidFill>
+                <a:sysClr val="windowText" lastClr="000000"/>
+              </a:solidFill>
+            </a:rPr>
             <a:t>Bootstrap</a:t>
           </a:r>
-          <a:endParaRPr lang="en-US" sz="2400" kern="1200" dirty="0" smtClean="0"/>
         </a:p>
         <a:p>
           <a:pPr marL="228600" lvl="1" indent="-228600" algn="l" defTabSz="1066800">
@@ -11499,14 +11934,21 @@
             <a:buChar char="••"/>
           </a:pPr>
           <a:r>
-            <a:rPr lang="en-US" sz="2400" kern="1200" dirty="0" err="1" smtClean="0"/>
+            <a:rPr lang="en-US" sz="2400" kern="1200" dirty="0" err="1" smtClean="0">
+              <a:solidFill>
+                <a:sysClr val="windowText" lastClr="000000"/>
+              </a:solidFill>
+            </a:rPr>
             <a:t>sb</a:t>
           </a:r>
           <a:r>
-            <a:rPr lang="en-US" sz="2400" kern="1200" dirty="0" smtClean="0"/>
+            <a:rPr lang="en-US" sz="2400" kern="1200" dirty="0" smtClean="0">
+              <a:solidFill>
+                <a:sysClr val="windowText" lastClr="000000"/>
+              </a:solidFill>
+            </a:rPr>
             <a:t>-admin</a:t>
           </a:r>
-          <a:endParaRPr lang="en-US" sz="2400" kern="1200" dirty="0" smtClean="0"/>
         </a:p>
         <a:p>
           <a:pPr marL="228600" lvl="1" indent="-228600" algn="l" defTabSz="1066800">
@@ -11522,10 +11964,13 @@
             <a:buChar char="••"/>
           </a:pPr>
           <a:r>
-            <a:rPr lang="en-US" sz="2400" kern="1200" dirty="0" smtClean="0"/>
+            <a:rPr lang="en-US" sz="2400" kern="1200" dirty="0" smtClean="0">
+              <a:solidFill>
+                <a:sysClr val="windowText" lastClr="000000"/>
+              </a:solidFill>
+            </a:rPr>
             <a:t>spin.js</a:t>
           </a:r>
-          <a:endParaRPr lang="en-US" sz="2400" kern="1200" dirty="0" smtClean="0"/>
         </a:p>
       </dsp:txBody>
       <dsp:txXfrm>
@@ -11600,10 +12045,13 @@
             </a:spcAft>
           </a:pPr>
           <a:r>
-            <a:rPr lang="en-US" sz="2400" kern="1200" dirty="0" smtClean="0"/>
+            <a:rPr lang="en-US" sz="2400" kern="1200" dirty="0" smtClean="0">
+              <a:solidFill>
+                <a:sysClr val="windowText" lastClr="000000"/>
+              </a:solidFill>
+            </a:rPr>
             <a:t>Data processing</a:t>
           </a:r>
-          <a:endParaRPr lang="en-US" sz="2400" kern="1200" dirty="0" smtClean="0"/>
         </a:p>
       </dsp:txBody>
       <dsp:txXfrm>
@@ -11681,10 +12129,18 @@
             <a:buChar char="••"/>
           </a:pPr>
           <a:r>
-            <a:rPr lang="en-US" sz="2400" kern="1200" dirty="0" smtClean="0"/>
+            <a:rPr lang="en-US" sz="2400" kern="1200" dirty="0" smtClean="0">
+              <a:solidFill>
+                <a:sysClr val="windowText" lastClr="000000"/>
+              </a:solidFill>
+            </a:rPr>
             <a:t>PapaParse.js</a:t>
           </a:r>
-          <a:endParaRPr lang="en-US" sz="2400" kern="1200" dirty="0"/>
+          <a:endParaRPr lang="en-US" sz="2400" kern="1200" dirty="0">
+            <a:solidFill>
+              <a:sysClr val="windowText" lastClr="000000"/>
+            </a:solidFill>
+          </a:endParaRPr>
         </a:p>
         <a:p>
           <a:pPr marL="228600" lvl="1" indent="-228600" algn="l" defTabSz="1066800">
@@ -11700,10 +12156,13 @@
             <a:buChar char="••"/>
           </a:pPr>
           <a:r>
-            <a:rPr lang="en-US" sz="2400" kern="1200" dirty="0" smtClean="0"/>
+            <a:rPr lang="en-US" sz="2400" kern="1200" dirty="0" smtClean="0">
+              <a:solidFill>
+                <a:sysClr val="windowText" lastClr="000000"/>
+              </a:solidFill>
+            </a:rPr>
             <a:t>Moment.js + plugins</a:t>
           </a:r>
-          <a:endParaRPr lang="en-US" sz="2400" kern="1200" dirty="0" smtClean="0"/>
         </a:p>
       </dsp:txBody>
       <dsp:txXfrm>
@@ -11790,10 +12249,18 @@
             </a:spcAft>
           </a:pPr>
           <a:r>
-            <a:rPr lang="en-US" sz="2200" kern="1200" smtClean="0"/>
+            <a:rPr lang="en-US" sz="2200" kern="1200" smtClean="0">
+              <a:solidFill>
+                <a:sysClr val="windowText" lastClr="000000"/>
+              </a:solidFill>
+            </a:rPr>
             <a:t>Visualization</a:t>
           </a:r>
-          <a:endParaRPr lang="en-US" sz="2200" kern="1200"/>
+          <a:endParaRPr lang="en-US" sz="2200" kern="1200">
+            <a:solidFill>
+              <a:sysClr val="windowText" lastClr="000000"/>
+            </a:solidFill>
+          </a:endParaRPr>
         </a:p>
       </dsp:txBody>
       <dsp:txXfrm>
@@ -11876,10 +12343,13 @@
             <a:defRPr/>
           </a:pPr>
           <a:r>
-            <a:rPr lang="en-US" sz="2200" kern="1200" dirty="0" smtClean="0"/>
+            <a:rPr lang="en-US" sz="2200" kern="1200" dirty="0" smtClean="0">
+              <a:solidFill>
+                <a:sysClr val="windowText" lastClr="000000"/>
+              </a:solidFill>
+            </a:rPr>
             <a:t>D3</a:t>
           </a:r>
-          <a:endParaRPr lang="en-US" sz="2200" kern="1200" dirty="0" smtClean="0"/>
         </a:p>
         <a:p>
           <a:pPr marL="0" marR="0" lvl="1" indent="0" algn="l" defTabSz="914400" eaLnBrk="1" fontAlgn="auto" latinLnBrk="0" hangingPunct="1">
@@ -11900,10 +12370,13 @@
             <a:defRPr/>
           </a:pPr>
           <a:r>
-            <a:rPr lang="en-US" sz="2200" kern="1200" dirty="0" smtClean="0"/>
+            <a:rPr lang="en-US" sz="2200" kern="1200" dirty="0" smtClean="0">
+              <a:solidFill>
+                <a:sysClr val="windowText" lastClr="000000"/>
+              </a:solidFill>
+            </a:rPr>
             <a:t>MetricGraphics.js</a:t>
           </a:r>
-          <a:endParaRPr lang="en-US" sz="2200" kern="1200" dirty="0" smtClean="0"/>
         </a:p>
         <a:p>
           <a:pPr marL="0" marR="0" lvl="1" indent="0" algn="l" defTabSz="914400" eaLnBrk="1" fontAlgn="auto" latinLnBrk="0" hangingPunct="1">
@@ -11924,10 +12397,13 @@
             <a:defRPr/>
           </a:pPr>
           <a:r>
-            <a:rPr lang="en-US" sz="2200" kern="1200" dirty="0" smtClean="0"/>
+            <a:rPr lang="en-US" sz="2200" kern="1200" dirty="0" smtClean="0">
+              <a:solidFill>
+                <a:sysClr val="windowText" lastClr="000000"/>
+              </a:solidFill>
+            </a:rPr>
             <a:t>Rickshaw.js*</a:t>
           </a:r>
-          <a:endParaRPr lang="en-US" sz="2200" kern="1200" dirty="0" smtClean="0"/>
         </a:p>
       </dsp:txBody>
       <dsp:txXfrm>
@@ -12002,10 +12478,13 @@
             </a:spcAft>
           </a:pPr>
           <a:r>
-            <a:rPr lang="en-US" sz="2200" kern="1200" dirty="0" smtClean="0"/>
+            <a:rPr lang="en-US" sz="2200" kern="1200" dirty="0" smtClean="0">
+              <a:solidFill>
+                <a:sysClr val="windowText" lastClr="000000"/>
+              </a:solidFill>
+            </a:rPr>
             <a:t>Loading and Saving</a:t>
           </a:r>
-          <a:endParaRPr lang="en-US" sz="2200" kern="1200" dirty="0" smtClean="0"/>
         </a:p>
       </dsp:txBody>
       <dsp:txXfrm>
@@ -12083,10 +12562,13 @@
             <a:buChar char="••"/>
           </a:pPr>
           <a:r>
-            <a:rPr lang="en-US" sz="2200" kern="1200" dirty="0" smtClean="0"/>
+            <a:rPr lang="en-US" sz="2200" kern="1200" dirty="0" smtClean="0">
+              <a:solidFill>
+                <a:sysClr val="windowText" lastClr="000000"/>
+              </a:solidFill>
+            </a:rPr>
             <a:t>saveSvgAsPng.js</a:t>
           </a:r>
-          <a:endParaRPr lang="en-US" sz="2200" kern="1200" dirty="0" smtClean="0"/>
         </a:p>
         <a:p>
           <a:pPr marL="228600" lvl="1" indent="-228600" algn="l" defTabSz="977900">
@@ -12102,10 +12584,13 @@
             <a:buChar char="••"/>
           </a:pPr>
           <a:r>
-            <a:rPr lang="en-US" sz="2200" kern="1200" dirty="0" smtClean="0"/>
+            <a:rPr lang="en-US" sz="2200" kern="1200" dirty="0" smtClean="0">
+              <a:solidFill>
+                <a:sysClr val="windowText" lastClr="000000"/>
+              </a:solidFill>
+            </a:rPr>
             <a:t>FileSaver.js*</a:t>
           </a:r>
-          <a:endParaRPr lang="en-US" sz="2200" kern="1200" dirty="0" smtClean="0"/>
         </a:p>
         <a:p>
           <a:pPr marL="228600" lvl="1" indent="-228600" algn="l" defTabSz="977900">
@@ -12121,18 +12606,29 @@
             <a:buChar char="••"/>
           </a:pPr>
           <a:r>
-            <a:rPr lang="en-US" sz="2200" kern="1200" dirty="0" smtClean="0"/>
+            <a:rPr lang="en-US" sz="2200" kern="1200" dirty="0" smtClean="0">
+              <a:solidFill>
+                <a:sysClr val="windowText" lastClr="000000"/>
+              </a:solidFill>
+            </a:rPr>
             <a:t>xls.js + xlsx.js+ </a:t>
           </a:r>
           <a:r>
-            <a:rPr lang="en-US" sz="2200" kern="1200" dirty="0" err="1" smtClean="0"/>
+            <a:rPr lang="en-US" sz="2200" kern="1200" dirty="0" err="1" smtClean="0">
+              <a:solidFill>
+                <a:sysClr val="windowText" lastClr="000000"/>
+              </a:solidFill>
+            </a:rPr>
             <a:t>jszip</a:t>
           </a:r>
           <a:r>
-            <a:rPr lang="en-US" sz="2200" kern="1200" dirty="0" smtClean="0"/>
+            <a:rPr lang="en-US" sz="2200" kern="1200" dirty="0" smtClean="0">
+              <a:solidFill>
+                <a:sysClr val="windowText" lastClr="000000"/>
+              </a:solidFill>
+            </a:rPr>
             <a:t>*</a:t>
           </a:r>
-          <a:endParaRPr lang="en-US" sz="2200" kern="1200" dirty="0" smtClean="0"/>
         </a:p>
       </dsp:txBody>
       <dsp:txXfrm>
@@ -12303,7 +12799,6 @@
             <a:rPr lang="en-US" sz="4000" kern="1200" dirty="0" smtClean="0"/>
             <a:t>Statistics</a:t>
           </a:r>
-          <a:endParaRPr lang="en-US" sz="4000" kern="1200" dirty="0" smtClean="0"/>
         </a:p>
         <a:p>
           <a:pPr marL="285750" lvl="1" indent="-285750" algn="l" defTabSz="1778000">
@@ -12709,7 +13204,6 @@
             <a:rPr lang="en-US" sz="2400" kern="1200" dirty="0" smtClean="0"/>
             <a:t>Count</a:t>
           </a:r>
-          <a:endParaRPr lang="en-US" sz="2400" kern="1200" dirty="0" smtClean="0"/>
         </a:p>
         <a:p>
           <a:pPr marL="228600" lvl="1" indent="-228600" algn="l" defTabSz="1066800">
@@ -12728,7 +13222,6 @@
             <a:rPr lang="en-US" sz="2400" kern="1200" dirty="0" smtClean="0"/>
             <a:t>Unique count</a:t>
           </a:r>
-          <a:endParaRPr lang="en-US" sz="2400" kern="1200" dirty="0" smtClean="0"/>
         </a:p>
         <a:p>
           <a:pPr marL="228600" lvl="1" indent="-228600" algn="l" defTabSz="1066800">
@@ -12747,7 +13240,6 @@
             <a:rPr lang="en-US" sz="2400" b="1" kern="1200" dirty="0" smtClean="0"/>
             <a:t>Missing values</a:t>
           </a:r>
-          <a:endParaRPr lang="en-US" sz="2400" b="1" kern="1200" dirty="0" smtClean="0"/>
         </a:p>
       </dsp:txBody>
       <dsp:txXfrm>
@@ -12825,7 +13317,6 @@
             <a:rPr lang="en-US" sz="2400" kern="1200" dirty="0" smtClean="0"/>
             <a:t>Numbers</a:t>
           </a:r>
-          <a:endParaRPr lang="en-US" sz="2400" kern="1200" dirty="0" smtClean="0"/>
         </a:p>
       </dsp:txBody>
       <dsp:txXfrm>
@@ -12906,7 +13397,6 @@
             <a:rPr lang="en-US" sz="2400" kern="1200" dirty="0" smtClean="0"/>
             <a:t>Mean,</a:t>
           </a:r>
-          <a:endParaRPr lang="en-US" sz="2400" kern="1200" dirty="0" smtClean="0"/>
         </a:p>
         <a:p>
           <a:pPr marL="228600" lvl="1" indent="-228600" algn="l" defTabSz="1066800">
@@ -12925,7 +13415,6 @@
             <a:rPr lang="en-US" sz="2400" kern="1200" dirty="0" smtClean="0"/>
             <a:t>Median</a:t>
           </a:r>
-          <a:endParaRPr lang="en-US" sz="2400" kern="1200" dirty="0" smtClean="0"/>
         </a:p>
         <a:p>
           <a:pPr marL="228600" lvl="1" indent="-228600" algn="l" defTabSz="1066800">
@@ -12944,7 +13433,6 @@
             <a:rPr lang="en-US" sz="2400" kern="1200" dirty="0" smtClean="0"/>
             <a:t>Min, Max …etc.</a:t>
           </a:r>
-          <a:endParaRPr lang="en-US" sz="2400" kern="1200" dirty="0" smtClean="0"/>
         </a:p>
       </dsp:txBody>
       <dsp:txXfrm>
@@ -13115,7 +13603,6 @@
             <a:rPr lang="en-US" sz="2400" b="1" kern="1200" dirty="0" smtClean="0"/>
             <a:t>Humanized range</a:t>
           </a:r>
-          <a:endParaRPr lang="en-US" sz="2400" b="1" kern="1200" dirty="0" smtClean="0"/>
         </a:p>
         <a:p>
           <a:pPr marL="228600" lvl="1" indent="-228600" algn="l" defTabSz="1066800">
@@ -13134,7 +13621,6 @@
             <a:rPr lang="en-US" sz="2400" b="0" kern="1200" dirty="0" smtClean="0"/>
             <a:t>Start, End</a:t>
           </a:r>
-          <a:endParaRPr lang="en-US" sz="2400" b="0" kern="1200" dirty="0" smtClean="0"/>
         </a:p>
         <a:p>
           <a:pPr marL="228600" lvl="1" indent="-228600" algn="l" defTabSz="1066800">
@@ -13153,7 +13639,6 @@
             <a:rPr lang="en-US" sz="2400" b="0" kern="1200" dirty="0" smtClean="0"/>
             <a:t>Date Format</a:t>
           </a:r>
-          <a:endParaRPr lang="en-US" sz="2400" b="0" kern="1200" dirty="0" smtClean="0"/>
         </a:p>
       </dsp:txBody>
       <dsp:txXfrm>
@@ -13231,7 +13716,6 @@
             <a:rPr lang="en-US" sz="2400" kern="1200" dirty="0" smtClean="0"/>
             <a:t>Text</a:t>
           </a:r>
-          <a:endParaRPr lang="en-US" sz="2400" kern="1200" dirty="0" smtClean="0"/>
         </a:p>
       </dsp:txBody>
       <dsp:txXfrm>
@@ -13312,7 +13796,6 @@
             <a:rPr lang="en-US" sz="2400" kern="1200" dirty="0" smtClean="0"/>
             <a:t>Avg. Word count,</a:t>
           </a:r>
-          <a:endParaRPr lang="en-US" sz="2400" kern="1200" dirty="0" smtClean="0"/>
         </a:p>
         <a:p>
           <a:pPr marL="228600" lvl="1" indent="-228600" algn="l" defTabSz="1066800">
@@ -13331,7 +13814,6 @@
             <a:rPr lang="en-US" sz="2400" kern="1200" dirty="0" smtClean="0"/>
             <a:t>Avg. chart count</a:t>
           </a:r>
-          <a:endParaRPr lang="en-US" sz="2400" kern="1200" dirty="0" smtClean="0"/>
         </a:p>
       </dsp:txBody>
       <dsp:txXfrm>
@@ -13502,7 +13984,6 @@
             <a:rPr lang="en-US" sz="1700" kern="1200" dirty="0" smtClean="0"/>
             <a:t>Box Plot</a:t>
           </a:r>
-          <a:endParaRPr lang="en-US" sz="1700" kern="1200" dirty="0" smtClean="0"/>
         </a:p>
         <a:p>
           <a:pPr marL="171450" lvl="1" indent="-171450" algn="l" defTabSz="755650">
@@ -13521,7 +14002,6 @@
             <a:rPr lang="en-US" sz="1700" kern="1200" dirty="0" smtClean="0"/>
             <a:t>FD Lollipop</a:t>
           </a:r>
-          <a:endParaRPr lang="en-US" sz="1700" kern="1200" dirty="0" smtClean="0"/>
         </a:p>
         <a:p>
           <a:pPr marL="171450" lvl="1" indent="-171450" algn="l" defTabSz="755650">
@@ -13540,7 +14020,6 @@
             <a:rPr lang="en-US" sz="1700" kern="1200" dirty="0" smtClean="0"/>
             <a:t>FD with Bins</a:t>
           </a:r>
-          <a:endParaRPr lang="en-US" sz="1700" kern="1200" dirty="0" smtClean="0"/>
         </a:p>
         <a:p>
           <a:pPr marL="171450" lvl="1" indent="-171450" algn="l" defTabSz="755650">
@@ -13559,7 +14038,6 @@
             <a:rPr lang="en-US" sz="1700" kern="1200" dirty="0" smtClean="0"/>
             <a:t>Color spectrum</a:t>
           </a:r>
-          <a:endParaRPr lang="en-US" sz="1700" kern="1200" dirty="0" smtClean="0"/>
         </a:p>
         <a:p>
           <a:pPr marL="171450" lvl="1" indent="-171450" algn="l" defTabSz="755650">
@@ -13578,7 +14056,6 @@
             <a:rPr lang="en-US" sz="1700" kern="1200" dirty="0" smtClean="0"/>
             <a:t>Scatter plot with outliers</a:t>
           </a:r>
-          <a:endParaRPr lang="en-US" sz="1700" kern="1200" dirty="0" smtClean="0"/>
         </a:p>
       </dsp:txBody>
       <dsp:txXfrm>
@@ -13656,7 +14133,6 @@
             <a:rPr lang="en-US" sz="1700" kern="1200" dirty="0" smtClean="0"/>
             <a:t>Date</a:t>
           </a:r>
-          <a:endParaRPr lang="en-US" sz="1700" kern="1200" dirty="0" smtClean="0"/>
         </a:p>
       </dsp:txBody>
       <dsp:txXfrm>
@@ -13737,7 +14213,6 @@
             <a:rPr lang="en-US" sz="1700" kern="1200" dirty="0" smtClean="0"/>
             <a:t>FD Time Series Line chart</a:t>
           </a:r>
-          <a:endParaRPr lang="en-US" sz="1700" kern="1200" dirty="0" smtClean="0"/>
         </a:p>
       </dsp:txBody>
       <dsp:txXfrm>
@@ -13815,7 +14290,6 @@
             <a:rPr lang="en-US" sz="1700" kern="1200" dirty="0" smtClean="0"/>
             <a:t>Text</a:t>
           </a:r>
-          <a:endParaRPr lang="en-US" sz="1700" kern="1200" dirty="0" smtClean="0"/>
         </a:p>
       </dsp:txBody>
       <dsp:txXfrm>
@@ -13896,7 +14370,6 @@
             <a:rPr lang="en-US" sz="1700" kern="1200" dirty="0" smtClean="0"/>
             <a:t>FD Lollipop</a:t>
           </a:r>
-          <a:endParaRPr lang="en-US" sz="1700" kern="1200" dirty="0" smtClean="0"/>
         </a:p>
         <a:p>
           <a:pPr marL="171450" lvl="1" indent="-171450" algn="l" defTabSz="755650">
@@ -13915,7 +14388,6 @@
             <a:rPr lang="en-US" sz="1700" kern="1200" dirty="0" smtClean="0"/>
             <a:t>Color spectrum</a:t>
           </a:r>
-          <a:endParaRPr lang="en-US" sz="1700" kern="1200" dirty="0" smtClean="0"/>
         </a:p>
         <a:p>
           <a:pPr marL="171450" lvl="1" indent="-171450" algn="l" defTabSz="755650">
@@ -13934,7 +14406,6 @@
             <a:rPr lang="en-US" sz="1700" kern="1200" dirty="0" smtClean="0"/>
             <a:t>Word/Char count color spectrum</a:t>
           </a:r>
-          <a:endParaRPr lang="en-US" sz="1700" kern="1200" dirty="0" smtClean="0"/>
         </a:p>
         <a:p>
           <a:pPr marL="171450" lvl="1" indent="-171450" algn="l" defTabSz="755650">
@@ -14011,12 +14482,12 @@
         </a:fontRef>
       </dsp:style>
       <dsp:txBody>
-        <a:bodyPr spcFirstLastPara="0" vert="horz" wrap="square" lIns="76200" tIns="76200" rIns="76200" bIns="76200" numCol="1" spcCol="1270" anchor="ctr" anchorCtr="0">
+        <a:bodyPr spcFirstLastPara="0" vert="horz" wrap="square" lIns="91440" tIns="91440" rIns="91440" bIns="91440" numCol="1" spcCol="1270" anchor="ctr" anchorCtr="0">
           <a:noAutofit/>
         </a:bodyPr>
         <a:lstStyle/>
         <a:p>
-          <a:pPr lvl="0" algn="ctr" defTabSz="889000">
+          <a:pPr lvl="0" algn="ctr" defTabSz="1066800">
             <a:lnSpc>
               <a:spcPct val="90000"/>
             </a:lnSpc>
@@ -14028,7 +14499,7 @@
             </a:spcAft>
           </a:pPr>
           <a:r>
-            <a:rPr lang="en-US" sz="2000" kern="1200" dirty="0" smtClean="0">
+            <a:rPr lang="en-US" sz="2400" kern="1200" dirty="0" smtClean="0">
               <a:solidFill>
                 <a:schemeClr val="accent4">
                   <a:lumMod val="20000"/>
@@ -14038,7 +14509,7 @@
             </a:rPr>
             <a:t>Missing values</a:t>
           </a:r>
-          <a:endParaRPr lang="en-US" sz="2000" kern="1200" dirty="0">
+          <a:endParaRPr lang="en-US" sz="2400" kern="1200" dirty="0">
             <a:solidFill>
               <a:schemeClr val="accent4">
                 <a:lumMod val="20000"/>
@@ -14095,12 +14566,12 @@
         </a:fontRef>
       </dsp:style>
       <dsp:txBody>
-        <a:bodyPr spcFirstLastPara="0" vert="horz" wrap="square" lIns="76200" tIns="76200" rIns="76200" bIns="76200" numCol="1" spcCol="1270" anchor="ctr" anchorCtr="0">
+        <a:bodyPr spcFirstLastPara="0" vert="horz" wrap="square" lIns="91440" tIns="91440" rIns="91440" bIns="91440" numCol="1" spcCol="1270" anchor="ctr" anchorCtr="0">
           <a:noAutofit/>
         </a:bodyPr>
         <a:lstStyle/>
         <a:p>
-          <a:pPr lvl="0" algn="ctr" defTabSz="889000">
+          <a:pPr lvl="0" algn="ctr" defTabSz="1066800">
             <a:lnSpc>
               <a:spcPct val="90000"/>
             </a:lnSpc>
@@ -14112,7 +14583,7 @@
             </a:spcAft>
           </a:pPr>
           <a:r>
-            <a:rPr lang="en-US" sz="2000" kern="1200" dirty="0" smtClean="0">
+            <a:rPr lang="en-US" sz="2400" kern="1200" dirty="0" smtClean="0">
               <a:solidFill>
                 <a:schemeClr val="accent4">
                   <a:lumMod val="20000"/>
@@ -14122,14 +14593,6 @@
             </a:rPr>
             <a:t>Mixed values</a:t>
           </a:r>
-          <a:endParaRPr lang="en-US" sz="2000" kern="1200" dirty="0" smtClean="0">
-            <a:solidFill>
-              <a:schemeClr val="accent4">
-                <a:lumMod val="20000"/>
-                <a:lumOff val="80000"/>
-              </a:schemeClr>
-            </a:solidFill>
-          </a:endParaRPr>
         </a:p>
       </dsp:txBody>
       <dsp:txXfrm>
@@ -14179,12 +14642,12 @@
         </a:fontRef>
       </dsp:style>
       <dsp:txBody>
-        <a:bodyPr spcFirstLastPara="0" vert="horz" wrap="square" lIns="76200" tIns="76200" rIns="76200" bIns="76200" numCol="1" spcCol="1270" anchor="ctr" anchorCtr="0">
+        <a:bodyPr spcFirstLastPara="0" vert="horz" wrap="square" lIns="91440" tIns="91440" rIns="91440" bIns="91440" numCol="1" spcCol="1270" anchor="ctr" anchorCtr="0">
           <a:noAutofit/>
         </a:bodyPr>
         <a:lstStyle/>
         <a:p>
-          <a:pPr lvl="0" algn="ctr" defTabSz="889000">
+          <a:pPr lvl="0" algn="ctr" defTabSz="1066800">
             <a:lnSpc>
               <a:spcPct val="90000"/>
             </a:lnSpc>
@@ -14196,7 +14659,7 @@
             </a:spcAft>
           </a:pPr>
           <a:r>
-            <a:rPr lang="en-US" sz="2000" kern="1200" dirty="0" smtClean="0">
+            <a:rPr lang="en-US" sz="2400" kern="1200" dirty="0" smtClean="0">
               <a:solidFill>
                 <a:schemeClr val="accent4">
                   <a:lumMod val="20000"/>
@@ -14206,14 +14669,6 @@
             </a:rPr>
             <a:t>Boolean values</a:t>
           </a:r>
-          <a:endParaRPr lang="en-US" sz="2000" kern="1200" dirty="0" smtClean="0">
-            <a:solidFill>
-              <a:schemeClr val="accent4">
-                <a:lumMod val="20000"/>
-                <a:lumOff val="80000"/>
-              </a:schemeClr>
-            </a:solidFill>
-          </a:endParaRPr>
         </a:p>
       </dsp:txBody>
       <dsp:txXfrm>
@@ -14263,12 +14718,12 @@
         </a:fontRef>
       </dsp:style>
       <dsp:txBody>
-        <a:bodyPr spcFirstLastPara="0" vert="horz" wrap="square" lIns="76200" tIns="76200" rIns="76200" bIns="76200" numCol="1" spcCol="1270" anchor="ctr" anchorCtr="0">
+        <a:bodyPr spcFirstLastPara="0" vert="horz" wrap="square" lIns="91440" tIns="91440" rIns="91440" bIns="91440" numCol="1" spcCol="1270" anchor="ctr" anchorCtr="0">
           <a:noAutofit/>
         </a:bodyPr>
         <a:lstStyle/>
         <a:p>
-          <a:pPr lvl="0" algn="ctr" defTabSz="889000">
+          <a:pPr lvl="0" algn="ctr" defTabSz="1066800">
             <a:lnSpc>
               <a:spcPct val="90000"/>
             </a:lnSpc>
@@ -14280,7 +14735,7 @@
             </a:spcAft>
           </a:pPr>
           <a:r>
-            <a:rPr lang="en-US" sz="2000" kern="1200" dirty="0" smtClean="0">
+            <a:rPr lang="en-US" sz="2400" kern="1200" dirty="0" smtClean="0">
               <a:solidFill>
                 <a:schemeClr val="accent4">
                   <a:lumMod val="20000"/>
@@ -14290,14 +14745,6 @@
             </a:rPr>
             <a:t>Categorical values</a:t>
           </a:r>
-          <a:endParaRPr lang="en-US" sz="2000" kern="1200" dirty="0" smtClean="0">
-            <a:solidFill>
-              <a:schemeClr val="accent4">
-                <a:lumMod val="20000"/>
-                <a:lumOff val="80000"/>
-              </a:schemeClr>
-            </a:solidFill>
-          </a:endParaRPr>
         </a:p>
       </dsp:txBody>
       <dsp:txXfrm>
@@ -14347,12 +14794,12 @@
         </a:fontRef>
       </dsp:style>
       <dsp:txBody>
-        <a:bodyPr spcFirstLastPara="0" vert="horz" wrap="square" lIns="76200" tIns="76200" rIns="76200" bIns="76200" numCol="1" spcCol="1270" anchor="ctr" anchorCtr="0">
+        <a:bodyPr spcFirstLastPara="0" vert="horz" wrap="square" lIns="91440" tIns="91440" rIns="91440" bIns="91440" numCol="1" spcCol="1270" anchor="ctr" anchorCtr="0">
           <a:noAutofit/>
         </a:bodyPr>
         <a:lstStyle/>
         <a:p>
-          <a:pPr lvl="0" algn="ctr" defTabSz="889000">
+          <a:pPr lvl="0" algn="ctr" defTabSz="1066800">
             <a:lnSpc>
               <a:spcPct val="90000"/>
             </a:lnSpc>
@@ -14364,7 +14811,7 @@
             </a:spcAft>
           </a:pPr>
           <a:r>
-            <a:rPr lang="en-US" sz="2000" kern="1200" dirty="0" smtClean="0">
+            <a:rPr lang="en-US" sz="2400" kern="1200" dirty="0" smtClean="0">
               <a:solidFill>
                 <a:schemeClr val="accent4">
                   <a:lumMod val="20000"/>
@@ -14374,14 +14821,6 @@
             </a:rPr>
             <a:t>Sorted values</a:t>
           </a:r>
-          <a:endParaRPr lang="en-US" sz="2000" kern="1200" dirty="0" smtClean="0">
-            <a:solidFill>
-              <a:schemeClr val="accent4">
-                <a:lumMod val="20000"/>
-                <a:lumOff val="80000"/>
-              </a:schemeClr>
-            </a:solidFill>
-          </a:endParaRPr>
         </a:p>
       </dsp:txBody>
       <dsp:txXfrm>
@@ -14431,12 +14870,12 @@
         </a:fontRef>
       </dsp:style>
       <dsp:txBody>
-        <a:bodyPr spcFirstLastPara="0" vert="horz" wrap="square" lIns="76200" tIns="76200" rIns="76200" bIns="76200" numCol="1" spcCol="1270" anchor="ctr" anchorCtr="0">
+        <a:bodyPr spcFirstLastPara="0" vert="horz" wrap="square" lIns="91440" tIns="91440" rIns="91440" bIns="91440" numCol="1" spcCol="1270" anchor="ctr" anchorCtr="0">
           <a:noAutofit/>
         </a:bodyPr>
         <a:lstStyle/>
         <a:p>
-          <a:pPr lvl="0" algn="ctr" defTabSz="889000">
+          <a:pPr lvl="0" algn="ctr" defTabSz="1066800">
             <a:lnSpc>
               <a:spcPct val="90000"/>
             </a:lnSpc>
@@ -14448,7 +14887,7 @@
             </a:spcAft>
           </a:pPr>
           <a:r>
-            <a:rPr lang="en-US" sz="2000" kern="1200" dirty="0" smtClean="0">
+            <a:rPr lang="en-US" sz="2400" kern="1200" dirty="0" smtClean="0">
               <a:solidFill>
                 <a:schemeClr val="accent4">
                   <a:lumMod val="20000"/>
@@ -14458,14 +14897,6 @@
             </a:rPr>
             <a:t>Equal intervals</a:t>
           </a:r>
-          <a:endParaRPr lang="en-US" sz="2000" kern="1200" dirty="0" smtClean="0">
-            <a:solidFill>
-              <a:schemeClr val="accent4">
-                <a:lumMod val="20000"/>
-                <a:lumOff val="80000"/>
-              </a:schemeClr>
-            </a:solidFill>
-          </a:endParaRPr>
         </a:p>
       </dsp:txBody>
       <dsp:txXfrm>
@@ -14515,12 +14946,12 @@
         </a:fontRef>
       </dsp:style>
       <dsp:txBody>
-        <a:bodyPr spcFirstLastPara="0" vert="horz" wrap="square" lIns="76200" tIns="76200" rIns="76200" bIns="76200" numCol="1" spcCol="1270" anchor="ctr" anchorCtr="0">
+        <a:bodyPr spcFirstLastPara="0" vert="horz" wrap="square" lIns="91440" tIns="91440" rIns="91440" bIns="91440" numCol="1" spcCol="1270" anchor="ctr" anchorCtr="0">
           <a:noAutofit/>
         </a:bodyPr>
         <a:lstStyle/>
         <a:p>
-          <a:pPr lvl="0" algn="ctr" defTabSz="889000">
+          <a:pPr lvl="0" algn="ctr" defTabSz="1066800">
             <a:lnSpc>
               <a:spcPct val="90000"/>
             </a:lnSpc>
@@ -14532,7 +14963,7 @@
             </a:spcAft>
           </a:pPr>
           <a:r>
-            <a:rPr lang="en-US" sz="2000" kern="1200" dirty="0" smtClean="0">
+            <a:rPr lang="en-US" sz="2400" kern="1200" dirty="0" smtClean="0">
               <a:solidFill>
                 <a:schemeClr val="accent4">
                   <a:lumMod val="20000"/>
@@ -14542,7 +14973,7 @@
             </a:rPr>
             <a:t>Contiguous values</a:t>
           </a:r>
-          <a:endParaRPr lang="en-US" sz="2000" kern="1200" dirty="0">
+          <a:endParaRPr lang="en-US" sz="2400" kern="1200" dirty="0">
             <a:solidFill>
               <a:schemeClr val="accent4">
                 <a:lumMod val="20000"/>
@@ -14599,12 +15030,12 @@
         </a:fontRef>
       </dsp:style>
       <dsp:txBody>
-        <a:bodyPr spcFirstLastPara="0" vert="horz" wrap="square" lIns="76200" tIns="76200" rIns="76200" bIns="76200" numCol="1" spcCol="1270" anchor="ctr" anchorCtr="0">
+        <a:bodyPr spcFirstLastPara="0" vert="horz" wrap="square" lIns="91440" tIns="91440" rIns="91440" bIns="91440" numCol="1" spcCol="1270" anchor="ctr" anchorCtr="0">
           <a:noAutofit/>
         </a:bodyPr>
         <a:lstStyle/>
         <a:p>
-          <a:pPr lvl="0" algn="ctr" defTabSz="889000">
+          <a:pPr lvl="0" algn="ctr" defTabSz="1066800">
             <a:lnSpc>
               <a:spcPct val="90000"/>
             </a:lnSpc>
@@ -14616,7 +15047,7 @@
             </a:spcAft>
           </a:pPr>
           <a:r>
-            <a:rPr lang="en-US" sz="2000" kern="1200" smtClean="0">
+            <a:rPr lang="en-US" sz="2400" kern="1200" smtClean="0">
               <a:solidFill>
                 <a:schemeClr val="accent4">
                   <a:lumMod val="20000"/>
@@ -14626,7 +15057,7 @@
             </a:rPr>
             <a:t>Primary key</a:t>
           </a:r>
-          <a:endParaRPr lang="en-US" sz="2000" kern="1200" dirty="0">
+          <a:endParaRPr lang="en-US" sz="2400" kern="1200" dirty="0">
             <a:solidFill>
               <a:schemeClr val="accent4">
                 <a:lumMod val="20000"/>
@@ -14683,12 +15114,12 @@
         </a:fontRef>
       </dsp:style>
       <dsp:txBody>
-        <a:bodyPr spcFirstLastPara="0" vert="horz" wrap="square" lIns="76200" tIns="76200" rIns="76200" bIns="76200" numCol="1" spcCol="1270" anchor="ctr" anchorCtr="0">
+        <a:bodyPr spcFirstLastPara="0" vert="horz" wrap="square" lIns="91440" tIns="91440" rIns="91440" bIns="91440" numCol="1" spcCol="1270" anchor="ctr" anchorCtr="0">
           <a:noAutofit/>
         </a:bodyPr>
         <a:lstStyle/>
         <a:p>
-          <a:pPr lvl="0" algn="ctr" defTabSz="889000">
+          <a:pPr lvl="0" algn="ctr" defTabSz="1066800">
             <a:lnSpc>
               <a:spcPct val="90000"/>
             </a:lnSpc>
@@ -14700,7 +15131,7 @@
             </a:spcAft>
           </a:pPr>
           <a:r>
-            <a:rPr lang="en-US" sz="2000" kern="1200" dirty="0" smtClean="0">
+            <a:rPr lang="en-US" sz="2400" kern="1200" dirty="0" smtClean="0">
               <a:solidFill>
                 <a:schemeClr val="accent4">
                   <a:lumMod val="20000"/>
@@ -14710,7 +15141,7 @@
             </a:rPr>
             <a:t>Outliers</a:t>
           </a:r>
-          <a:endParaRPr lang="en-US" sz="2000" kern="1200" dirty="0">
+          <a:endParaRPr lang="en-US" sz="2400" kern="1200" dirty="0">
             <a:solidFill>
               <a:schemeClr val="accent4">
                 <a:lumMod val="20000"/>
@@ -14792,7 +15223,39 @@
                 </a:schemeClr>
               </a:solidFill>
             </a:rPr>
-            <a:t>Semantic (zip code, phone, geo)*</a:t>
+            <a:t>Semantic</a:t>
+          </a:r>
+          <a:br>
+            <a:rPr lang="en-US" sz="2000" kern="1200" dirty="0" smtClean="0">
+              <a:solidFill>
+                <a:schemeClr val="accent4">
+                  <a:lumMod val="20000"/>
+                  <a:lumOff val="80000"/>
+                </a:schemeClr>
+              </a:solidFill>
+            </a:rPr>
+          </a:br>
+          <a:r>
+            <a:rPr lang="en-US" sz="2000" kern="1200" dirty="0" smtClean="0">
+              <a:solidFill>
+                <a:schemeClr val="accent4">
+                  <a:lumMod val="20000"/>
+                  <a:lumOff val="80000"/>
+                </a:schemeClr>
+              </a:solidFill>
+            </a:rPr>
+            <a:t>(zip </a:t>
+          </a:r>
+          <a:r>
+            <a:rPr lang="en-US" sz="2000" kern="1200" dirty="0" smtClean="0">
+              <a:solidFill>
+                <a:schemeClr val="accent4">
+                  <a:lumMod val="20000"/>
+                  <a:lumOff val="80000"/>
+                </a:schemeClr>
+              </a:solidFill>
+            </a:rPr>
+            <a:t>code, phone, geo)*</a:t>
           </a:r>
           <a:endParaRPr lang="en-US" sz="2000" kern="1200" dirty="0">
             <a:solidFill>
@@ -24947,7 +25410,7 @@
           <a:p>
             <a:fld id="{ECD19FB2-3AAB-4D03-B13A-2960828C78E3}" type="datetimeFigureOut">
               <a:rPr lang="en-US" dirty="0"/>
-              <a:t>12/3/2014</a:t>
+              <a:t>12/4/2014</a:t>
             </a:fld>
             <a:endParaRPr lang="en-US" dirty="0"/>
           </a:p>
@@ -25273,7 +25736,7 @@
           <a:p>
             <a:fld id="{1471A834-4F3C-4AF9-9C74-05EC35A0F292}" type="datetimeFigureOut">
               <a:rPr lang="en-US" dirty="0"/>
-              <a:t>12/3/2014</a:t>
+              <a:t>12/4/2014</a:t>
             </a:fld>
             <a:endParaRPr lang="en-US" dirty="0"/>
           </a:p>
@@ -25553,7 +26016,7 @@
           <a:p>
             <a:fld id="{1B80C674-7DFC-42FE-B9CD-82963CDB1557}" type="datetimeFigureOut">
               <a:rPr lang="en-US" dirty="0"/>
-              <a:t>12/3/2014</a:t>
+              <a:t>12/4/2014</a:t>
             </a:fld>
             <a:endParaRPr lang="en-US" dirty="0"/>
           </a:p>
@@ -25744,7 +26207,7 @@
           <a:p>
             <a:fld id="{2076456F-F47D-4F25-8053-2A695DA0CA7D}" type="datetimeFigureOut">
               <a:rPr lang="en-US" dirty="0"/>
-              <a:t>12/3/2014</a:t>
+              <a:t>12/4/2014</a:t>
             </a:fld>
             <a:endParaRPr lang="en-US" dirty="0"/>
           </a:p>
@@ -26004,7 +26467,7 @@
           <a:p>
             <a:fld id="{5D6C7379-69CC-4837-9905-BEBA22830C8A}" type="datetimeFigureOut">
               <a:rPr lang="en-US" dirty="0"/>
-              <a:t>12/3/2014</a:t>
+              <a:t>12/4/2014</a:t>
             </a:fld>
             <a:endParaRPr lang="en-US" dirty="0"/>
           </a:p>
@@ -26429,7 +26892,7 @@
           <a:p>
             <a:fld id="{49EB8B7E-8AEE-4F10-BFEE-C999AD004D36}" type="datetimeFigureOut">
               <a:rPr lang="en-US" dirty="0"/>
-              <a:t>12/3/2014</a:t>
+              <a:t>12/4/2014</a:t>
             </a:fld>
             <a:endParaRPr lang="en-US" dirty="0"/>
           </a:p>
@@ -26974,7 +27437,7 @@
           <a:p>
             <a:fld id="{8668F3F9-58BC-440B-B37B-805B9055EF92}" type="datetimeFigureOut">
               <a:rPr lang="en-US" dirty="0"/>
-              <a:t>12/3/2014</a:t>
+              <a:t>12/4/2014</a:t>
             </a:fld>
             <a:endParaRPr lang="en-US" dirty="0"/>
           </a:p>
@@ -27804,7 +28267,7 @@
           <a:p>
             <a:fld id="{0D5A53AF-48EA-489D-8260-9DCAB666386A}" type="datetimeFigureOut">
               <a:rPr lang="en-US" dirty="0"/>
-              <a:t>12/3/2014</a:t>
+              <a:t>12/4/2014</a:t>
             </a:fld>
             <a:endParaRPr lang="en-US" dirty="0"/>
           </a:p>
@@ -27973,7 +28436,7 @@
           <a:p>
             <a:fld id="{0DED02AE-B9A4-47BD-AF8E-97E16144138B}" type="datetimeFigureOut">
               <a:rPr lang="en-US" dirty="0"/>
-              <a:t>12/3/2014</a:t>
+              <a:t>12/4/2014</a:t>
             </a:fld>
             <a:endParaRPr lang="en-US" dirty="0"/>
           </a:p>
@@ -28152,7 +28615,7 @@
           <a:p>
             <a:fld id="{CF0FD78B-DB02-4362-BCDC-98A55456977C}" type="datetimeFigureOut">
               <a:rPr lang="en-US" dirty="0"/>
-              <a:t>12/3/2014</a:t>
+              <a:t>12/4/2014</a:t>
             </a:fld>
             <a:endParaRPr lang="en-US" dirty="0"/>
           </a:p>
@@ -28333,7 +28796,7 @@
           <a:p>
             <a:fld id="{99916976-5D93-46E4-A98A-FAD63E4D0EA8}" type="datetimeFigureOut">
               <a:rPr lang="en-US" dirty="0"/>
-              <a:t>12/3/2014</a:t>
+              <a:t>12/4/2014</a:t>
             </a:fld>
             <a:endParaRPr lang="en-US" dirty="0"/>
           </a:p>
@@ -28521,7 +28984,7 @@
           <a:p>
             <a:fld id="{99916976-5D93-46E4-A98A-FAD63E4D0EA8}" type="datetimeFigureOut">
               <a:rPr lang="en-US" dirty="0"/>
-              <a:t>12/3/2014</a:t>
+              <a:t>12/4/2014</a:t>
             </a:fld>
             <a:endParaRPr lang="en-US" dirty="0"/>
           </a:p>
@@ -28853,7 +29316,7 @@
           <a:p>
             <a:fld id="{0F39F4F5-F4D2-4D2A-AB60-88D37ADCB869}" type="datetimeFigureOut">
               <a:rPr lang="en-US" dirty="0"/>
-              <a:t>12/3/2014</a:t>
+              <a:t>12/4/2014</a:t>
             </a:fld>
             <a:endParaRPr lang="en-US" dirty="0"/>
           </a:p>
@@ -29091,7 +29554,7 @@
           <a:p>
             <a:fld id="{D23BC6CE-6D1E-47E5-8859-F31AC5380EB2}" type="datetimeFigureOut">
               <a:rPr lang="en-US" dirty="0"/>
-              <a:t>12/3/2014</a:t>
+              <a:t>12/4/2014</a:t>
             </a:fld>
             <a:endParaRPr lang="en-US" dirty="0"/>
           </a:p>
@@ -29490,7 +29953,7 @@
           <a:p>
             <a:fld id="{B1B4E7C4-4DA4-404D-9965-B13F2DD7D8BF}" type="datetimeFigureOut">
               <a:rPr lang="en-US" dirty="0"/>
-              <a:t>12/3/2014</a:t>
+              <a:t>12/4/2014</a:t>
             </a:fld>
             <a:endParaRPr lang="en-US" dirty="0"/>
           </a:p>
@@ -29614,7 +30077,7 @@
           <a:p>
             <a:fld id="{476FB7AA-4A53-424F-AD41-70827B6504BA}" type="datetimeFigureOut">
               <a:rPr lang="en-US" dirty="0"/>
-              <a:t>12/3/2014</a:t>
+              <a:t>12/4/2014</a:t>
             </a:fld>
             <a:endParaRPr lang="en-US" dirty="0"/>
           </a:p>
@@ -29708,7 +30171,7 @@
           <a:p>
             <a:fld id="{E7884882-FB12-4BC8-9960-9AD8104D7FAE}" type="datetimeFigureOut">
               <a:rPr lang="en-US" dirty="0"/>
-              <a:t>12/3/2014</a:t>
+              <a:t>12/4/2014</a:t>
             </a:fld>
             <a:endParaRPr lang="en-US" dirty="0"/>
           </a:p>
@@ -29980,7 +30443,7 @@
           <a:p>
             <a:fld id="{F7D1BD23-6E54-4D9D-AD88-A2813C73CC25}" type="datetimeFigureOut">
               <a:rPr lang="en-US" dirty="0"/>
-              <a:t>12/3/2014</a:t>
+              <a:t>12/4/2014</a:t>
             </a:fld>
             <a:endParaRPr lang="en-US" dirty="0"/>
           </a:p>
@@ -30219,7 +30682,7 @@
           <a:p>
             <a:fld id="{51CF1133-3259-4C45-BABA-5B62D9C6F78D}" type="datetimeFigureOut">
               <a:rPr lang="en-US" dirty="0"/>
-              <a:t>12/3/2014</a:t>
+              <a:t>12/4/2014</a:t>
             </a:fld>
             <a:endParaRPr lang="en-US" dirty="0"/>
           </a:p>
@@ -30852,8 +31315,24 @@
           <a:lstStyle/>
           <a:p>
             <a:r>
-              <a:rPr lang="en-US" smtClean="0"/>
-              <a:t>learn, document, share</a:t>
+              <a:rPr lang="en-US" dirty="0" smtClean="0"/>
+              <a:t>learn</a:t>
+            </a:r>
+            <a:r>
+              <a:rPr lang="en-US" dirty="0" smtClean="0"/>
+              <a:t>, </a:t>
+            </a:r>
+            <a:r>
+              <a:rPr lang="en-US" dirty="0" smtClean="0"/>
+              <a:t>document</a:t>
+            </a:r>
+            <a:r>
+              <a:rPr lang="en-US" dirty="0" smtClean="0"/>
+              <a:t>, </a:t>
+            </a:r>
+            <a:r>
+              <a:rPr lang="en-US" dirty="0" smtClean="0"/>
+              <a:t>share</a:t>
             </a:r>
             <a:endParaRPr lang="en-US" dirty="0"/>
           </a:p>
@@ -30903,91 +31382,6 @@
 </file>
 
 <file path=ppt/slides/slide10.xml><?xml version="1.0" encoding="utf-8"?>
-<p:sld xmlns:a="http://schemas.openxmlformats.org/drawingml/2006/main" xmlns:r="http://schemas.openxmlformats.org/officeDocument/2006/relationships" xmlns:p="http://schemas.openxmlformats.org/presentationml/2006/main">
-  <p:cSld>
-    <p:spTree>
-      <p:nvGrpSpPr>
-        <p:cNvPr id="1" name=""/>
-        <p:cNvGrpSpPr/>
-        <p:nvPr/>
-      </p:nvGrpSpPr>
-      <p:grpSpPr>
-        <a:xfrm>
-          <a:off x="0" y="0"/>
-          <a:ext cx="0" cy="0"/>
-          <a:chOff x="0" y="0"/>
-          <a:chExt cx="0" cy="0"/>
-        </a:xfrm>
-      </p:grpSpPr>
-      <p:sp>
-        <p:nvSpPr>
-          <p:cNvPr id="4" name="Title 3"/>
-          <p:cNvSpPr>
-            <a:spLocks noGrp="1"/>
-          </p:cNvSpPr>
-          <p:nvPr>
-            <p:ph type="ctrTitle"/>
-          </p:nvPr>
-        </p:nvSpPr>
-        <p:spPr/>
-        <p:txBody>
-          <a:bodyPr/>
-          <a:lstStyle/>
-          <a:p>
-            <a:r>
-              <a:rPr lang="en-US" smtClean="0"/>
-              <a:t>Demo</a:t>
-            </a:r>
-            <a:endParaRPr lang="en-US" dirty="0"/>
-          </a:p>
-        </p:txBody>
-      </p:sp>
-      <p:sp>
-        <p:nvSpPr>
-          <p:cNvPr id="5" name="Subtitle 4"/>
-          <p:cNvSpPr>
-            <a:spLocks noGrp="1"/>
-          </p:cNvSpPr>
-          <p:nvPr>
-            <p:ph type="subTitle" idx="1"/>
-          </p:nvPr>
-        </p:nvSpPr>
-        <p:spPr/>
-        <p:txBody>
-          <a:bodyPr/>
-          <a:lstStyle/>
-          <a:p>
-            <a:r>
-              <a:rPr lang="en-US" smtClean="0">
-                <a:hlinkClick r:id="rId2"/>
-              </a:rPr>
-              <a:t>jannah.github.io/MetaReader</a:t>
-            </a:r>
-            <a:endParaRPr lang="en-US" dirty="0"/>
-          </a:p>
-        </p:txBody>
-      </p:sp>
-    </p:spTree>
-    <p:extLst>
-      <p:ext uri="{BB962C8B-B14F-4D97-AF65-F5344CB8AC3E}">
-        <p14:creationId xmlns:p14="http://schemas.microsoft.com/office/powerpoint/2010/main" val="3814754533"/>
-      </p:ext>
-    </p:extLst>
-  </p:cSld>
-  <p:clrMapOvr>
-    <a:masterClrMapping/>
-  </p:clrMapOvr>
-  <p:timing>
-    <p:tnLst>
-      <p:par>
-        <p:cTn id="1" dur="indefinite" restart="never" nodeType="tmRoot"/>
-      </p:par>
-    </p:tnLst>
-  </p:timing>
-</p:sld>
-</file>
-
-<file path=ppt/slides/slide11.xml><?xml version="1.0" encoding="utf-8"?>
 <p:sld xmlns:a="http://schemas.openxmlformats.org/drawingml/2006/main" xmlns:r="http://schemas.openxmlformats.org/officeDocument/2006/relationships" xmlns:p="http://schemas.openxmlformats.org/presentationml/2006/main">
   <p:cSld>
     <p:spTree>
@@ -31063,7 +31457,110 @@
             <a:pPr lvl="1"/>
             <a:r>
               <a:rPr lang="en-US" dirty="0" smtClean="0"/>
+              <a:t>Big SVGs crash browser</a:t>
+            </a:r>
+          </a:p>
+          <a:p>
+            <a:pPr lvl="1"/>
+            <a:r>
+              <a:rPr lang="en-US" dirty="0" smtClean="0"/>
+              <a:t>Too many columns</a:t>
+            </a:r>
+            <a:endParaRPr lang="en-US" dirty="0" smtClean="0"/>
+          </a:p>
+          <a:p>
+            <a:pPr lvl="1"/>
+            <a:r>
+              <a:rPr lang="en-US" dirty="0"/>
               <a:t>Image mode workaround</a:t>
+            </a:r>
+          </a:p>
+          <a:p>
+            <a:pPr lvl="1"/>
+            <a:endParaRPr lang="en-US" dirty="0"/>
+          </a:p>
+        </p:txBody>
+      </p:sp>
+    </p:spTree>
+    <p:extLst>
+      <p:ext uri="{BB962C8B-B14F-4D97-AF65-F5344CB8AC3E}">
+        <p14:creationId xmlns:p14="http://schemas.microsoft.com/office/powerpoint/2010/main" val="2136912194"/>
+      </p:ext>
+    </p:extLst>
+  </p:cSld>
+  <p:clrMapOvr>
+    <a:masterClrMapping/>
+  </p:clrMapOvr>
+  <p:timing>
+    <p:tnLst>
+      <p:par>
+        <p:cTn id="1" dur="indefinite" restart="never" nodeType="tmRoot"/>
+      </p:par>
+    </p:tnLst>
+  </p:timing>
+</p:sld>
+</file>
+
+<file path=ppt/slides/slide11.xml><?xml version="1.0" encoding="utf-8"?>
+<p:sld xmlns:a="http://schemas.openxmlformats.org/drawingml/2006/main" xmlns:r="http://schemas.openxmlformats.org/officeDocument/2006/relationships" xmlns:p="http://schemas.openxmlformats.org/presentationml/2006/main">
+  <p:cSld>
+    <p:spTree>
+      <p:nvGrpSpPr>
+        <p:cNvPr id="1" name=""/>
+        <p:cNvGrpSpPr/>
+        <p:nvPr/>
+      </p:nvGrpSpPr>
+      <p:grpSpPr>
+        <a:xfrm>
+          <a:off x="0" y="0"/>
+          <a:ext cx="0" cy="0"/>
+          <a:chOff x="0" y="0"/>
+          <a:chExt cx="0" cy="0"/>
+        </a:xfrm>
+      </p:grpSpPr>
+      <p:sp>
+        <p:nvSpPr>
+          <p:cNvPr id="4" name="Title 3"/>
+          <p:cNvSpPr>
+            <a:spLocks noGrp="1"/>
+          </p:cNvSpPr>
+          <p:nvPr>
+            <p:ph type="ctrTitle"/>
+          </p:nvPr>
+        </p:nvSpPr>
+        <p:spPr/>
+        <p:txBody>
+          <a:bodyPr/>
+          <a:lstStyle/>
+          <a:p>
+            <a:r>
+              <a:rPr lang="en-US" smtClean="0"/>
+              <a:t>Demo</a:t>
+            </a:r>
+            <a:endParaRPr lang="en-US" dirty="0"/>
+          </a:p>
+        </p:txBody>
+      </p:sp>
+      <p:sp>
+        <p:nvSpPr>
+          <p:cNvPr id="5" name="Subtitle 4"/>
+          <p:cNvSpPr>
+            <a:spLocks noGrp="1"/>
+          </p:cNvSpPr>
+          <p:nvPr>
+            <p:ph type="subTitle" idx="1"/>
+          </p:nvPr>
+        </p:nvSpPr>
+        <p:spPr/>
+        <p:txBody>
+          <a:bodyPr/>
+          <a:lstStyle/>
+          <a:p>
+            <a:r>
+              <a:rPr lang="en-US" smtClean="0">
+                <a:hlinkClick r:id="rId2"/>
+              </a:rPr>
+              <a:t>jannah.github.io/MetaReader</a:t>
             </a:r>
             <a:endParaRPr lang="en-US" dirty="0"/>
           </a:p>
@@ -31072,7 +31569,7 @@
     </p:spTree>
     <p:extLst>
       <p:ext uri="{BB962C8B-B14F-4D97-AF65-F5344CB8AC3E}">
-        <p14:creationId xmlns:p14="http://schemas.microsoft.com/office/powerpoint/2010/main" val="2136912194"/>
+        <p14:creationId xmlns:p14="http://schemas.microsoft.com/office/powerpoint/2010/main" val="3814754533"/>
       </p:ext>
     </p:extLst>
   </p:cSld>
@@ -31628,7 +32125,7 @@
             <p:ph idx="1"/>
             <p:extLst>
               <p:ext uri="{D42A27DB-BD31-4B8C-83A1-F6EECF244321}">
-                <p14:modId xmlns:p14="http://schemas.microsoft.com/office/powerpoint/2010/main" val="3318871796"/>
+                <p14:modId xmlns:p14="http://schemas.microsoft.com/office/powerpoint/2010/main" val="2262438278"/>
               </p:ext>
             </p:extLst>
           </p:nvPr>
@@ -31653,7 +32150,7 @@
             <p:ph idx="13"/>
             <p:extLst>
               <p:ext uri="{D42A27DB-BD31-4B8C-83A1-F6EECF244321}">
-                <p14:modId xmlns:p14="http://schemas.microsoft.com/office/powerpoint/2010/main" val="3707902645"/>
+                <p14:modId xmlns:p14="http://schemas.microsoft.com/office/powerpoint/2010/main" val="3320181967"/>
               </p:ext>
             </p:extLst>
           </p:nvPr>
@@ -32111,7 +32608,7 @@
             <p:ph idx="13"/>
             <p:extLst>
               <p:ext uri="{D42A27DB-BD31-4B8C-83A1-F6EECF244321}">
-                <p14:modId xmlns:p14="http://schemas.microsoft.com/office/powerpoint/2010/main" val="4058305920"/>
+                <p14:modId xmlns:p14="http://schemas.microsoft.com/office/powerpoint/2010/main" val="4108702194"/>
               </p:ext>
             </p:extLst>
           </p:nvPr>
